--- a/SEM3/Presentation.pptx
+++ b/SEM3/Presentation.pptx
@@ -5,16 +5,19 @@
     <p:sldMasterId id="2147483648" r:id="rId1"/>
   </p:sldMasterIdLst>
   <p:notesMasterIdLst>
-    <p:notesMasterId r:id="rId9"/>
+    <p:notesMasterId r:id="rId12"/>
   </p:notesMasterIdLst>
   <p:sldIdLst>
     <p:sldId id="256" r:id="rId2"/>
     <p:sldId id="261" r:id="rId3"/>
-    <p:sldId id="257" r:id="rId4"/>
-    <p:sldId id="258" r:id="rId5"/>
-    <p:sldId id="262" r:id="rId6"/>
-    <p:sldId id="259" r:id="rId7"/>
-    <p:sldId id="260" r:id="rId8"/>
+    <p:sldId id="263" r:id="rId4"/>
+    <p:sldId id="264" r:id="rId5"/>
+    <p:sldId id="257" r:id="rId6"/>
+    <p:sldId id="258" r:id="rId7"/>
+    <p:sldId id="265" r:id="rId8"/>
+    <p:sldId id="262" r:id="rId9"/>
+    <p:sldId id="259" r:id="rId10"/>
+    <p:sldId id="260" r:id="rId11"/>
   </p:sldIdLst>
   <p:sldSz cx="12192000" cy="6858000"/>
   <p:notesSz cx="6858000" cy="9144000"/>
@@ -113,7 +116,1103 @@
       </a:defRPr>
     </a:lvl9pPr>
   </p:defaultTextStyle>
+  <p:extLst>
+    <p:ext uri="{EFAFB233-063F-42B5-8137-9DF3F51BA10A}">
+      <p15:sldGuideLst xmlns:p15="http://schemas.microsoft.com/office/powerpoint/2012/main"/>
+    </p:ext>
+  </p:extLst>
 </p:presentation>
+</file>
+
+<file path=ppt/charts/chart1.xml><?xml version="1.0" encoding="utf-8"?>
+<c:chartSpace xmlns:c="http://schemas.openxmlformats.org/drawingml/2006/chart" xmlns:a="http://schemas.openxmlformats.org/drawingml/2006/main" xmlns:r="http://schemas.openxmlformats.org/officeDocument/2006/relationships" xmlns:c16r2="http://schemas.microsoft.com/office/drawing/2015/06/chart">
+  <c:date1904 val="0"/>
+  <c:lang val="fr-FR"/>
+  <c:roundedCorners val="0"/>
+  <mc:AlternateContent xmlns:mc="http://schemas.openxmlformats.org/markup-compatibility/2006">
+    <mc:Choice xmlns:c14="http://schemas.microsoft.com/office/drawing/2007/8/2/chart" Requires="c14">
+      <c14:style val="102"/>
+    </mc:Choice>
+    <mc:Fallback>
+      <c:style val="2"/>
+    </mc:Fallback>
+  </mc:AlternateContent>
+  <c:chart>
+    <c:title>
+      <c:tx>
+        <c:rich>
+          <a:bodyPr rot="0" spcFirstLastPara="1" vertOverflow="ellipsis" vert="horz" wrap="square" anchor="ctr" anchorCtr="1"/>
+          <a:lstStyle/>
+          <a:p>
+            <a:pPr>
+              <a:defRPr sz="1400" b="1" i="0" u="none" strike="noStrike" kern="1200" cap="none" baseline="0">
+                <a:solidFill>
+                  <a:schemeClr val="lt1">
+                    <a:lumMod val="85000"/>
+                  </a:schemeClr>
+                </a:solidFill>
+                <a:latin typeface="+mn-lt"/>
+                <a:ea typeface="+mn-ea"/>
+                <a:cs typeface="+mn-cs"/>
+              </a:defRPr>
+            </a:pPr>
+            <a:r>
+              <a:rPr lang="en-US"/>
+              <a:t>Security/Convenience</a:t>
+            </a:r>
+          </a:p>
+        </c:rich>
+      </c:tx>
+      <c:overlay val="0"/>
+      <c:spPr>
+        <a:noFill/>
+        <a:ln>
+          <a:noFill/>
+        </a:ln>
+        <a:effectLst/>
+      </c:spPr>
+      <c:txPr>
+        <a:bodyPr rot="0" spcFirstLastPara="1" vertOverflow="ellipsis" vert="horz" wrap="square" anchor="ctr" anchorCtr="1"/>
+        <a:lstStyle/>
+        <a:p>
+          <a:pPr>
+            <a:defRPr sz="1400" b="1" i="0" u="none" strike="noStrike" kern="1200" cap="none" baseline="0">
+              <a:solidFill>
+                <a:schemeClr val="lt1">
+                  <a:lumMod val="85000"/>
+                </a:schemeClr>
+              </a:solidFill>
+              <a:latin typeface="+mn-lt"/>
+              <a:ea typeface="+mn-ea"/>
+              <a:cs typeface="+mn-cs"/>
+            </a:defRPr>
+          </a:pPr>
+          <a:endParaRPr lang="fr-FR"/>
+        </a:p>
+      </c:txPr>
+    </c:title>
+    <c:autoTitleDeleted val="0"/>
+    <c:plotArea>
+      <c:layout/>
+      <c:scatterChart>
+        <c:scatterStyle val="smoothMarker"/>
+        <c:varyColors val="0"/>
+        <c:ser>
+          <c:idx val="0"/>
+          <c:order val="0"/>
+          <c:tx>
+            <c:strRef>
+              <c:f>Feuil1!$B$1</c:f>
+              <c:strCache>
+                <c:ptCount val="1"/>
+                <c:pt idx="0">
+                  <c:v>Convenience</c:v>
+                </c:pt>
+              </c:strCache>
+            </c:strRef>
+          </c:tx>
+          <c:spPr>
+            <a:ln w="28575" cap="rnd">
+              <a:solidFill>
+                <a:schemeClr val="accent2"/>
+              </a:solidFill>
+            </a:ln>
+            <a:effectLst>
+              <a:glow rad="139700">
+                <a:schemeClr val="accent1">
+                  <a:satMod val="175000"/>
+                  <a:alpha val="14000"/>
+                </a:schemeClr>
+              </a:glow>
+            </a:effectLst>
+          </c:spPr>
+          <c:marker>
+            <c:symbol val="circle"/>
+            <c:size val="3"/>
+            <c:spPr>
+              <a:solidFill>
+                <a:schemeClr val="accent1">
+                  <a:lumMod val="60000"/>
+                  <a:lumOff val="40000"/>
+                </a:schemeClr>
+              </a:solidFill>
+              <a:ln>
+                <a:noFill/>
+              </a:ln>
+              <a:effectLst>
+                <a:glow rad="63500">
+                  <a:schemeClr val="accent1">
+                    <a:satMod val="175000"/>
+                    <a:alpha val="25000"/>
+                  </a:schemeClr>
+                </a:glow>
+              </a:effectLst>
+            </c:spPr>
+          </c:marker>
+          <c:xVal>
+            <c:numRef>
+              <c:f>Feuil1!$A$2:$A$12</c:f>
+              <c:numCache>
+                <c:formatCode>General</c:formatCode>
+                <c:ptCount val="11"/>
+                <c:pt idx="0">
+                  <c:v>0</c:v>
+                </c:pt>
+                <c:pt idx="1">
+                  <c:v>1</c:v>
+                </c:pt>
+                <c:pt idx="2">
+                  <c:v>2</c:v>
+                </c:pt>
+                <c:pt idx="3">
+                  <c:v>3</c:v>
+                </c:pt>
+                <c:pt idx="4">
+                  <c:v>4</c:v>
+                </c:pt>
+                <c:pt idx="5">
+                  <c:v>5</c:v>
+                </c:pt>
+                <c:pt idx="6">
+                  <c:v>6</c:v>
+                </c:pt>
+                <c:pt idx="7">
+                  <c:v>7</c:v>
+                </c:pt>
+                <c:pt idx="8">
+                  <c:v>8</c:v>
+                </c:pt>
+                <c:pt idx="9">
+                  <c:v>9</c:v>
+                </c:pt>
+                <c:pt idx="10">
+                  <c:v>10</c:v>
+                </c:pt>
+              </c:numCache>
+            </c:numRef>
+          </c:xVal>
+          <c:yVal>
+            <c:numRef>
+              <c:f>Feuil1!$B$2:$B$12</c:f>
+              <c:numCache>
+                <c:formatCode>0.00</c:formatCode>
+                <c:ptCount val="11"/>
+                <c:pt idx="0">
+                  <c:v>10</c:v>
+                </c:pt>
+                <c:pt idx="1">
+                  <c:v>9.85</c:v>
+                </c:pt>
+                <c:pt idx="2">
+                  <c:v>8.5859851526627367</c:v>
+                </c:pt>
+                <c:pt idx="3">
+                  <c:v>6.4348456944581685</c:v>
+                </c:pt>
+                <c:pt idx="4">
+                  <c:v>4.9824561403508776</c:v>
+                </c:pt>
+                <c:pt idx="5">
+                  <c:v>3.8575847821047025</c:v>
+                </c:pt>
+                <c:pt idx="6">
+                  <c:v>2.9169947500444904</c:v>
+                </c:pt>
+                <c:pt idx="7">
+                  <c:v>2.0921578857370648</c:v>
+                </c:pt>
+                <c:pt idx="8">
+                  <c:v>1.3456241552787374</c:v>
+                </c:pt>
+                <c:pt idx="9">
+                  <c:v>0.65497076023391854</c:v>
+                </c:pt>
+                <c:pt idx="10">
+                  <c:v>5.8438977683659132E-3</c:v>
+                </c:pt>
+              </c:numCache>
+            </c:numRef>
+          </c:yVal>
+          <c:smooth val="1"/>
+          <c:extLst>
+            <c:ext xmlns:c16="http://schemas.microsoft.com/office/drawing/2014/chart" uri="{C3380CC4-5D6E-409C-BE32-E72D297353CC}">
+              <c16:uniqueId val="{00000000-4681-4DC4-9585-ECE656A038E3}"/>
+            </c:ext>
+          </c:extLst>
+        </c:ser>
+        <c:dLbls>
+          <c:showLegendKey val="0"/>
+          <c:showVal val="0"/>
+          <c:showCatName val="0"/>
+          <c:showSerName val="0"/>
+          <c:showPercent val="0"/>
+          <c:showBubbleSize val="0"/>
+        </c:dLbls>
+        <c:axId val="316638240"/>
+        <c:axId val="365123488"/>
+      </c:scatterChart>
+      <c:valAx>
+        <c:axId val="316638240"/>
+        <c:scaling>
+          <c:orientation val="minMax"/>
+          <c:max val="11"/>
+          <c:min val="0"/>
+        </c:scaling>
+        <c:delete val="0"/>
+        <c:axPos val="b"/>
+        <c:majorGridlines>
+          <c:spPr>
+            <a:ln w="9525" cap="flat" cmpd="sng" algn="ctr">
+              <a:solidFill>
+                <a:schemeClr val="dk1">
+                  <a:lumMod val="65000"/>
+                  <a:lumOff val="35000"/>
+                  <a:alpha val="75000"/>
+                </a:schemeClr>
+              </a:solidFill>
+              <a:round/>
+            </a:ln>
+            <a:effectLst/>
+          </c:spPr>
+        </c:majorGridlines>
+        <c:title>
+          <c:tx>
+            <c:rich>
+              <a:bodyPr rot="0" spcFirstLastPara="1" vertOverflow="ellipsis" vert="horz" wrap="square" anchor="ctr" anchorCtr="1"/>
+              <a:lstStyle/>
+              <a:p>
+                <a:pPr>
+                  <a:defRPr sz="1800" b="1" i="0" u="none" strike="noStrike" kern="1200" baseline="0">
+                    <a:solidFill>
+                      <a:schemeClr val="lt1">
+                        <a:lumMod val="75000"/>
+                      </a:schemeClr>
+                    </a:solidFill>
+                    <a:latin typeface="Baskerville Old Face" panose="02020602080505020303" pitchFamily="18" charset="0"/>
+                    <a:ea typeface="+mn-ea"/>
+                    <a:cs typeface="+mn-cs"/>
+                  </a:defRPr>
+                </a:pPr>
+                <a:r>
+                  <a:rPr lang="fr-FR" sz="1800">
+                    <a:latin typeface="Baskerville Old Face" panose="02020602080505020303" pitchFamily="18" charset="0"/>
+                  </a:rPr>
+                  <a:t>Security</a:t>
+                </a:r>
+              </a:p>
+            </c:rich>
+          </c:tx>
+          <c:overlay val="0"/>
+          <c:spPr>
+            <a:noFill/>
+            <a:ln>
+              <a:noFill/>
+            </a:ln>
+            <a:effectLst/>
+          </c:spPr>
+          <c:txPr>
+            <a:bodyPr rot="0" spcFirstLastPara="1" vertOverflow="ellipsis" vert="horz" wrap="square" anchor="ctr" anchorCtr="1"/>
+            <a:lstStyle/>
+            <a:p>
+              <a:pPr>
+                <a:defRPr sz="1800" b="1" i="0" u="none" strike="noStrike" kern="1200" baseline="0">
+                  <a:solidFill>
+                    <a:schemeClr val="lt1">
+                      <a:lumMod val="75000"/>
+                    </a:schemeClr>
+                  </a:solidFill>
+                  <a:latin typeface="Baskerville Old Face" panose="02020602080505020303" pitchFamily="18" charset="0"/>
+                  <a:ea typeface="+mn-ea"/>
+                  <a:cs typeface="+mn-cs"/>
+                </a:defRPr>
+              </a:pPr>
+              <a:endParaRPr lang="fr-FR"/>
+            </a:p>
+          </c:txPr>
+        </c:title>
+        <c:numFmt formatCode="General" sourceLinked="1"/>
+        <c:majorTickMark val="none"/>
+        <c:minorTickMark val="none"/>
+        <c:tickLblPos val="nextTo"/>
+        <c:spPr>
+          <a:noFill/>
+          <a:ln w="9525" cap="flat" cmpd="sng" algn="ctr">
+            <a:noFill/>
+            <a:round/>
+          </a:ln>
+          <a:effectLst/>
+        </c:spPr>
+        <c:txPr>
+          <a:bodyPr rot="-60000000" spcFirstLastPara="1" vertOverflow="ellipsis" vert="horz" wrap="square" anchor="ctr" anchorCtr="1"/>
+          <a:lstStyle/>
+          <a:p>
+            <a:pPr>
+              <a:defRPr sz="1400" b="0" i="0" u="none" strike="noStrike" kern="1200" baseline="0">
+                <a:solidFill>
+                  <a:schemeClr val="lt1">
+                    <a:lumMod val="75000"/>
+                  </a:schemeClr>
+                </a:solidFill>
+                <a:latin typeface="Baskerville Old Face" panose="02020602080505020303" pitchFamily="18" charset="0"/>
+                <a:ea typeface="+mn-ea"/>
+                <a:cs typeface="+mn-cs"/>
+              </a:defRPr>
+            </a:pPr>
+            <a:endParaRPr lang="fr-FR"/>
+          </a:p>
+        </c:txPr>
+        <c:crossAx val="365123488"/>
+        <c:crosses val="autoZero"/>
+        <c:crossBetween val="midCat"/>
+        <c:majorUnit val="1"/>
+      </c:valAx>
+      <c:valAx>
+        <c:axId val="365123488"/>
+        <c:scaling>
+          <c:orientation val="minMax"/>
+          <c:max val="10"/>
+          <c:min val="0"/>
+        </c:scaling>
+        <c:delete val="0"/>
+        <c:axPos val="l"/>
+        <c:majorGridlines>
+          <c:spPr>
+            <a:ln w="9525" cap="flat" cmpd="sng" algn="ctr">
+              <a:solidFill>
+                <a:schemeClr val="dk1">
+                  <a:lumMod val="65000"/>
+                  <a:lumOff val="35000"/>
+                  <a:alpha val="75000"/>
+                </a:schemeClr>
+              </a:solidFill>
+              <a:round/>
+            </a:ln>
+            <a:effectLst/>
+          </c:spPr>
+        </c:majorGridlines>
+        <c:title>
+          <c:tx>
+            <c:rich>
+              <a:bodyPr rot="-5400000" spcFirstLastPara="1" vertOverflow="ellipsis" vert="horz" wrap="square" anchor="ctr" anchorCtr="1"/>
+              <a:lstStyle/>
+              <a:p>
+                <a:pPr>
+                  <a:defRPr sz="1800" b="1" i="0" u="none" strike="noStrike" kern="1200" baseline="0">
+                    <a:solidFill>
+                      <a:schemeClr val="lt1">
+                        <a:lumMod val="75000"/>
+                      </a:schemeClr>
+                    </a:solidFill>
+                    <a:latin typeface="Baskerville Old Face" panose="02020602080505020303" pitchFamily="18" charset="0"/>
+                    <a:ea typeface="+mn-ea"/>
+                    <a:cs typeface="+mn-cs"/>
+                  </a:defRPr>
+                </a:pPr>
+                <a:r>
+                  <a:rPr lang="fr-FR" sz="1800">
+                    <a:latin typeface="Baskerville Old Face" panose="02020602080505020303" pitchFamily="18" charset="0"/>
+                  </a:rPr>
+                  <a:t>Convenience</a:t>
+                </a:r>
+              </a:p>
+            </c:rich>
+          </c:tx>
+          <c:overlay val="0"/>
+          <c:spPr>
+            <a:noFill/>
+            <a:ln>
+              <a:noFill/>
+            </a:ln>
+            <a:effectLst/>
+          </c:spPr>
+          <c:txPr>
+            <a:bodyPr rot="-5400000" spcFirstLastPara="1" vertOverflow="ellipsis" vert="horz" wrap="square" anchor="ctr" anchorCtr="1"/>
+            <a:lstStyle/>
+            <a:p>
+              <a:pPr>
+                <a:defRPr sz="1800" b="1" i="0" u="none" strike="noStrike" kern="1200" baseline="0">
+                  <a:solidFill>
+                    <a:schemeClr val="lt1">
+                      <a:lumMod val="75000"/>
+                    </a:schemeClr>
+                  </a:solidFill>
+                  <a:latin typeface="Baskerville Old Face" panose="02020602080505020303" pitchFamily="18" charset="0"/>
+                  <a:ea typeface="+mn-ea"/>
+                  <a:cs typeface="+mn-cs"/>
+                </a:defRPr>
+              </a:pPr>
+              <a:endParaRPr lang="fr-FR"/>
+            </a:p>
+          </c:txPr>
+        </c:title>
+        <c:numFmt formatCode="0.00" sourceLinked="1"/>
+        <c:majorTickMark val="none"/>
+        <c:minorTickMark val="none"/>
+        <c:tickLblPos val="nextTo"/>
+        <c:spPr>
+          <a:noFill/>
+          <a:ln w="9525" cap="flat" cmpd="sng" algn="ctr">
+            <a:solidFill>
+              <a:schemeClr val="lt1">
+                <a:lumMod val="50000"/>
+              </a:schemeClr>
+            </a:solidFill>
+            <a:round/>
+          </a:ln>
+          <a:effectLst/>
+        </c:spPr>
+        <c:txPr>
+          <a:bodyPr rot="-60000000" spcFirstLastPara="1" vertOverflow="ellipsis" vert="horz" wrap="square" anchor="ctr" anchorCtr="1"/>
+          <a:lstStyle/>
+          <a:p>
+            <a:pPr>
+              <a:defRPr sz="1400" b="0" i="0" u="none" strike="noStrike" kern="1200" baseline="0">
+                <a:solidFill>
+                  <a:schemeClr val="lt1">
+                    <a:lumMod val="75000"/>
+                  </a:schemeClr>
+                </a:solidFill>
+                <a:latin typeface="Baskerville Old Face" panose="02020602080505020303" pitchFamily="18" charset="0"/>
+                <a:ea typeface="+mn-ea"/>
+                <a:cs typeface="+mn-cs"/>
+              </a:defRPr>
+            </a:pPr>
+            <a:endParaRPr lang="fr-FR"/>
+          </a:p>
+        </c:txPr>
+        <c:crossAx val="316638240"/>
+        <c:crosses val="autoZero"/>
+        <c:crossBetween val="midCat"/>
+      </c:valAx>
+      <c:spPr>
+        <a:noFill/>
+        <a:ln>
+          <a:noFill/>
+        </a:ln>
+        <a:effectLst/>
+      </c:spPr>
+    </c:plotArea>
+    <c:plotVisOnly val="1"/>
+    <c:dispBlanksAs val="zero"/>
+    <c:extLst>
+      <c:ext xmlns:c16r3="http://schemas.microsoft.com/office/drawing/2017/03/chart" uri="{56B9EC1D-385E-4148-901F-78D8002777C0}">
+        <c16r3:dataDisplayOptions16>
+          <c16r3:dispNaAsBlank val="1"/>
+        </c16r3:dataDisplayOptions16>
+      </c:ext>
+    </c:extLst>
+    <c:showDLblsOverMax val="0"/>
+  </c:chart>
+  <c:spPr>
+    <a:solidFill>
+      <a:schemeClr val="dk1">
+        <a:lumMod val="75000"/>
+        <a:lumOff val="25000"/>
+      </a:schemeClr>
+    </a:solidFill>
+    <a:ln w="9525" cap="flat" cmpd="sng" algn="ctr">
+      <a:solidFill>
+        <a:schemeClr val="dk1">
+          <a:lumMod val="15000"/>
+          <a:lumOff val="85000"/>
+        </a:schemeClr>
+      </a:solidFill>
+      <a:round/>
+    </a:ln>
+    <a:effectLst/>
+  </c:spPr>
+  <c:txPr>
+    <a:bodyPr/>
+    <a:lstStyle/>
+    <a:p>
+      <a:pPr>
+        <a:defRPr/>
+      </a:pPr>
+      <a:endParaRPr lang="fr-FR"/>
+    </a:p>
+  </c:txPr>
+  <c:externalData r:id="rId3">
+    <c:autoUpdate val="0"/>
+  </c:externalData>
+</c:chartSpace>
+</file>
+
+<file path=ppt/charts/colors1.xml><?xml version="1.0" encoding="utf-8"?>
+<cs:colorStyle xmlns:cs="http://schemas.microsoft.com/office/drawing/2012/chartStyle" xmlns:a="http://schemas.openxmlformats.org/drawingml/2006/main" meth="cycle" id="10">
+  <a:schemeClr val="accent1"/>
+  <a:schemeClr val="accent2"/>
+  <a:schemeClr val="accent3"/>
+  <a:schemeClr val="accent4"/>
+  <a:schemeClr val="accent5"/>
+  <a:schemeClr val="accent6"/>
+  <cs:variation/>
+  <cs:variation>
+    <a:lumMod val="60000"/>
+  </cs:variation>
+  <cs:variation>
+    <a:lumMod val="80000"/>
+    <a:lumOff val="20000"/>
+  </cs:variation>
+  <cs:variation>
+    <a:lumMod val="80000"/>
+  </cs:variation>
+  <cs:variation>
+    <a:lumMod val="60000"/>
+    <a:lumOff val="40000"/>
+  </cs:variation>
+  <cs:variation>
+    <a:lumMod val="50000"/>
+  </cs:variation>
+  <cs:variation>
+    <a:lumMod val="70000"/>
+    <a:lumOff val="30000"/>
+  </cs:variation>
+  <cs:variation>
+    <a:lumMod val="70000"/>
+  </cs:variation>
+  <cs:variation>
+    <a:lumMod val="50000"/>
+    <a:lumOff val="50000"/>
+  </cs:variation>
+</cs:colorStyle>
+</file>
+
+<file path=ppt/charts/style1.xml><?xml version="1.0" encoding="utf-8"?>
+<cs:chartStyle xmlns:cs="http://schemas.microsoft.com/office/drawing/2012/chartStyle" xmlns:a="http://schemas.openxmlformats.org/drawingml/2006/main" id="245">
+  <cs:axisTitle>
+    <cs:lnRef idx="0"/>
+    <cs:fillRef idx="0"/>
+    <cs:effectRef idx="0"/>
+    <cs:fontRef idx="minor">
+      <a:schemeClr val="lt1">
+        <a:lumMod val="75000"/>
+      </a:schemeClr>
+    </cs:fontRef>
+    <cs:defRPr sz="900" b="1" kern="1200"/>
+  </cs:axisTitle>
+  <cs:categoryAxis>
+    <cs:lnRef idx="0"/>
+    <cs:fillRef idx="0"/>
+    <cs:effectRef idx="0"/>
+    <cs:fontRef idx="minor">
+      <a:schemeClr val="lt1">
+        <a:lumMod val="75000"/>
+      </a:schemeClr>
+    </cs:fontRef>
+    <cs:defRPr sz="900" kern="1200"/>
+  </cs:categoryAxis>
+  <cs:chartArea>
+    <cs:lnRef idx="0"/>
+    <cs:fillRef idx="0"/>
+    <cs:effectRef idx="0"/>
+    <cs:fontRef idx="minor">
+      <a:schemeClr val="dk1"/>
+    </cs:fontRef>
+    <cs:spPr>
+      <a:solidFill>
+        <a:schemeClr val="dk1">
+          <a:lumMod val="75000"/>
+          <a:lumOff val="25000"/>
+        </a:schemeClr>
+      </a:solidFill>
+      <a:ln w="9525" cap="flat" cmpd="sng" algn="ctr">
+        <a:solidFill>
+          <a:schemeClr val="dk1">
+            <a:lumMod val="15000"/>
+            <a:lumOff val="85000"/>
+          </a:schemeClr>
+        </a:solidFill>
+        <a:round/>
+      </a:ln>
+    </cs:spPr>
+    <cs:defRPr sz="900" kern="1200"/>
+  </cs:chartArea>
+  <cs:dataLabel>
+    <cs:lnRef idx="0"/>
+    <cs:fillRef idx="0"/>
+    <cs:effectRef idx="0"/>
+    <cs:fontRef idx="minor">
+      <a:schemeClr val="lt1">
+        <a:lumMod val="75000"/>
+      </a:schemeClr>
+    </cs:fontRef>
+    <cs:defRPr sz="900" kern="1200"/>
+  </cs:dataLabel>
+  <cs:dataLabelCallout>
+    <cs:lnRef idx="0"/>
+    <cs:fillRef idx="0"/>
+    <cs:effectRef idx="0"/>
+    <cs:fontRef idx="minor">
+      <a:schemeClr val="lt1">
+        <a:lumMod val="15000"/>
+        <a:lumOff val="85000"/>
+      </a:schemeClr>
+    </cs:fontRef>
+    <cs:spPr>
+      <a:solidFill>
+        <a:schemeClr val="dk1">
+          <a:lumMod val="65000"/>
+          <a:lumOff val="35000"/>
+        </a:schemeClr>
+      </a:solidFill>
+    </cs:spPr>
+    <cs:defRPr sz="900" kern="1200"/>
+    <cs:bodyPr rot="0" spcFirstLastPara="1" vertOverflow="clip" horzOverflow="clip" vert="horz" wrap="square" lIns="36576" tIns="18288" rIns="36576" bIns="18288" anchor="ctr" anchorCtr="1">
+      <a:spAutoFit/>
+    </cs:bodyPr>
+  </cs:dataLabelCallout>
+  <cs:dataPoint>
+    <cs:lnRef idx="0">
+      <cs:styleClr val="auto"/>
+    </cs:lnRef>
+    <cs:fillRef idx="0"/>
+    <cs:effectRef idx="0">
+      <cs:styleClr val="auto"/>
+    </cs:effectRef>
+    <cs:fontRef idx="minor">
+      <a:schemeClr val="dk1"/>
+    </cs:fontRef>
+    <cs:spPr>
+      <a:ln w="9525" cap="flat" cmpd="sng" algn="ctr">
+        <a:solidFill>
+          <a:schemeClr val="phClr"/>
+        </a:solidFill>
+        <a:miter lim="800000"/>
+      </a:ln>
+      <a:effectLst>
+        <a:glow rad="63500">
+          <a:schemeClr val="phClr">
+            <a:satMod val="175000"/>
+            <a:alpha val="25000"/>
+          </a:schemeClr>
+        </a:glow>
+      </a:effectLst>
+    </cs:spPr>
+  </cs:dataPoint>
+  <cs:dataPoint3D>
+    <cs:lnRef idx="0">
+      <cs:styleClr val="auto"/>
+    </cs:lnRef>
+    <cs:fillRef idx="0">
+      <cs:styleClr val="auto"/>
+    </cs:fillRef>
+    <cs:effectRef idx="0">
+      <cs:styleClr val="auto"/>
+    </cs:effectRef>
+    <cs:fontRef idx="minor">
+      <a:schemeClr val="dk1"/>
+    </cs:fontRef>
+    <cs:spPr>
+      <a:ln w="9525" cap="flat" cmpd="sng" algn="ctr">
+        <a:solidFill>
+          <a:schemeClr val="phClr"/>
+        </a:solidFill>
+        <a:miter lim="800000"/>
+      </a:ln>
+      <a:effectLst>
+        <a:glow rad="63500">
+          <a:schemeClr val="phClr">
+            <a:satMod val="175000"/>
+            <a:alpha val="25000"/>
+          </a:schemeClr>
+        </a:glow>
+      </a:effectLst>
+    </cs:spPr>
+  </cs:dataPoint3D>
+  <cs:dataPointLine>
+    <cs:lnRef idx="0">
+      <cs:styleClr val="auto"/>
+    </cs:lnRef>
+    <cs:fillRef idx="0">
+      <cs:styleClr val="auto"/>
+    </cs:fillRef>
+    <cs:effectRef idx="0">
+      <cs:styleClr val="auto"/>
+    </cs:effectRef>
+    <cs:fontRef idx="minor">
+      <a:schemeClr val="dk1"/>
+    </cs:fontRef>
+    <cs:spPr>
+      <a:ln w="22225" cap="rnd">
+        <a:solidFill>
+          <a:schemeClr val="phClr"/>
+        </a:solidFill>
+      </a:ln>
+      <a:effectLst>
+        <a:glow rad="139700">
+          <a:schemeClr val="phClr">
+            <a:satMod val="175000"/>
+            <a:alpha val="14000"/>
+          </a:schemeClr>
+        </a:glow>
+      </a:effectLst>
+    </cs:spPr>
+  </cs:dataPointLine>
+  <cs:dataPointMarker>
+    <cs:lnRef idx="0">
+      <cs:styleClr val="auto"/>
+    </cs:lnRef>
+    <cs:fillRef idx="0">
+      <cs:styleClr val="auto"/>
+    </cs:fillRef>
+    <cs:effectRef idx="0">
+      <cs:styleClr val="auto"/>
+    </cs:effectRef>
+    <cs:fontRef idx="minor">
+      <a:schemeClr val="dk1"/>
+    </cs:fontRef>
+    <cs:spPr>
+      <a:solidFill>
+        <a:schemeClr val="phClr">
+          <a:lumMod val="60000"/>
+          <a:lumOff val="40000"/>
+        </a:schemeClr>
+      </a:solidFill>
+      <a:effectLst>
+        <a:glow rad="63500">
+          <a:schemeClr val="phClr">
+            <a:satMod val="175000"/>
+            <a:alpha val="25000"/>
+          </a:schemeClr>
+        </a:glow>
+      </a:effectLst>
+    </cs:spPr>
+  </cs:dataPointMarker>
+  <cs:dataPointMarkerLayout symbol="circle" size="3"/>
+  <cs:dataPointWireframe>
+    <cs:lnRef idx="0">
+      <cs:styleClr val="auto"/>
+    </cs:lnRef>
+    <cs:fillRef idx="0"/>
+    <cs:effectRef idx="0"/>
+    <cs:fontRef idx="minor">
+      <a:schemeClr val="dk1"/>
+    </cs:fontRef>
+    <cs:spPr>
+      <a:ln w="9525" cap="rnd">
+        <a:solidFill>
+          <a:schemeClr val="phClr"/>
+        </a:solidFill>
+        <a:round/>
+      </a:ln>
+    </cs:spPr>
+  </cs:dataPointWireframe>
+  <cs:dataTable>
+    <cs:lnRef idx="0"/>
+    <cs:fillRef idx="0"/>
+    <cs:effectRef idx="0"/>
+    <cs:fontRef idx="minor">
+      <a:schemeClr val="lt1">
+        <a:lumMod val="75000"/>
+      </a:schemeClr>
+    </cs:fontRef>
+    <cs:spPr>
+      <a:ln w="9525">
+        <a:solidFill>
+          <a:schemeClr val="dk1">
+            <a:lumMod val="50000"/>
+            <a:lumOff val="50000"/>
+          </a:schemeClr>
+        </a:solidFill>
+      </a:ln>
+    </cs:spPr>
+    <cs:defRPr sz="900" kern="1200"/>
+  </cs:dataTable>
+  <cs:downBar>
+    <cs:lnRef idx="0"/>
+    <cs:fillRef idx="0"/>
+    <cs:effectRef idx="0"/>
+    <cs:fontRef idx="minor">
+      <a:schemeClr val="lt1"/>
+    </cs:fontRef>
+    <cs:spPr>
+      <a:solidFill>
+        <a:schemeClr val="dk1">
+          <a:lumMod val="50000"/>
+          <a:lumOff val="50000"/>
+        </a:schemeClr>
+      </a:solidFill>
+      <a:ln w="9525">
+        <a:solidFill>
+          <a:schemeClr val="dk1">
+            <a:lumMod val="75000"/>
+          </a:schemeClr>
+        </a:solidFill>
+        <a:round/>
+      </a:ln>
+    </cs:spPr>
+  </cs:downBar>
+  <cs:dropLine>
+    <cs:lnRef idx="0"/>
+    <cs:fillRef idx="0"/>
+    <cs:effectRef idx="0"/>
+    <cs:fontRef idx="minor">
+      <a:schemeClr val="dk1"/>
+    </cs:fontRef>
+    <cs:spPr>
+      <a:ln w="9525">
+        <a:solidFill>
+          <a:schemeClr val="lt1">
+            <a:lumMod val="50000"/>
+          </a:schemeClr>
+        </a:solidFill>
+        <a:round/>
+      </a:ln>
+    </cs:spPr>
+  </cs:dropLine>
+  <cs:errorBar>
+    <cs:lnRef idx="0"/>
+    <cs:fillRef idx="0"/>
+    <cs:effectRef idx="0"/>
+    <cs:fontRef idx="minor">
+      <a:schemeClr val="dk1"/>
+    </cs:fontRef>
+    <cs:spPr>
+      <a:ln w="9525">
+        <a:solidFill>
+          <a:schemeClr val="lt1">
+            <a:lumMod val="50000"/>
+          </a:schemeClr>
+        </a:solidFill>
+        <a:round/>
+      </a:ln>
+    </cs:spPr>
+  </cs:errorBar>
+  <cs:floor>
+    <cs:lnRef idx="0"/>
+    <cs:fillRef idx="0"/>
+    <cs:effectRef idx="0"/>
+    <cs:fontRef idx="minor">
+      <a:schemeClr val="dk1"/>
+    </cs:fontRef>
+  </cs:floor>
+  <cs:gridlineMajor>
+    <cs:lnRef idx="0"/>
+    <cs:fillRef idx="0"/>
+    <cs:effectRef idx="0"/>
+    <cs:fontRef idx="minor">
+      <a:schemeClr val="tx1"/>
+    </cs:fontRef>
+    <cs:spPr>
+      <a:ln w="9525" cap="flat" cmpd="sng" algn="ctr">
+        <a:solidFill>
+          <a:schemeClr val="dk1">
+            <a:lumMod val="65000"/>
+            <a:lumOff val="35000"/>
+            <a:alpha val="75000"/>
+          </a:schemeClr>
+        </a:solidFill>
+        <a:round/>
+      </a:ln>
+    </cs:spPr>
+  </cs:gridlineMajor>
+  <cs:gridlineMinor>
+    <cs:lnRef idx="0"/>
+    <cs:fillRef idx="0"/>
+    <cs:effectRef idx="0"/>
+    <cs:fontRef idx="minor">
+      <a:schemeClr val="tx1"/>
+    </cs:fontRef>
+    <cs:spPr>
+      <a:ln w="9525" cap="flat" cmpd="sng" algn="ctr">
+        <a:solidFill>
+          <a:schemeClr val="dk1">
+            <a:lumMod val="65000"/>
+            <a:lumOff val="35000"/>
+            <a:alpha val="25000"/>
+          </a:schemeClr>
+        </a:solidFill>
+        <a:round/>
+      </a:ln>
+    </cs:spPr>
+  </cs:gridlineMinor>
+  <cs:hiLoLine>
+    <cs:lnRef idx="0"/>
+    <cs:fillRef idx="0"/>
+    <cs:effectRef idx="0"/>
+    <cs:fontRef idx="minor">
+      <a:schemeClr val="dk1"/>
+    </cs:fontRef>
+    <cs:spPr>
+      <a:ln w="9525">
+        <a:solidFill>
+          <a:schemeClr val="lt1">
+            <a:lumMod val="50000"/>
+          </a:schemeClr>
+        </a:solidFill>
+        <a:round/>
+      </a:ln>
+    </cs:spPr>
+  </cs:hiLoLine>
+  <cs:leaderLine>
+    <cs:lnRef idx="0"/>
+    <cs:fillRef idx="0"/>
+    <cs:effectRef idx="0"/>
+    <cs:fontRef idx="minor">
+      <a:schemeClr val="dk1"/>
+    </cs:fontRef>
+    <cs:spPr>
+      <a:ln w="9525">
+        <a:solidFill>
+          <a:schemeClr val="lt1">
+            <a:lumMod val="50000"/>
+          </a:schemeClr>
+        </a:solidFill>
+        <a:round/>
+      </a:ln>
+    </cs:spPr>
+  </cs:leaderLine>
+  <cs:legend>
+    <cs:lnRef idx="0"/>
+    <cs:fillRef idx="0"/>
+    <cs:effectRef idx="0"/>
+    <cs:fontRef idx="minor">
+      <a:schemeClr val="lt1">
+        <a:lumMod val="75000"/>
+      </a:schemeClr>
+    </cs:fontRef>
+    <cs:defRPr sz="900" kern="1200"/>
+  </cs:legend>
+  <cs:plotArea>
+    <cs:lnRef idx="0"/>
+    <cs:fillRef idx="0"/>
+    <cs:effectRef idx="0"/>
+    <cs:fontRef idx="minor">
+      <a:schemeClr val="dk1"/>
+    </cs:fontRef>
+  </cs:plotArea>
+  <cs:plotArea3D>
+    <cs:lnRef idx="0"/>
+    <cs:fillRef idx="0"/>
+    <cs:effectRef idx="0"/>
+    <cs:fontRef idx="minor">
+      <a:schemeClr val="dk1"/>
+    </cs:fontRef>
+  </cs:plotArea3D>
+  <cs:seriesAxis>
+    <cs:lnRef idx="0"/>
+    <cs:fillRef idx="0"/>
+    <cs:effectRef idx="0"/>
+    <cs:fontRef idx="minor">
+      <a:schemeClr val="lt1">
+        <a:lumMod val="75000"/>
+      </a:schemeClr>
+    </cs:fontRef>
+    <cs:defRPr sz="900" kern="1200"/>
+  </cs:seriesAxis>
+  <cs:seriesLine>
+    <cs:lnRef idx="0"/>
+    <cs:fillRef idx="0"/>
+    <cs:effectRef idx="0"/>
+    <cs:fontRef idx="minor">
+      <a:schemeClr val="dk1"/>
+    </cs:fontRef>
+    <cs:spPr>
+      <a:ln w="9525">
+        <a:solidFill>
+          <a:schemeClr val="lt1">
+            <a:lumMod val="50000"/>
+          </a:schemeClr>
+        </a:solidFill>
+        <a:round/>
+      </a:ln>
+    </cs:spPr>
+  </cs:seriesLine>
+  <cs:title>
+    <cs:lnRef idx="0"/>
+    <cs:fillRef idx="0"/>
+    <cs:effectRef idx="0"/>
+    <cs:fontRef idx="minor">
+      <a:schemeClr val="lt1">
+        <a:lumMod val="85000"/>
+      </a:schemeClr>
+    </cs:fontRef>
+    <cs:defRPr sz="1400" b="1" kern="1200" cap="none" baseline="0"/>
+  </cs:title>
+  <cs:trendline>
+    <cs:lnRef idx="0">
+      <cs:styleClr val="auto"/>
+    </cs:lnRef>
+    <cs:fillRef idx="0"/>
+    <cs:effectRef idx="0"/>
+    <cs:fontRef idx="minor">
+      <a:schemeClr val="lt1"/>
+    </cs:fontRef>
+    <cs:spPr>
+      <a:ln w="25400" cap="rnd">
+        <a:solidFill>
+          <a:schemeClr val="phClr">
+            <a:alpha val="50000"/>
+          </a:schemeClr>
+        </a:solidFill>
+      </a:ln>
+    </cs:spPr>
+  </cs:trendline>
+  <cs:trendlineLabel>
+    <cs:lnRef idx="0"/>
+    <cs:fillRef idx="0"/>
+    <cs:effectRef idx="0"/>
+    <cs:fontRef idx="minor">
+      <a:schemeClr val="lt1">
+        <a:lumMod val="75000"/>
+      </a:schemeClr>
+    </cs:fontRef>
+    <cs:defRPr sz="900" kern="1200"/>
+  </cs:trendlineLabel>
+  <cs:upBar>
+    <cs:lnRef idx="0"/>
+    <cs:fillRef idx="0"/>
+    <cs:effectRef idx="0"/>
+    <cs:fontRef idx="minor">
+      <a:schemeClr val="dk1"/>
+    </cs:fontRef>
+    <cs:spPr>
+      <a:solidFill>
+        <a:schemeClr val="lt1">
+          <a:lumMod val="85000"/>
+        </a:schemeClr>
+      </a:solidFill>
+      <a:ln w="9525">
+        <a:solidFill>
+          <a:schemeClr val="dk1">
+            <a:lumMod val="50000"/>
+          </a:schemeClr>
+        </a:solidFill>
+        <a:round/>
+      </a:ln>
+    </cs:spPr>
+  </cs:upBar>
+  <cs:valueAxis>
+    <cs:lnRef idx="0"/>
+    <cs:fillRef idx="0"/>
+    <cs:effectRef idx="0"/>
+    <cs:fontRef idx="minor">
+      <a:schemeClr val="lt1">
+        <a:lumMod val="75000"/>
+      </a:schemeClr>
+    </cs:fontRef>
+    <cs:spPr>
+      <a:ln w="9525" cap="flat" cmpd="sng" algn="ctr">
+        <a:solidFill>
+          <a:schemeClr val="lt1">
+            <a:lumMod val="50000"/>
+          </a:schemeClr>
+        </a:solidFill>
+        <a:round/>
+      </a:ln>
+    </cs:spPr>
+    <cs:defRPr sz="900" kern="1200"/>
+    <cs:bodyPr/>
+  </cs:valueAxis>
+  <cs:wall>
+    <cs:lnRef idx="0"/>
+    <cs:fillRef idx="0"/>
+    <cs:effectRef idx="0"/>
+    <cs:fontRef idx="minor">
+      <a:schemeClr val="dk1"/>
+    </cs:fontRef>
+  </cs:wall>
+</cs:chartStyle>
 </file>
 
 <file path=ppt/notesMasters/notesMaster1.xml><?xml version="1.0" encoding="utf-8"?>
@@ -198,7 +1297,7 @@
           <a:p>
             <a:fld id="{AE6322CD-04EC-44D5-BE30-1FBD848A1EDE}" type="datetimeFigureOut">
               <a:rPr lang="fr-FR" smtClean="0"/>
-              <a:t>04/11/2023</a:t>
+              <a:t>05/11/2023</a:t>
             </a:fld>
             <a:endParaRPr lang="fr-FR"/>
           </a:p>
@@ -556,6 +1655,93 @@
 </p:notes>
 </file>
 
+<file path=ppt/notesSlides/notesSlide10.xml><?xml version="1.0" encoding="utf-8"?>
+<p:notes xmlns:a="http://schemas.openxmlformats.org/drawingml/2006/main" xmlns:r="http://schemas.openxmlformats.org/officeDocument/2006/relationships" xmlns:p="http://schemas.openxmlformats.org/presentationml/2006/main">
+  <p:cSld>
+    <p:spTree>
+      <p:nvGrpSpPr>
+        <p:cNvPr id="1" name=""/>
+        <p:cNvGrpSpPr/>
+        <p:nvPr/>
+      </p:nvGrpSpPr>
+      <p:grpSpPr>
+        <a:xfrm>
+          <a:off x="0" y="0"/>
+          <a:ext cx="0" cy="0"/>
+          <a:chOff x="0" y="0"/>
+          <a:chExt cx="0" cy="0"/>
+        </a:xfrm>
+      </p:grpSpPr>
+      <p:sp>
+        <p:nvSpPr>
+          <p:cNvPr id="2" name="Espace réservé de l'image des diapositives 1"/>
+          <p:cNvSpPr>
+            <a:spLocks noGrp="1" noRot="1" noChangeAspect="1"/>
+          </p:cNvSpPr>
+          <p:nvPr>
+            <p:ph type="sldImg"/>
+          </p:nvPr>
+        </p:nvSpPr>
+        <p:spPr/>
+      </p:sp>
+      <p:sp>
+        <p:nvSpPr>
+          <p:cNvPr id="3" name="Espace réservé des notes 2"/>
+          <p:cNvSpPr>
+            <a:spLocks noGrp="1"/>
+          </p:cNvSpPr>
+          <p:nvPr>
+            <p:ph type="body" idx="1"/>
+          </p:nvPr>
+        </p:nvSpPr>
+        <p:spPr/>
+        <p:txBody>
+          <a:bodyPr/>
+          <a:lstStyle/>
+          <a:p>
+            <a:r>
+              <a:rPr lang="fr-FR" dirty="0"/>
+              <a:t>Tips and services</a:t>
+            </a:r>
+          </a:p>
+        </p:txBody>
+      </p:sp>
+      <p:sp>
+        <p:nvSpPr>
+          <p:cNvPr id="4" name="Espace réservé du numéro de diapositive 3"/>
+          <p:cNvSpPr>
+            <a:spLocks noGrp="1"/>
+          </p:cNvSpPr>
+          <p:nvPr>
+            <p:ph type="sldNum" sz="quarter" idx="5"/>
+          </p:nvPr>
+        </p:nvSpPr>
+        <p:spPr/>
+        <p:txBody>
+          <a:bodyPr/>
+          <a:lstStyle/>
+          <a:p>
+            <a:fld id="{8CC080D9-E802-4AF1-849C-E6CBF2C81CE1}" type="slidenum">
+              <a:rPr lang="fr-FR" smtClean="0"/>
+              <a:t>10</a:t>
+            </a:fld>
+            <a:endParaRPr lang="fr-FR"/>
+          </a:p>
+        </p:txBody>
+      </p:sp>
+    </p:spTree>
+    <p:extLst>
+      <p:ext uri="{BB962C8B-B14F-4D97-AF65-F5344CB8AC3E}">
+        <p14:creationId xmlns:p14="http://schemas.microsoft.com/office/powerpoint/2010/main" val="4009944214"/>
+      </p:ext>
+    </p:extLst>
+  </p:cSld>
+  <p:clrMapOvr>
+    <a:masterClrMapping/>
+  </p:clrMapOvr>
+</p:notes>
+</file>
+
 <file path=ppt/notesSlides/notesSlide2.xml><?xml version="1.0" encoding="utf-8"?>
 <p:notes xmlns:a="http://schemas.openxmlformats.org/drawingml/2006/main" xmlns:r="http://schemas.openxmlformats.org/officeDocument/2006/relationships" xmlns:p="http://schemas.openxmlformats.org/presentationml/2006/main">
   <p:cSld>
@@ -602,11 +1788,27 @@
           <a:p>
             <a:r>
               <a:rPr lang="fr-FR" dirty="0"/>
-              <a:t>Stats about </a:t>
+              <a:t>Display of </a:t>
             </a:r>
             <a:r>
               <a:rPr lang="fr-FR" dirty="0" err="1"/>
-              <a:t>passwords</a:t>
+              <a:t>what</a:t>
+            </a:r>
+            <a:r>
+              <a:rPr lang="fr-FR" dirty="0"/>
+              <a:t> a </a:t>
+            </a:r>
+            <a:r>
+              <a:rPr lang="fr-FR" dirty="0" err="1"/>
+              <a:t>password</a:t>
+            </a:r>
+            <a:r>
+              <a:rPr lang="fr-FR" dirty="0"/>
+              <a:t> can </a:t>
+            </a:r>
+            <a:r>
+              <a:rPr lang="fr-FR" dirty="0" err="1"/>
+              <a:t>be</a:t>
             </a:r>
             <a:endParaRPr lang="fr-FR" dirty="0"/>
           </a:p>
@@ -629,7 +1831,7 @@
           <a:p>
             <a:fld id="{8CC080D9-E802-4AF1-849C-E6CBF2C81CE1}" type="slidenum">
               <a:rPr lang="fr-FR" smtClean="0"/>
-              <a:t>3</a:t>
+              <a:t>2</a:t>
             </a:fld>
             <a:endParaRPr lang="fr-FR"/>
           </a:p>
@@ -638,7 +1840,7 @@
     </p:spTree>
     <p:extLst>
       <p:ext uri="{BB962C8B-B14F-4D97-AF65-F5344CB8AC3E}">
-        <p14:creationId xmlns:p14="http://schemas.microsoft.com/office/powerpoint/2010/main" val="45710217"/>
+        <p14:creationId xmlns:p14="http://schemas.microsoft.com/office/powerpoint/2010/main" val="2904198555"/>
       </p:ext>
     </p:extLst>
   </p:cSld>
@@ -693,12 +1895,32 @@
           <a:lstStyle/>
           <a:p>
             <a:r>
+              <a:rPr lang="fr-FR" dirty="0" err="1"/>
+              <a:t>Explanation</a:t>
+            </a:r>
+            <a:r>
               <a:rPr lang="fr-FR" dirty="0"/>
-              <a:t>More stats about </a:t>
+              <a:t> about how a </a:t>
             </a:r>
             <a:r>
               <a:rPr lang="fr-FR" dirty="0" err="1"/>
-              <a:t>passwords</a:t>
+              <a:t>hashing</a:t>
+            </a:r>
+            <a:r>
+              <a:rPr lang="fr-FR" dirty="0"/>
+              <a:t> </a:t>
+            </a:r>
+            <a:r>
+              <a:rPr lang="fr-FR" dirty="0" err="1"/>
+              <a:t>function</a:t>
+            </a:r>
+            <a:r>
+              <a:rPr lang="fr-FR" dirty="0"/>
+              <a:t> </a:t>
+            </a:r>
+            <a:r>
+              <a:rPr lang="fr-FR" dirty="0" err="1"/>
+              <a:t>works</a:t>
             </a:r>
             <a:endParaRPr lang="fr-FR" dirty="0"/>
           </a:p>
@@ -721,7 +1943,283 @@
           <a:p>
             <a:fld id="{8CC080D9-E802-4AF1-849C-E6CBF2C81CE1}" type="slidenum">
               <a:rPr lang="fr-FR" smtClean="0"/>
+              <a:t>3</a:t>
+            </a:fld>
+            <a:endParaRPr lang="fr-FR"/>
+          </a:p>
+        </p:txBody>
+      </p:sp>
+    </p:spTree>
+    <p:extLst>
+      <p:ext uri="{BB962C8B-B14F-4D97-AF65-F5344CB8AC3E}">
+        <p14:creationId xmlns:p14="http://schemas.microsoft.com/office/powerpoint/2010/main" val="359506704"/>
+      </p:ext>
+    </p:extLst>
+  </p:cSld>
+  <p:clrMapOvr>
+    <a:masterClrMapping/>
+  </p:clrMapOvr>
+</p:notes>
+</file>
+
+<file path=ppt/notesSlides/notesSlide4.xml><?xml version="1.0" encoding="utf-8"?>
+<p:notes xmlns:a="http://schemas.openxmlformats.org/drawingml/2006/main" xmlns:r="http://schemas.openxmlformats.org/officeDocument/2006/relationships" xmlns:p="http://schemas.openxmlformats.org/presentationml/2006/main">
+  <p:cSld>
+    <p:spTree>
+      <p:nvGrpSpPr>
+        <p:cNvPr id="1" name=""/>
+        <p:cNvGrpSpPr/>
+        <p:nvPr/>
+      </p:nvGrpSpPr>
+      <p:grpSpPr>
+        <a:xfrm>
+          <a:off x="0" y="0"/>
+          <a:ext cx="0" cy="0"/>
+          <a:chOff x="0" y="0"/>
+          <a:chExt cx="0" cy="0"/>
+        </a:xfrm>
+      </p:grpSpPr>
+      <p:sp>
+        <p:nvSpPr>
+          <p:cNvPr id="2" name="Espace réservé de l'image des diapositives 1"/>
+          <p:cNvSpPr>
+            <a:spLocks noGrp="1" noRot="1" noChangeAspect="1"/>
+          </p:cNvSpPr>
+          <p:nvPr>
+            <p:ph type="sldImg"/>
+          </p:nvPr>
+        </p:nvSpPr>
+        <p:spPr/>
+      </p:sp>
+      <p:sp>
+        <p:nvSpPr>
+          <p:cNvPr id="3" name="Espace réservé des notes 2"/>
+          <p:cNvSpPr>
+            <a:spLocks noGrp="1"/>
+          </p:cNvSpPr>
+          <p:nvPr>
+            <p:ph type="body" idx="1"/>
+          </p:nvPr>
+        </p:nvSpPr>
+        <p:spPr/>
+        <p:txBody>
+          <a:bodyPr/>
+          <a:lstStyle/>
+          <a:p>
+            <a:r>
+              <a:rPr lang="fr-FR" dirty="0"/>
+              <a:t>Example of </a:t>
+            </a:r>
+            <a:r>
+              <a:rPr lang="fr-FR" dirty="0" err="1"/>
+              <a:t>hashing</a:t>
+            </a:r>
+            <a:endParaRPr lang="fr-FR" dirty="0"/>
+          </a:p>
+        </p:txBody>
+      </p:sp>
+      <p:sp>
+        <p:nvSpPr>
+          <p:cNvPr id="4" name="Espace réservé du numéro de diapositive 3"/>
+          <p:cNvSpPr>
+            <a:spLocks noGrp="1"/>
+          </p:cNvSpPr>
+          <p:nvPr>
+            <p:ph type="sldNum" sz="quarter" idx="5"/>
+          </p:nvPr>
+        </p:nvSpPr>
+        <p:spPr/>
+        <p:txBody>
+          <a:bodyPr/>
+          <a:lstStyle/>
+          <a:p>
+            <a:fld id="{8CC080D9-E802-4AF1-849C-E6CBF2C81CE1}" type="slidenum">
+              <a:rPr lang="fr-FR" smtClean="0"/>
               <a:t>4</a:t>
+            </a:fld>
+            <a:endParaRPr lang="fr-FR"/>
+          </a:p>
+        </p:txBody>
+      </p:sp>
+    </p:spTree>
+    <p:extLst>
+      <p:ext uri="{BB962C8B-B14F-4D97-AF65-F5344CB8AC3E}">
+        <p14:creationId xmlns:p14="http://schemas.microsoft.com/office/powerpoint/2010/main" val="1759285469"/>
+      </p:ext>
+    </p:extLst>
+  </p:cSld>
+  <p:clrMapOvr>
+    <a:masterClrMapping/>
+  </p:clrMapOvr>
+</p:notes>
+</file>
+
+<file path=ppt/notesSlides/notesSlide5.xml><?xml version="1.0" encoding="utf-8"?>
+<p:notes xmlns:a="http://schemas.openxmlformats.org/drawingml/2006/main" xmlns:r="http://schemas.openxmlformats.org/officeDocument/2006/relationships" xmlns:p="http://schemas.openxmlformats.org/presentationml/2006/main">
+  <p:cSld>
+    <p:spTree>
+      <p:nvGrpSpPr>
+        <p:cNvPr id="1" name=""/>
+        <p:cNvGrpSpPr/>
+        <p:nvPr/>
+      </p:nvGrpSpPr>
+      <p:grpSpPr>
+        <a:xfrm>
+          <a:off x="0" y="0"/>
+          <a:ext cx="0" cy="0"/>
+          <a:chOff x="0" y="0"/>
+          <a:chExt cx="0" cy="0"/>
+        </a:xfrm>
+      </p:grpSpPr>
+      <p:sp>
+        <p:nvSpPr>
+          <p:cNvPr id="2" name="Espace réservé de l'image des diapositives 1"/>
+          <p:cNvSpPr>
+            <a:spLocks noGrp="1" noRot="1" noChangeAspect="1"/>
+          </p:cNvSpPr>
+          <p:nvPr>
+            <p:ph type="sldImg"/>
+          </p:nvPr>
+        </p:nvSpPr>
+        <p:spPr/>
+      </p:sp>
+      <p:sp>
+        <p:nvSpPr>
+          <p:cNvPr id="3" name="Espace réservé des notes 2"/>
+          <p:cNvSpPr>
+            <a:spLocks noGrp="1"/>
+          </p:cNvSpPr>
+          <p:nvPr>
+            <p:ph type="body" idx="1"/>
+          </p:nvPr>
+        </p:nvSpPr>
+        <p:spPr/>
+        <p:txBody>
+          <a:bodyPr/>
+          <a:lstStyle/>
+          <a:p>
+            <a:r>
+              <a:rPr lang="fr-FR" dirty="0"/>
+              <a:t>Stats about </a:t>
+            </a:r>
+            <a:r>
+              <a:rPr lang="fr-FR" dirty="0" err="1"/>
+              <a:t>passwords</a:t>
+            </a:r>
+            <a:endParaRPr lang="fr-FR" dirty="0"/>
+          </a:p>
+        </p:txBody>
+      </p:sp>
+      <p:sp>
+        <p:nvSpPr>
+          <p:cNvPr id="4" name="Espace réservé du numéro de diapositive 3"/>
+          <p:cNvSpPr>
+            <a:spLocks noGrp="1"/>
+          </p:cNvSpPr>
+          <p:nvPr>
+            <p:ph type="sldNum" sz="quarter" idx="5"/>
+          </p:nvPr>
+        </p:nvSpPr>
+        <p:spPr/>
+        <p:txBody>
+          <a:bodyPr/>
+          <a:lstStyle/>
+          <a:p>
+            <a:fld id="{8CC080D9-E802-4AF1-849C-E6CBF2C81CE1}" type="slidenum">
+              <a:rPr lang="fr-FR" smtClean="0"/>
+              <a:t>5</a:t>
+            </a:fld>
+            <a:endParaRPr lang="fr-FR"/>
+          </a:p>
+        </p:txBody>
+      </p:sp>
+    </p:spTree>
+    <p:extLst>
+      <p:ext uri="{BB962C8B-B14F-4D97-AF65-F5344CB8AC3E}">
+        <p14:creationId xmlns:p14="http://schemas.microsoft.com/office/powerpoint/2010/main" val="45710217"/>
+      </p:ext>
+    </p:extLst>
+  </p:cSld>
+  <p:clrMapOvr>
+    <a:masterClrMapping/>
+  </p:clrMapOvr>
+</p:notes>
+</file>
+
+<file path=ppt/notesSlides/notesSlide6.xml><?xml version="1.0" encoding="utf-8"?>
+<p:notes xmlns:a="http://schemas.openxmlformats.org/drawingml/2006/main" xmlns:r="http://schemas.openxmlformats.org/officeDocument/2006/relationships" xmlns:p="http://schemas.openxmlformats.org/presentationml/2006/main">
+  <p:cSld>
+    <p:spTree>
+      <p:nvGrpSpPr>
+        <p:cNvPr id="1" name=""/>
+        <p:cNvGrpSpPr/>
+        <p:nvPr/>
+      </p:nvGrpSpPr>
+      <p:grpSpPr>
+        <a:xfrm>
+          <a:off x="0" y="0"/>
+          <a:ext cx="0" cy="0"/>
+          <a:chOff x="0" y="0"/>
+          <a:chExt cx="0" cy="0"/>
+        </a:xfrm>
+      </p:grpSpPr>
+      <p:sp>
+        <p:nvSpPr>
+          <p:cNvPr id="2" name="Espace réservé de l'image des diapositives 1"/>
+          <p:cNvSpPr>
+            <a:spLocks noGrp="1" noRot="1" noChangeAspect="1"/>
+          </p:cNvSpPr>
+          <p:nvPr>
+            <p:ph type="sldImg"/>
+          </p:nvPr>
+        </p:nvSpPr>
+        <p:spPr/>
+      </p:sp>
+      <p:sp>
+        <p:nvSpPr>
+          <p:cNvPr id="3" name="Espace réservé des notes 2"/>
+          <p:cNvSpPr>
+            <a:spLocks noGrp="1"/>
+          </p:cNvSpPr>
+          <p:nvPr>
+            <p:ph type="body" idx="1"/>
+          </p:nvPr>
+        </p:nvSpPr>
+        <p:spPr/>
+        <p:txBody>
+          <a:bodyPr/>
+          <a:lstStyle/>
+          <a:p>
+            <a:r>
+              <a:rPr lang="fr-FR" dirty="0"/>
+              <a:t>More stats about </a:t>
+            </a:r>
+            <a:r>
+              <a:rPr lang="fr-FR" dirty="0" err="1"/>
+              <a:t>passwords</a:t>
+            </a:r>
+            <a:endParaRPr lang="fr-FR" dirty="0"/>
+          </a:p>
+        </p:txBody>
+      </p:sp>
+      <p:sp>
+        <p:nvSpPr>
+          <p:cNvPr id="4" name="Espace réservé du numéro de diapositive 3"/>
+          <p:cNvSpPr>
+            <a:spLocks noGrp="1"/>
+          </p:cNvSpPr>
+          <p:nvPr>
+            <p:ph type="sldNum" sz="quarter" idx="5"/>
+          </p:nvPr>
+        </p:nvSpPr>
+        <p:spPr/>
+        <p:txBody>
+          <a:bodyPr/>
+          <a:lstStyle/>
+          <a:p>
+            <a:fld id="{8CC080D9-E802-4AF1-849C-E6CBF2C81CE1}" type="slidenum">
+              <a:rPr lang="fr-FR" smtClean="0"/>
+              <a:t>6</a:t>
             </a:fld>
             <a:endParaRPr lang="fr-FR"/>
           </a:p>
@@ -731,6 +2229,293 @@
     <p:extLst>
       <p:ext uri="{BB962C8B-B14F-4D97-AF65-F5344CB8AC3E}">
         <p14:creationId xmlns:p14="http://schemas.microsoft.com/office/powerpoint/2010/main" val="27787777"/>
+      </p:ext>
+    </p:extLst>
+  </p:cSld>
+  <p:clrMapOvr>
+    <a:masterClrMapping/>
+  </p:clrMapOvr>
+</p:notes>
+</file>
+
+<file path=ppt/notesSlides/notesSlide7.xml><?xml version="1.0" encoding="utf-8"?>
+<p:notes xmlns:a="http://schemas.openxmlformats.org/drawingml/2006/main" xmlns:r="http://schemas.openxmlformats.org/officeDocument/2006/relationships" xmlns:p="http://schemas.openxmlformats.org/presentationml/2006/main">
+  <p:cSld>
+    <p:spTree>
+      <p:nvGrpSpPr>
+        <p:cNvPr id="1" name=""/>
+        <p:cNvGrpSpPr/>
+        <p:nvPr/>
+      </p:nvGrpSpPr>
+      <p:grpSpPr>
+        <a:xfrm>
+          <a:off x="0" y="0"/>
+          <a:ext cx="0" cy="0"/>
+          <a:chOff x="0" y="0"/>
+          <a:chExt cx="0" cy="0"/>
+        </a:xfrm>
+      </p:grpSpPr>
+      <p:sp>
+        <p:nvSpPr>
+          <p:cNvPr id="2" name="Espace réservé de l'image des diapositives 1"/>
+          <p:cNvSpPr>
+            <a:spLocks noGrp="1" noRot="1" noChangeAspect="1"/>
+          </p:cNvSpPr>
+          <p:nvPr>
+            <p:ph type="sldImg"/>
+          </p:nvPr>
+        </p:nvSpPr>
+        <p:spPr/>
+      </p:sp>
+      <p:sp>
+        <p:nvSpPr>
+          <p:cNvPr id="3" name="Espace réservé des notes 2"/>
+          <p:cNvSpPr>
+            <a:spLocks noGrp="1"/>
+          </p:cNvSpPr>
+          <p:nvPr>
+            <p:ph type="body" idx="1"/>
+          </p:nvPr>
+        </p:nvSpPr>
+        <p:spPr/>
+        <p:txBody>
+          <a:bodyPr/>
+          <a:lstStyle/>
+          <a:p>
+            <a:r>
+              <a:rPr lang="fr-FR" dirty="0"/>
+              <a:t>Relationship </a:t>
+            </a:r>
+            <a:r>
+              <a:rPr lang="fr-FR" dirty="0" err="1"/>
+              <a:t>between</a:t>
+            </a:r>
+            <a:r>
+              <a:rPr lang="fr-FR" dirty="0"/>
+              <a:t> </a:t>
+            </a:r>
+            <a:r>
+              <a:rPr lang="fr-FR" dirty="0" err="1"/>
+              <a:t>security</a:t>
+            </a:r>
+            <a:r>
+              <a:rPr lang="fr-FR" dirty="0"/>
+              <a:t> and </a:t>
+            </a:r>
+            <a:r>
+              <a:rPr lang="fr-FR" dirty="0" err="1"/>
+              <a:t>convenience</a:t>
+            </a:r>
+            <a:endParaRPr lang="fr-FR" dirty="0"/>
+          </a:p>
+        </p:txBody>
+      </p:sp>
+      <p:sp>
+        <p:nvSpPr>
+          <p:cNvPr id="4" name="Espace réservé du numéro de diapositive 3"/>
+          <p:cNvSpPr>
+            <a:spLocks noGrp="1"/>
+          </p:cNvSpPr>
+          <p:nvPr>
+            <p:ph type="sldNum" sz="quarter" idx="5"/>
+          </p:nvPr>
+        </p:nvSpPr>
+        <p:spPr/>
+        <p:txBody>
+          <a:bodyPr/>
+          <a:lstStyle/>
+          <a:p>
+            <a:fld id="{8CC080D9-E802-4AF1-849C-E6CBF2C81CE1}" type="slidenum">
+              <a:rPr lang="fr-FR" smtClean="0"/>
+              <a:t>7</a:t>
+            </a:fld>
+            <a:endParaRPr lang="fr-FR"/>
+          </a:p>
+        </p:txBody>
+      </p:sp>
+    </p:spTree>
+    <p:extLst>
+      <p:ext uri="{BB962C8B-B14F-4D97-AF65-F5344CB8AC3E}">
+        <p14:creationId xmlns:p14="http://schemas.microsoft.com/office/powerpoint/2010/main" val="3855441895"/>
+      </p:ext>
+    </p:extLst>
+  </p:cSld>
+  <p:clrMapOvr>
+    <a:masterClrMapping/>
+  </p:clrMapOvr>
+</p:notes>
+</file>
+
+<file path=ppt/notesSlides/notesSlide8.xml><?xml version="1.0" encoding="utf-8"?>
+<p:notes xmlns:a="http://schemas.openxmlformats.org/drawingml/2006/main" xmlns:r="http://schemas.openxmlformats.org/officeDocument/2006/relationships" xmlns:p="http://schemas.openxmlformats.org/presentationml/2006/main">
+  <p:cSld>
+    <p:spTree>
+      <p:nvGrpSpPr>
+        <p:cNvPr id="1" name=""/>
+        <p:cNvGrpSpPr/>
+        <p:nvPr/>
+      </p:nvGrpSpPr>
+      <p:grpSpPr>
+        <a:xfrm>
+          <a:off x="0" y="0"/>
+          <a:ext cx="0" cy="0"/>
+          <a:chOff x="0" y="0"/>
+          <a:chExt cx="0" cy="0"/>
+        </a:xfrm>
+      </p:grpSpPr>
+      <p:sp>
+        <p:nvSpPr>
+          <p:cNvPr id="2" name="Espace réservé de l'image des diapositives 1"/>
+          <p:cNvSpPr>
+            <a:spLocks noGrp="1" noRot="1" noChangeAspect="1"/>
+          </p:cNvSpPr>
+          <p:nvPr>
+            <p:ph type="sldImg"/>
+          </p:nvPr>
+        </p:nvSpPr>
+        <p:spPr/>
+      </p:sp>
+      <p:sp>
+        <p:nvSpPr>
+          <p:cNvPr id="3" name="Espace réservé des notes 2"/>
+          <p:cNvSpPr>
+            <a:spLocks noGrp="1"/>
+          </p:cNvSpPr>
+          <p:nvPr>
+            <p:ph type="body" idx="1"/>
+          </p:nvPr>
+        </p:nvSpPr>
+        <p:spPr/>
+        <p:txBody>
+          <a:bodyPr/>
+          <a:lstStyle/>
+          <a:p>
+            <a:r>
+              <a:rPr lang="fr-FR" dirty="0"/>
+              <a:t>Possible alternatives to </a:t>
+            </a:r>
+            <a:r>
+              <a:rPr lang="fr-FR" dirty="0" err="1"/>
+              <a:t>passwords</a:t>
+            </a:r>
+            <a:endParaRPr lang="fr-FR" dirty="0"/>
+          </a:p>
+        </p:txBody>
+      </p:sp>
+      <p:sp>
+        <p:nvSpPr>
+          <p:cNvPr id="4" name="Espace réservé du numéro de diapositive 3"/>
+          <p:cNvSpPr>
+            <a:spLocks noGrp="1"/>
+          </p:cNvSpPr>
+          <p:nvPr>
+            <p:ph type="sldNum" sz="quarter" idx="5"/>
+          </p:nvPr>
+        </p:nvSpPr>
+        <p:spPr/>
+        <p:txBody>
+          <a:bodyPr/>
+          <a:lstStyle/>
+          <a:p>
+            <a:fld id="{8CC080D9-E802-4AF1-849C-E6CBF2C81CE1}" type="slidenum">
+              <a:rPr lang="fr-FR" smtClean="0"/>
+              <a:t>8</a:t>
+            </a:fld>
+            <a:endParaRPr lang="fr-FR"/>
+          </a:p>
+        </p:txBody>
+      </p:sp>
+    </p:spTree>
+    <p:extLst>
+      <p:ext uri="{BB962C8B-B14F-4D97-AF65-F5344CB8AC3E}">
+        <p14:creationId xmlns:p14="http://schemas.microsoft.com/office/powerpoint/2010/main" val="540839492"/>
+      </p:ext>
+    </p:extLst>
+  </p:cSld>
+  <p:clrMapOvr>
+    <a:masterClrMapping/>
+  </p:clrMapOvr>
+</p:notes>
+</file>
+
+<file path=ppt/notesSlides/notesSlide9.xml><?xml version="1.0" encoding="utf-8"?>
+<p:notes xmlns:a="http://schemas.openxmlformats.org/drawingml/2006/main" xmlns:r="http://schemas.openxmlformats.org/officeDocument/2006/relationships" xmlns:p="http://schemas.openxmlformats.org/presentationml/2006/main">
+  <p:cSld>
+    <p:spTree>
+      <p:nvGrpSpPr>
+        <p:cNvPr id="1" name=""/>
+        <p:cNvGrpSpPr/>
+        <p:nvPr/>
+      </p:nvGrpSpPr>
+      <p:grpSpPr>
+        <a:xfrm>
+          <a:off x="0" y="0"/>
+          <a:ext cx="0" cy="0"/>
+          <a:chOff x="0" y="0"/>
+          <a:chExt cx="0" cy="0"/>
+        </a:xfrm>
+      </p:grpSpPr>
+      <p:sp>
+        <p:nvSpPr>
+          <p:cNvPr id="2" name="Espace réservé de l'image des diapositives 1"/>
+          <p:cNvSpPr>
+            <a:spLocks noGrp="1" noRot="1" noChangeAspect="1"/>
+          </p:cNvSpPr>
+          <p:nvPr>
+            <p:ph type="sldImg"/>
+          </p:nvPr>
+        </p:nvSpPr>
+        <p:spPr/>
+      </p:sp>
+      <p:sp>
+        <p:nvSpPr>
+          <p:cNvPr id="3" name="Espace réservé des notes 2"/>
+          <p:cNvSpPr>
+            <a:spLocks noGrp="1"/>
+          </p:cNvSpPr>
+          <p:nvPr>
+            <p:ph type="body" idx="1"/>
+          </p:nvPr>
+        </p:nvSpPr>
+        <p:spPr/>
+        <p:txBody>
+          <a:bodyPr/>
+          <a:lstStyle/>
+          <a:p>
+            <a:r>
+              <a:rPr lang="fr-FR" dirty="0"/>
+              <a:t>Links</a:t>
+            </a:r>
+          </a:p>
+        </p:txBody>
+      </p:sp>
+      <p:sp>
+        <p:nvSpPr>
+          <p:cNvPr id="4" name="Espace réservé du numéro de diapositive 3"/>
+          <p:cNvSpPr>
+            <a:spLocks noGrp="1"/>
+          </p:cNvSpPr>
+          <p:nvPr>
+            <p:ph type="sldNum" sz="quarter" idx="5"/>
+          </p:nvPr>
+        </p:nvSpPr>
+        <p:spPr/>
+        <p:txBody>
+          <a:bodyPr/>
+          <a:lstStyle/>
+          <a:p>
+            <a:fld id="{8CC080D9-E802-4AF1-849C-E6CBF2C81CE1}" type="slidenum">
+              <a:rPr lang="fr-FR" smtClean="0"/>
+              <a:t>9</a:t>
+            </a:fld>
+            <a:endParaRPr lang="fr-FR"/>
+          </a:p>
+        </p:txBody>
+      </p:sp>
+    </p:spTree>
+    <p:extLst>
+      <p:ext uri="{BB962C8B-B14F-4D97-AF65-F5344CB8AC3E}">
+        <p14:creationId xmlns:p14="http://schemas.microsoft.com/office/powerpoint/2010/main" val="1252500700"/>
       </p:ext>
     </p:extLst>
   </p:cSld>
@@ -887,7 +2672,7 @@
           <a:p>
             <a:fld id="{8F390982-1CBF-4A43-9328-8B869868AD33}" type="datetimeFigureOut">
               <a:rPr lang="fr-FR" smtClean="0"/>
-              <a:t>04/11/2023</a:t>
+              <a:t>05/11/2023</a:t>
             </a:fld>
             <a:endParaRPr lang="fr-FR"/>
           </a:p>
@@ -957,13 +2742,13 @@
   <p:clrMapOvr>
     <a:masterClrMapping/>
   </p:clrMapOvr>
-  <mc:AlternateContent xmlns:mc="http://schemas.openxmlformats.org/markup-compatibility/2006">
-    <mc:Choice xmlns:p14="http://schemas.microsoft.com/office/powerpoint/2010/main" Requires="p14">
+  <mc:AlternateContent xmlns:mc="http://schemas.openxmlformats.org/markup-compatibility/2006" xmlns:p14="http://schemas.microsoft.com/office/powerpoint/2010/main">
+    <mc:Choice Requires="p14">
       <p:transition spd="med">
         <p14:glitter dir="d" pattern="hexagon"/>
       </p:transition>
     </mc:Choice>
-    <mc:Fallback>
+    <mc:Fallback xmlns="">
       <p:transition spd="med">
         <p:fade/>
       </p:transition>
@@ -1097,7 +2882,7 @@
           <a:p>
             <a:fld id="{8F390982-1CBF-4A43-9328-8B869868AD33}" type="datetimeFigureOut">
               <a:rPr lang="fr-FR" smtClean="0"/>
-              <a:t>04/11/2023</a:t>
+              <a:t>05/11/2023</a:t>
             </a:fld>
             <a:endParaRPr lang="fr-FR"/>
           </a:p>
@@ -1167,13 +2952,13 @@
   <p:clrMapOvr>
     <a:masterClrMapping/>
   </p:clrMapOvr>
-  <mc:AlternateContent xmlns:mc="http://schemas.openxmlformats.org/markup-compatibility/2006">
-    <mc:Choice xmlns:p14="http://schemas.microsoft.com/office/powerpoint/2010/main" Requires="p14">
+  <mc:AlternateContent xmlns:mc="http://schemas.openxmlformats.org/markup-compatibility/2006" xmlns:p14="http://schemas.microsoft.com/office/powerpoint/2010/main">
+    <mc:Choice Requires="p14">
       <p:transition spd="med">
         <p14:glitter dir="d" pattern="hexagon"/>
       </p:transition>
     </mc:Choice>
-    <mc:Fallback>
+    <mc:Fallback xmlns="">
       <p:transition spd="med">
         <p:fade/>
       </p:transition>
@@ -1317,7 +3102,7 @@
           <a:p>
             <a:fld id="{8F390982-1CBF-4A43-9328-8B869868AD33}" type="datetimeFigureOut">
               <a:rPr lang="fr-FR" smtClean="0"/>
-              <a:t>04/11/2023</a:t>
+              <a:t>05/11/2023</a:t>
             </a:fld>
             <a:endParaRPr lang="fr-FR"/>
           </a:p>
@@ -1387,13 +3172,13 @@
   <p:clrMapOvr>
     <a:masterClrMapping/>
   </p:clrMapOvr>
-  <mc:AlternateContent xmlns:mc="http://schemas.openxmlformats.org/markup-compatibility/2006">
-    <mc:Choice xmlns:p14="http://schemas.microsoft.com/office/powerpoint/2010/main" Requires="p14">
+  <mc:AlternateContent xmlns:mc="http://schemas.openxmlformats.org/markup-compatibility/2006" xmlns:p14="http://schemas.microsoft.com/office/powerpoint/2010/main">
+    <mc:Choice Requires="p14">
       <p:transition spd="med">
         <p14:glitter dir="d" pattern="hexagon"/>
       </p:transition>
     </mc:Choice>
-    <mc:Fallback>
+    <mc:Fallback xmlns="">
       <p:transition spd="med">
         <p:fade/>
       </p:transition>
@@ -1527,7 +3312,7 @@
           <a:p>
             <a:fld id="{8F390982-1CBF-4A43-9328-8B869868AD33}" type="datetimeFigureOut">
               <a:rPr lang="fr-FR" smtClean="0"/>
-              <a:t>04/11/2023</a:t>
+              <a:t>05/11/2023</a:t>
             </a:fld>
             <a:endParaRPr lang="fr-FR"/>
           </a:p>
@@ -1597,13 +3382,13 @@
   <p:clrMapOvr>
     <a:masterClrMapping/>
   </p:clrMapOvr>
-  <mc:AlternateContent xmlns:mc="http://schemas.openxmlformats.org/markup-compatibility/2006">
-    <mc:Choice xmlns:p14="http://schemas.microsoft.com/office/powerpoint/2010/main" Requires="p14">
+  <mc:AlternateContent xmlns:mc="http://schemas.openxmlformats.org/markup-compatibility/2006" xmlns:p14="http://schemas.microsoft.com/office/powerpoint/2010/main">
+    <mc:Choice Requires="p14">
       <p:transition spd="med">
         <p14:glitter dir="d" pattern="hexagon"/>
       </p:transition>
     </mc:Choice>
-    <mc:Fallback>
+    <mc:Fallback xmlns="">
       <p:transition spd="med">
         <p:fade/>
       </p:transition>
@@ -1814,7 +3599,7 @@
           <a:p>
             <a:fld id="{8F390982-1CBF-4A43-9328-8B869868AD33}" type="datetimeFigureOut">
               <a:rPr lang="fr-FR" smtClean="0"/>
-              <a:t>04/11/2023</a:t>
+              <a:t>05/11/2023</a:t>
             </a:fld>
             <a:endParaRPr lang="fr-FR"/>
           </a:p>
@@ -1884,13 +3669,13 @@
   <p:clrMapOvr>
     <a:masterClrMapping/>
   </p:clrMapOvr>
-  <mc:AlternateContent xmlns:mc="http://schemas.openxmlformats.org/markup-compatibility/2006">
-    <mc:Choice xmlns:p14="http://schemas.microsoft.com/office/powerpoint/2010/main" Requires="p14">
+  <mc:AlternateContent xmlns:mc="http://schemas.openxmlformats.org/markup-compatibility/2006" xmlns:p14="http://schemas.microsoft.com/office/powerpoint/2010/main">
+    <mc:Choice Requires="p14">
       <p:transition spd="med">
         <p14:glitter dir="d" pattern="hexagon"/>
       </p:transition>
     </mc:Choice>
-    <mc:Fallback>
+    <mc:Fallback xmlns="">
       <p:transition spd="med">
         <p:fade/>
       </p:transition>
@@ -2091,7 +3876,7 @@
           <a:p>
             <a:fld id="{8F390982-1CBF-4A43-9328-8B869868AD33}" type="datetimeFigureOut">
               <a:rPr lang="fr-FR" smtClean="0"/>
-              <a:t>04/11/2023</a:t>
+              <a:t>05/11/2023</a:t>
             </a:fld>
             <a:endParaRPr lang="fr-FR"/>
           </a:p>
@@ -2161,13 +3946,13 @@
   <p:clrMapOvr>
     <a:masterClrMapping/>
   </p:clrMapOvr>
-  <mc:AlternateContent xmlns:mc="http://schemas.openxmlformats.org/markup-compatibility/2006">
-    <mc:Choice xmlns:p14="http://schemas.microsoft.com/office/powerpoint/2010/main" Requires="p14">
+  <mc:AlternateContent xmlns:mc="http://schemas.openxmlformats.org/markup-compatibility/2006" xmlns:p14="http://schemas.microsoft.com/office/powerpoint/2010/main">
+    <mc:Choice Requires="p14">
       <p:transition spd="med">
         <p14:glitter dir="d" pattern="hexagon"/>
       </p:transition>
     </mc:Choice>
-    <mc:Fallback>
+    <mc:Fallback xmlns="">
       <p:transition spd="med">
         <p:fade/>
       </p:transition>
@@ -2515,7 +4300,7 @@
           <a:p>
             <a:fld id="{8F390982-1CBF-4A43-9328-8B869868AD33}" type="datetimeFigureOut">
               <a:rPr lang="fr-FR" smtClean="0"/>
-              <a:t>04/11/2023</a:t>
+              <a:t>05/11/2023</a:t>
             </a:fld>
             <a:endParaRPr lang="fr-FR"/>
           </a:p>
@@ -2585,13 +4370,13 @@
   <p:clrMapOvr>
     <a:masterClrMapping/>
   </p:clrMapOvr>
-  <mc:AlternateContent xmlns:mc="http://schemas.openxmlformats.org/markup-compatibility/2006">
-    <mc:Choice xmlns:p14="http://schemas.microsoft.com/office/powerpoint/2010/main" Requires="p14">
+  <mc:AlternateContent xmlns:mc="http://schemas.openxmlformats.org/markup-compatibility/2006" xmlns:p14="http://schemas.microsoft.com/office/powerpoint/2010/main">
+    <mc:Choice Requires="p14">
       <p:transition spd="med">
         <p14:glitter dir="d" pattern="hexagon"/>
       </p:transition>
     </mc:Choice>
-    <mc:Fallback>
+    <mc:Fallback xmlns="">
       <p:transition spd="med">
         <p:fade/>
       </p:transition>
@@ -2668,7 +4453,7 @@
           <a:p>
             <a:fld id="{8F390982-1CBF-4A43-9328-8B869868AD33}" type="datetimeFigureOut">
               <a:rPr lang="fr-FR" smtClean="0"/>
-              <a:t>04/11/2023</a:t>
+              <a:t>05/11/2023</a:t>
             </a:fld>
             <a:endParaRPr lang="fr-FR"/>
           </a:p>
@@ -2738,13 +4523,13 @@
   <p:clrMapOvr>
     <a:masterClrMapping/>
   </p:clrMapOvr>
-  <mc:AlternateContent xmlns:mc="http://schemas.openxmlformats.org/markup-compatibility/2006">
-    <mc:Choice xmlns:p14="http://schemas.microsoft.com/office/powerpoint/2010/main" Requires="p14">
+  <mc:AlternateContent xmlns:mc="http://schemas.openxmlformats.org/markup-compatibility/2006" xmlns:p14="http://schemas.microsoft.com/office/powerpoint/2010/main">
+    <mc:Choice Requires="p14">
       <p:transition spd="med">
         <p14:glitter dir="d" pattern="hexagon"/>
       </p:transition>
     </mc:Choice>
-    <mc:Fallback>
+    <mc:Fallback xmlns="">
       <p:transition spd="med">
         <p:fade/>
       </p:transition>
@@ -2793,7 +4578,7 @@
           <a:p>
             <a:fld id="{8F390982-1CBF-4A43-9328-8B869868AD33}" type="datetimeFigureOut">
               <a:rPr lang="fr-FR" smtClean="0"/>
-              <a:t>04/11/2023</a:t>
+              <a:t>05/11/2023</a:t>
             </a:fld>
             <a:endParaRPr lang="fr-FR"/>
           </a:p>
@@ -2863,13 +4648,13 @@
   <p:clrMapOvr>
     <a:masterClrMapping/>
   </p:clrMapOvr>
-  <mc:AlternateContent xmlns:mc="http://schemas.openxmlformats.org/markup-compatibility/2006">
-    <mc:Choice xmlns:p14="http://schemas.microsoft.com/office/powerpoint/2010/main" Requires="p14">
+  <mc:AlternateContent xmlns:mc="http://schemas.openxmlformats.org/markup-compatibility/2006" xmlns:p14="http://schemas.microsoft.com/office/powerpoint/2010/main">
+    <mc:Choice Requires="p14">
       <p:transition spd="med">
         <p14:glitter dir="d" pattern="hexagon"/>
       </p:transition>
     </mc:Choice>
-    <mc:Fallback>
+    <mc:Fallback xmlns="">
       <p:transition spd="med">
         <p:fade/>
       </p:transition>
@@ -3116,7 +4901,7 @@
           <a:p>
             <a:fld id="{8F390982-1CBF-4A43-9328-8B869868AD33}" type="datetimeFigureOut">
               <a:rPr lang="fr-FR" smtClean="0"/>
-              <a:t>04/11/2023</a:t>
+              <a:t>05/11/2023</a:t>
             </a:fld>
             <a:endParaRPr lang="fr-FR"/>
           </a:p>
@@ -3186,13 +4971,13 @@
   <p:clrMapOvr>
     <a:masterClrMapping/>
   </p:clrMapOvr>
-  <mc:AlternateContent xmlns:mc="http://schemas.openxmlformats.org/markup-compatibility/2006">
-    <mc:Choice xmlns:p14="http://schemas.microsoft.com/office/powerpoint/2010/main" Requires="p14">
+  <mc:AlternateContent xmlns:mc="http://schemas.openxmlformats.org/markup-compatibility/2006" xmlns:p14="http://schemas.microsoft.com/office/powerpoint/2010/main">
+    <mc:Choice Requires="p14">
       <p:transition spd="med">
         <p14:glitter dir="d" pattern="hexagon"/>
       </p:transition>
     </mc:Choice>
-    <mc:Fallback>
+    <mc:Fallback xmlns="">
       <p:transition spd="med">
         <p:fade/>
       </p:transition>
@@ -3416,7 +5201,7 @@
           <a:p>
             <a:fld id="{8F390982-1CBF-4A43-9328-8B869868AD33}" type="datetimeFigureOut">
               <a:rPr lang="fr-FR" smtClean="0"/>
-              <a:t>04/11/2023</a:t>
+              <a:t>05/11/2023</a:t>
             </a:fld>
             <a:endParaRPr lang="fr-FR"/>
           </a:p>
@@ -3486,13 +5271,13 @@
   <p:clrMapOvr>
     <a:masterClrMapping/>
   </p:clrMapOvr>
-  <mc:AlternateContent xmlns:mc="http://schemas.openxmlformats.org/markup-compatibility/2006">
-    <mc:Choice xmlns:p14="http://schemas.microsoft.com/office/powerpoint/2010/main" Requires="p14">
+  <mc:AlternateContent xmlns:mc="http://schemas.openxmlformats.org/markup-compatibility/2006" xmlns:p14="http://schemas.microsoft.com/office/powerpoint/2010/main">
+    <mc:Choice Requires="p14">
       <p:transition spd="med">
         <p14:glitter dir="d" pattern="hexagon"/>
       </p:transition>
     </mc:Choice>
-    <mc:Fallback>
+    <mc:Fallback xmlns="">
       <p:transition spd="med">
         <p:fade/>
       </p:transition>
@@ -3699,7 +5484,7 @@
           <a:p>
             <a:fld id="{8F390982-1CBF-4A43-9328-8B869868AD33}" type="datetimeFigureOut">
               <a:rPr lang="fr-FR" smtClean="0"/>
-              <a:t>04/11/2023</a:t>
+              <a:t>05/11/2023</a:t>
             </a:fld>
             <a:endParaRPr lang="fr-FR"/>
           </a:p>
@@ -3816,13 +5601,13 @@
     <p:sldLayoutId id="2147483658" r:id="rId10"/>
     <p:sldLayoutId id="2147483659" r:id="rId11"/>
   </p:sldLayoutIdLst>
-  <mc:AlternateContent xmlns:mc="http://schemas.openxmlformats.org/markup-compatibility/2006">
-    <mc:Choice xmlns:p14="http://schemas.microsoft.com/office/powerpoint/2010/main" Requires="p14">
+  <mc:AlternateContent xmlns:mc="http://schemas.openxmlformats.org/markup-compatibility/2006" xmlns:p14="http://schemas.microsoft.com/office/powerpoint/2010/main">
+    <mc:Choice Requires="p14">
       <p:transition spd="med">
         <p14:glitter dir="d" pattern="hexagon"/>
       </p:transition>
     </mc:Choice>
-    <mc:Fallback>
+    <mc:Fallback xmlns="">
       <p:transition spd="med">
         <p:fade/>
       </p:transition>
@@ -4239,13 +6024,13 @@
   <p:clrMapOvr>
     <a:masterClrMapping/>
   </p:clrMapOvr>
-  <mc:AlternateContent xmlns:mc="http://schemas.openxmlformats.org/markup-compatibility/2006">
-    <mc:Choice xmlns:p14="http://schemas.microsoft.com/office/powerpoint/2010/main" Requires="p14">
+  <mc:AlternateContent xmlns:mc="http://schemas.openxmlformats.org/markup-compatibility/2006" xmlns:p14="http://schemas.microsoft.com/office/powerpoint/2010/main">
+    <mc:Choice Requires="p14">
       <p:transition spd="med">
         <p14:glitter dir="d" pattern="hexagon"/>
       </p:transition>
     </mc:Choice>
-    <mc:Fallback>
+    <mc:Fallback xmlns="">
       <p:transition spd="med">
         <p:fade/>
       </p:transition>
@@ -4396,7 +6181,7 @@
 </p:sld>
 </file>
 
-<file path=ppt/slides/slide2.xml><?xml version="1.0" encoding="utf-8"?>
+<file path=ppt/slides/slide10.xml><?xml version="1.0" encoding="utf-8"?>
 <p:sld xmlns:a="http://schemas.openxmlformats.org/drawingml/2006/main" xmlns:r="http://schemas.openxmlformats.org/officeDocument/2006/relationships" xmlns:p="http://schemas.openxmlformats.org/presentationml/2006/main">
   <p:cSld>
     <p:spTree>
@@ -4415,1386 +6200,6 @@
       </p:grpSpPr>
       <p:sp>
         <p:nvSpPr>
-          <p:cNvPr id="2" name="Titre 1">
-            <a:extLst>
-              <a:ext uri="{FF2B5EF4-FFF2-40B4-BE49-F238E27FC236}">
-                <a16:creationId xmlns:a16="http://schemas.microsoft.com/office/drawing/2014/main" id="{8440369F-C732-3221-A8CD-E2A71380819D}"/>
-              </a:ext>
-            </a:extLst>
-          </p:cNvPr>
-          <p:cNvSpPr>
-            <a:spLocks noGrp="1"/>
-          </p:cNvSpPr>
-          <p:nvPr>
-            <p:ph type="title"/>
-          </p:nvPr>
-        </p:nvSpPr>
-        <p:spPr>
-          <a:xfrm>
-            <a:off x="644236" y="214747"/>
-            <a:ext cx="10515600" cy="1325563"/>
-          </a:xfrm>
-        </p:spPr>
-        <p:txBody>
-          <a:bodyPr>
-            <a:normAutofit/>
-          </a:bodyPr>
-          <a:lstStyle/>
-          <a:p>
-            <a:r>
-              <a:rPr lang="fr-FR" sz="4800" b="1" u="sng" dirty="0" err="1">
-                <a:effectLst>
-                  <a:outerShdw blurRad="38100" dist="38100" dir="2700000" algn="tl">
-                    <a:srgbClr val="000000">
-                      <a:alpha val="43137"/>
-                    </a:srgbClr>
-                  </a:outerShdw>
-                </a:effectLst>
-                <a:latin typeface="Baskerville Old Face" panose="02020602080505020303" pitchFamily="18" charset="0"/>
-              </a:rPr>
-              <a:t>What</a:t>
-            </a:r>
-            <a:r>
-              <a:rPr lang="fr-FR" sz="4800" b="1" u="sng" dirty="0">
-                <a:effectLst>
-                  <a:outerShdw blurRad="38100" dist="38100" dir="2700000" algn="tl">
-                    <a:srgbClr val="000000">
-                      <a:alpha val="43137"/>
-                    </a:srgbClr>
-                  </a:outerShdw>
-                </a:effectLst>
-                <a:latin typeface="Baskerville Old Face" panose="02020602080505020303" pitchFamily="18" charset="0"/>
-              </a:rPr>
-              <a:t> </a:t>
-            </a:r>
-            <a:r>
-              <a:rPr lang="fr-FR" sz="4800" b="1" u="sng" dirty="0" err="1">
-                <a:effectLst>
-                  <a:outerShdw blurRad="38100" dist="38100" dir="2700000" algn="tl">
-                    <a:srgbClr val="000000">
-                      <a:alpha val="43137"/>
-                    </a:srgbClr>
-                  </a:outerShdw>
-                </a:effectLst>
-                <a:latin typeface="Baskerville Old Face" panose="02020602080505020303" pitchFamily="18" charset="0"/>
-              </a:rPr>
-              <a:t>is</a:t>
-            </a:r>
-            <a:r>
-              <a:rPr lang="fr-FR" sz="4800" b="1" u="sng" dirty="0">
-                <a:effectLst>
-                  <a:outerShdw blurRad="38100" dist="38100" dir="2700000" algn="tl">
-                    <a:srgbClr val="000000">
-                      <a:alpha val="43137"/>
-                    </a:srgbClr>
-                  </a:outerShdw>
-                </a:effectLst>
-                <a:latin typeface="Baskerville Old Face" panose="02020602080505020303" pitchFamily="18" charset="0"/>
-              </a:rPr>
-              <a:t> a </a:t>
-            </a:r>
-            <a:r>
-              <a:rPr lang="fr-FR" sz="4800" b="1" u="sng" dirty="0" err="1">
-                <a:effectLst>
-                  <a:outerShdw blurRad="38100" dist="38100" dir="2700000" algn="tl">
-                    <a:srgbClr val="000000">
-                      <a:alpha val="43137"/>
-                    </a:srgbClr>
-                  </a:outerShdw>
-                </a:effectLst>
-                <a:latin typeface="Baskerville Old Face" panose="02020602080505020303" pitchFamily="18" charset="0"/>
-              </a:rPr>
-              <a:t>password</a:t>
-            </a:r>
-            <a:r>
-              <a:rPr lang="fr-FR" sz="4800" b="1" u="sng" dirty="0">
-                <a:effectLst>
-                  <a:outerShdw blurRad="38100" dist="38100" dir="2700000" algn="tl">
-                    <a:srgbClr val="000000">
-                      <a:alpha val="43137"/>
-                    </a:srgbClr>
-                  </a:outerShdw>
-                </a:effectLst>
-                <a:latin typeface="Baskerville Old Face" panose="02020602080505020303" pitchFamily="18" charset="0"/>
-              </a:rPr>
-              <a:t> ?</a:t>
-            </a:r>
-          </a:p>
-        </p:txBody>
-      </p:sp>
-      <p:pic>
-        <p:nvPicPr>
-          <p:cNvPr id="5" name="Image 4">
-            <a:extLst>
-              <a:ext uri="{FF2B5EF4-FFF2-40B4-BE49-F238E27FC236}">
-                <a16:creationId xmlns:a16="http://schemas.microsoft.com/office/drawing/2014/main" id="{B5CB3FCB-24A4-A6C1-A408-8573DB948360}"/>
-              </a:ext>
-            </a:extLst>
-          </p:cNvPr>
-          <p:cNvPicPr>
-            <a:picLocks noChangeAspect="1"/>
-          </p:cNvPicPr>
-          <p:nvPr/>
-        </p:nvPicPr>
-        <p:blipFill>
-          <a:blip r:embed="rId2">
-            <a:extLst>
-              <a:ext uri="{BEBA8EAE-BF5A-486C-A8C5-ECC9F3942E4B}">
-                <a14:imgProps xmlns:a14="http://schemas.microsoft.com/office/drawing/2010/main">
-                  <a14:imgLayer r:embed="rId3">
-                    <a14:imgEffect>
-                      <a14:artisticTexturizer/>
-                    </a14:imgEffect>
-                    <a14:imgEffect>
-                      <a14:sharpenSoften amount="25000"/>
-                    </a14:imgEffect>
-                  </a14:imgLayer>
-                </a14:imgProps>
-              </a:ext>
-              <a:ext uri="{28A0092B-C50C-407E-A947-70E740481C1C}">
-                <a14:useLocalDpi xmlns:a14="http://schemas.microsoft.com/office/drawing/2010/main" val="0"/>
-              </a:ext>
-            </a:extLst>
-          </a:blip>
-          <a:stretch>
-            <a:fillRect/>
-          </a:stretch>
-        </p:blipFill>
-        <p:spPr>
-          <a:xfrm>
-            <a:off x="2113480" y="1333228"/>
-            <a:ext cx="7965039" cy="5310025"/>
-          </a:xfrm>
-          <a:prstGeom prst="rect">
-            <a:avLst/>
-          </a:prstGeom>
-          <a:ln w="38100">
-            <a:solidFill>
-              <a:schemeClr val="accent2"/>
-            </a:solidFill>
-          </a:ln>
-        </p:spPr>
-      </p:pic>
-    </p:spTree>
-    <p:extLst>
-      <p:ext uri="{BB962C8B-B14F-4D97-AF65-F5344CB8AC3E}">
-        <p14:creationId xmlns:p14="http://schemas.microsoft.com/office/powerpoint/2010/main" val="540952138"/>
-      </p:ext>
-    </p:extLst>
-  </p:cSld>
-  <p:clrMapOvr>
-    <a:masterClrMapping/>
-  </p:clrMapOvr>
-  <mc:AlternateContent xmlns:mc="http://schemas.openxmlformats.org/markup-compatibility/2006">
-    <mc:Choice xmlns:p14="http://schemas.microsoft.com/office/powerpoint/2010/main" Requires="p14">
-      <p:transition spd="med">
-        <p14:glitter dir="d" pattern="hexagon"/>
-      </p:transition>
-    </mc:Choice>
-    <mc:Fallback>
-      <p:transition spd="med">
-        <p:fade/>
-      </p:transition>
-    </mc:Fallback>
-  </mc:AlternateContent>
-</p:sld>
-</file>
-
-<file path=ppt/slides/slide3.xml><?xml version="1.0" encoding="utf-8"?>
-<p:sld xmlns:a="http://schemas.openxmlformats.org/drawingml/2006/main" xmlns:r="http://schemas.openxmlformats.org/officeDocument/2006/relationships" xmlns:p="http://schemas.openxmlformats.org/presentationml/2006/main">
-  <p:cSld>
-    <p:bg>
-      <p:bgPr>
-        <a:gradFill flip="none" rotWithShape="1">
-          <a:gsLst>
-            <a:gs pos="0">
-              <a:srgbClr val="FEECB4"/>
-            </a:gs>
-            <a:gs pos="74000">
-              <a:schemeClr val="accent1">
-                <a:lumMod val="45000"/>
-                <a:lumOff val="55000"/>
-              </a:schemeClr>
-            </a:gs>
-            <a:gs pos="83000">
-              <a:schemeClr val="accent1">
-                <a:lumMod val="45000"/>
-                <a:lumOff val="55000"/>
-              </a:schemeClr>
-            </a:gs>
-            <a:gs pos="100000">
-              <a:schemeClr val="accent1">
-                <a:lumMod val="30000"/>
-                <a:lumOff val="70000"/>
-              </a:schemeClr>
-            </a:gs>
-          </a:gsLst>
-          <a:lin ang="5400000" scaled="1"/>
-          <a:tileRect/>
-        </a:gradFill>
-        <a:effectLst/>
-      </p:bgPr>
-    </p:bg>
-    <p:spTree>
-      <p:nvGrpSpPr>
-        <p:cNvPr id="1" name=""/>
-        <p:cNvGrpSpPr/>
-        <p:nvPr/>
-      </p:nvGrpSpPr>
-      <p:grpSpPr>
-        <a:xfrm>
-          <a:off x="0" y="0"/>
-          <a:ext cx="0" cy="0"/>
-          <a:chOff x="0" y="0"/>
-          <a:chExt cx="0" cy="0"/>
-        </a:xfrm>
-      </p:grpSpPr>
-      <p:pic>
-        <p:nvPicPr>
-          <p:cNvPr id="17" name="Image 16">
-            <a:extLst>
-              <a:ext uri="{FF2B5EF4-FFF2-40B4-BE49-F238E27FC236}">
-                <a16:creationId xmlns:a16="http://schemas.microsoft.com/office/drawing/2014/main" id="{F96D57AC-F45C-68DD-8CDE-8A246A5E52A0}"/>
-              </a:ext>
-            </a:extLst>
-          </p:cNvPr>
-          <p:cNvPicPr>
-            <a:picLocks noChangeAspect="1"/>
-          </p:cNvPicPr>
-          <p:nvPr/>
-        </p:nvPicPr>
-        <p:blipFill>
-          <a:blip r:embed="rId3">
-            <a:extLst>
-              <a:ext uri="{28A0092B-C50C-407E-A947-70E740481C1C}">
-                <a14:useLocalDpi xmlns:a14="http://schemas.microsoft.com/office/drawing/2010/main" val="0"/>
-              </a:ext>
-            </a:extLst>
-          </a:blip>
-          <a:stretch>
-            <a:fillRect/>
-          </a:stretch>
-        </p:blipFill>
-        <p:spPr>
-          <a:xfrm>
-            <a:off x="0" y="0"/>
-            <a:ext cx="11797145" cy="6844306"/>
-          </a:xfrm>
-          <a:prstGeom prst="rect">
-            <a:avLst/>
-          </a:prstGeom>
-        </p:spPr>
-      </p:pic>
-    </p:spTree>
-    <p:extLst>
-      <p:ext uri="{BB962C8B-B14F-4D97-AF65-F5344CB8AC3E}">
-        <p14:creationId xmlns:p14="http://schemas.microsoft.com/office/powerpoint/2010/main" val="787381227"/>
-      </p:ext>
-    </p:extLst>
-  </p:cSld>
-  <p:clrMapOvr>
-    <a:masterClrMapping/>
-  </p:clrMapOvr>
-  <mc:AlternateContent xmlns:mc="http://schemas.openxmlformats.org/markup-compatibility/2006">
-    <mc:Choice xmlns:p14="http://schemas.microsoft.com/office/powerpoint/2010/main" Requires="p14">
-      <p:transition spd="med">
-        <p14:glitter dir="d" pattern="hexagon"/>
-      </p:transition>
-    </mc:Choice>
-    <mc:Fallback>
-      <p:transition spd="med">
-        <p:fade/>
-      </p:transition>
-    </mc:Fallback>
-  </mc:AlternateContent>
-  <p:timing>
-    <p:tnLst>
-      <p:par>
-        <p:cTn id="1" dur="indefinite" restart="never" nodeType="tmRoot">
-          <p:childTnLst>
-            <p:seq concurrent="1" nextAc="seek">
-              <p:cTn id="2" dur="indefinite" nodeType="mainSeq">
-                <p:childTnLst>
-                  <p:par>
-                    <p:cTn id="3" fill="hold">
-                      <p:stCondLst>
-                        <p:cond delay="indefinite"/>
-                        <p:cond evt="onBegin" delay="0">
-                          <p:tn val="2"/>
-                        </p:cond>
-                      </p:stCondLst>
-                      <p:childTnLst>
-                        <p:par>
-                          <p:cTn id="4" fill="hold">
-                            <p:stCondLst>
-                              <p:cond delay="0"/>
-                            </p:stCondLst>
-                            <p:childTnLst>
-                              <p:par>
-                                <p:cTn id="5" presetID="14" presetClass="entr" presetSubtype="5" fill="hold" nodeType="afterEffect">
-                                  <p:stCondLst>
-                                    <p:cond delay="0"/>
-                                  </p:stCondLst>
-                                  <p:childTnLst>
-                                    <p:set>
-                                      <p:cBhvr>
-                                        <p:cTn id="6" dur="1" fill="hold">
-                                          <p:stCondLst>
-                                            <p:cond delay="0"/>
-                                          </p:stCondLst>
-                                        </p:cTn>
-                                        <p:tgtEl>
-                                          <p:spTgt spid="17"/>
-                                        </p:tgtEl>
-                                        <p:attrNameLst>
-                                          <p:attrName>style.visibility</p:attrName>
-                                        </p:attrNameLst>
-                                      </p:cBhvr>
-                                      <p:to>
-                                        <p:strVal val="visible"/>
-                                      </p:to>
-                                    </p:set>
-                                    <p:animEffect transition="in" filter="randombar(vertical)">
-                                      <p:cBhvr>
-                                        <p:cTn id="7" dur="1000"/>
-                                        <p:tgtEl>
-                                          <p:spTgt spid="17"/>
-                                        </p:tgtEl>
-                                      </p:cBhvr>
-                                    </p:animEffect>
-                                  </p:childTnLst>
-                                </p:cTn>
-                              </p:par>
-                            </p:childTnLst>
-                          </p:cTn>
-                        </p:par>
-                      </p:childTnLst>
-                    </p:cTn>
-                  </p:par>
-                </p:childTnLst>
-              </p:cTn>
-              <p:prevCondLst>
-                <p:cond evt="onPrev" delay="0">
-                  <p:tgtEl>
-                    <p:sldTgt/>
-                  </p:tgtEl>
-                </p:cond>
-              </p:prevCondLst>
-              <p:nextCondLst>
-                <p:cond evt="onNext" delay="0">
-                  <p:tgtEl>
-                    <p:sldTgt/>
-                  </p:tgtEl>
-                </p:cond>
-              </p:nextCondLst>
-            </p:seq>
-          </p:childTnLst>
-        </p:cTn>
-      </p:par>
-    </p:tnLst>
-  </p:timing>
-</p:sld>
-</file>
-
-<file path=ppt/slides/slide4.xml><?xml version="1.0" encoding="utf-8"?>
-<p:sld xmlns:a="http://schemas.openxmlformats.org/drawingml/2006/main" xmlns:r="http://schemas.openxmlformats.org/officeDocument/2006/relationships" xmlns:p="http://schemas.openxmlformats.org/presentationml/2006/main">
-  <p:cSld>
-    <p:bg>
-      <p:bgPr>
-        <a:gradFill flip="none" rotWithShape="1">
-          <a:gsLst>
-            <a:gs pos="0">
-              <a:srgbClr val="FEECB4"/>
-            </a:gs>
-            <a:gs pos="74000">
-              <a:schemeClr val="accent1">
-                <a:lumMod val="45000"/>
-                <a:lumOff val="55000"/>
-              </a:schemeClr>
-            </a:gs>
-            <a:gs pos="83000">
-              <a:schemeClr val="accent1">
-                <a:lumMod val="45000"/>
-                <a:lumOff val="55000"/>
-              </a:schemeClr>
-            </a:gs>
-            <a:gs pos="100000">
-              <a:schemeClr val="accent1">
-                <a:lumMod val="30000"/>
-                <a:lumOff val="70000"/>
-              </a:schemeClr>
-            </a:gs>
-          </a:gsLst>
-          <a:lin ang="5400000" scaled="1"/>
-          <a:tileRect/>
-        </a:gradFill>
-        <a:effectLst/>
-      </p:bgPr>
-    </p:bg>
-    <p:spTree>
-      <p:nvGrpSpPr>
-        <p:cNvPr id="1" name=""/>
-        <p:cNvGrpSpPr/>
-        <p:nvPr/>
-      </p:nvGrpSpPr>
-      <p:grpSpPr>
-        <a:xfrm>
-          <a:off x="0" y="0"/>
-          <a:ext cx="0" cy="0"/>
-          <a:chOff x="0" y="0"/>
-          <a:chExt cx="0" cy="0"/>
-        </a:xfrm>
-      </p:grpSpPr>
-      <p:pic>
-        <p:nvPicPr>
-          <p:cNvPr id="5" name="Image 4">
-            <a:extLst>
-              <a:ext uri="{FF2B5EF4-FFF2-40B4-BE49-F238E27FC236}">
-                <a16:creationId xmlns:a16="http://schemas.microsoft.com/office/drawing/2014/main" id="{C3D52BF0-F018-4CB7-9892-72744930A05A}"/>
-              </a:ext>
-            </a:extLst>
-          </p:cNvPr>
-          <p:cNvPicPr>
-            <a:picLocks noChangeAspect="1"/>
-          </p:cNvPicPr>
-          <p:nvPr/>
-        </p:nvPicPr>
-        <p:blipFill>
-          <a:blip r:embed="rId3">
-            <a:extLst>
-              <a:ext uri="{28A0092B-C50C-407E-A947-70E740481C1C}">
-                <a14:useLocalDpi xmlns:a14="http://schemas.microsoft.com/office/drawing/2010/main" val="0"/>
-              </a:ext>
-            </a:extLst>
-          </a:blip>
-          <a:stretch>
-            <a:fillRect/>
-          </a:stretch>
-        </p:blipFill>
-        <p:spPr>
-          <a:xfrm>
-            <a:off x="0" y="0"/>
-            <a:ext cx="12192000" cy="6885488"/>
-          </a:xfrm>
-          <a:prstGeom prst="rect">
-            <a:avLst/>
-          </a:prstGeom>
-        </p:spPr>
-      </p:pic>
-    </p:spTree>
-    <p:extLst>
-      <p:ext uri="{BB962C8B-B14F-4D97-AF65-F5344CB8AC3E}">
-        <p14:creationId xmlns:p14="http://schemas.microsoft.com/office/powerpoint/2010/main" val="2027579428"/>
-      </p:ext>
-    </p:extLst>
-  </p:cSld>
-  <p:clrMapOvr>
-    <a:masterClrMapping/>
-  </p:clrMapOvr>
-  <mc:AlternateContent xmlns:mc="http://schemas.openxmlformats.org/markup-compatibility/2006">
-    <mc:Choice xmlns:p14="http://schemas.microsoft.com/office/powerpoint/2010/main" Requires="p14">
-      <p:transition spd="med">
-        <p14:glitter dir="d" pattern="hexagon"/>
-      </p:transition>
-    </mc:Choice>
-    <mc:Fallback>
-      <p:transition spd="med">
-        <p:fade/>
-      </p:transition>
-    </mc:Fallback>
-  </mc:AlternateContent>
-  <p:timing>
-    <p:tnLst>
-      <p:par>
-        <p:cTn id="1" dur="indefinite" restart="never" nodeType="tmRoot">
-          <p:childTnLst>
-            <p:seq concurrent="1" nextAc="seek">
-              <p:cTn id="2" dur="indefinite" nodeType="mainSeq">
-                <p:childTnLst>
-                  <p:par>
-                    <p:cTn id="3" fill="hold">
-                      <p:stCondLst>
-                        <p:cond delay="indefinite"/>
-                        <p:cond evt="onBegin" delay="0">
-                          <p:tn val="2"/>
-                        </p:cond>
-                      </p:stCondLst>
-                      <p:childTnLst>
-                        <p:par>
-                          <p:cTn id="4" fill="hold">
-                            <p:stCondLst>
-                              <p:cond delay="0"/>
-                            </p:stCondLst>
-                            <p:childTnLst>
-                              <p:par>
-                                <p:cTn id="5" presetID="14" presetClass="entr" presetSubtype="5" fill="hold" nodeType="afterEffect">
-                                  <p:stCondLst>
-                                    <p:cond delay="0"/>
-                                  </p:stCondLst>
-                                  <p:childTnLst>
-                                    <p:set>
-                                      <p:cBhvr>
-                                        <p:cTn id="6" dur="1" fill="hold">
-                                          <p:stCondLst>
-                                            <p:cond delay="0"/>
-                                          </p:stCondLst>
-                                        </p:cTn>
-                                        <p:tgtEl>
-                                          <p:spTgt spid="5"/>
-                                        </p:tgtEl>
-                                        <p:attrNameLst>
-                                          <p:attrName>style.visibility</p:attrName>
-                                        </p:attrNameLst>
-                                      </p:cBhvr>
-                                      <p:to>
-                                        <p:strVal val="visible"/>
-                                      </p:to>
-                                    </p:set>
-                                    <p:animEffect transition="in" filter="randombar(vertical)">
-                                      <p:cBhvr>
-                                        <p:cTn id="7" dur="1000"/>
-                                        <p:tgtEl>
-                                          <p:spTgt spid="5"/>
-                                        </p:tgtEl>
-                                      </p:cBhvr>
-                                    </p:animEffect>
-                                  </p:childTnLst>
-                                </p:cTn>
-                              </p:par>
-                            </p:childTnLst>
-                          </p:cTn>
-                        </p:par>
-                      </p:childTnLst>
-                    </p:cTn>
-                  </p:par>
-                </p:childTnLst>
-              </p:cTn>
-              <p:prevCondLst>
-                <p:cond evt="onPrev" delay="0">
-                  <p:tgtEl>
-                    <p:sldTgt/>
-                  </p:tgtEl>
-                </p:cond>
-              </p:prevCondLst>
-              <p:nextCondLst>
-                <p:cond evt="onNext" delay="0">
-                  <p:tgtEl>
-                    <p:sldTgt/>
-                  </p:tgtEl>
-                </p:cond>
-              </p:nextCondLst>
-            </p:seq>
-          </p:childTnLst>
-        </p:cTn>
-      </p:par>
-    </p:tnLst>
-  </p:timing>
-</p:sld>
-</file>
-
-<file path=ppt/slides/slide5.xml><?xml version="1.0" encoding="utf-8"?>
-<p:sld xmlns:a="http://schemas.openxmlformats.org/drawingml/2006/main" xmlns:r="http://schemas.openxmlformats.org/officeDocument/2006/relationships" xmlns:p="http://schemas.openxmlformats.org/presentationml/2006/main">
-  <p:cSld>
-    <p:spTree>
-      <p:nvGrpSpPr>
-        <p:cNvPr id="1" name=""/>
-        <p:cNvGrpSpPr/>
-        <p:nvPr/>
-      </p:nvGrpSpPr>
-      <p:grpSpPr>
-        <a:xfrm>
-          <a:off x="0" y="0"/>
-          <a:ext cx="0" cy="0"/>
-          <a:chOff x="0" y="0"/>
-          <a:chExt cx="0" cy="0"/>
-        </a:xfrm>
-      </p:grpSpPr>
-      <p:sp>
-        <p:nvSpPr>
-          <p:cNvPr id="4" name="Titre 1">
-            <a:extLst>
-              <a:ext uri="{FF2B5EF4-FFF2-40B4-BE49-F238E27FC236}">
-                <a16:creationId xmlns:a16="http://schemas.microsoft.com/office/drawing/2014/main" id="{4DD576F9-BD29-6496-D4C6-2113EC1E3A88}"/>
-              </a:ext>
-            </a:extLst>
-          </p:cNvPr>
-          <p:cNvSpPr>
-            <a:spLocks noGrp="1"/>
-          </p:cNvSpPr>
-          <p:nvPr>
-            <p:ph type="title"/>
-          </p:nvPr>
-        </p:nvSpPr>
-        <p:spPr>
-          <a:xfrm>
-            <a:off x="838200" y="365125"/>
-            <a:ext cx="10515600" cy="1325563"/>
-          </a:xfrm>
-        </p:spPr>
-        <p:txBody>
-          <a:bodyPr>
-            <a:normAutofit/>
-          </a:bodyPr>
-          <a:lstStyle/>
-          <a:p>
-            <a:r>
-              <a:rPr lang="fr-FR" sz="4800" b="1" u="sng" dirty="0" err="1">
-                <a:effectLst>
-                  <a:outerShdw blurRad="38100" dist="38100" dir="2700000" algn="tl">
-                    <a:srgbClr val="000000">
-                      <a:alpha val="43137"/>
-                    </a:srgbClr>
-                  </a:outerShdw>
-                </a:effectLst>
-                <a:latin typeface="Baskerville Old Face" panose="02020602080505020303" pitchFamily="18" charset="0"/>
-              </a:rPr>
-              <a:t>What</a:t>
-            </a:r>
-            <a:r>
-              <a:rPr lang="fr-FR" sz="4800" b="1" u="sng" dirty="0">
-                <a:effectLst>
-                  <a:outerShdw blurRad="38100" dist="38100" dir="2700000" algn="tl">
-                    <a:srgbClr val="000000">
-                      <a:alpha val="43137"/>
-                    </a:srgbClr>
-                  </a:outerShdw>
-                </a:effectLst>
-                <a:latin typeface="Baskerville Old Face" panose="02020602080505020303" pitchFamily="18" charset="0"/>
-              </a:rPr>
-              <a:t> are the solutions?</a:t>
-            </a:r>
-          </a:p>
-        </p:txBody>
-      </p:sp>
-      <p:pic>
-        <p:nvPicPr>
-          <p:cNvPr id="8" name="Image 7">
-            <a:extLst>
-              <a:ext uri="{FF2B5EF4-FFF2-40B4-BE49-F238E27FC236}">
-                <a16:creationId xmlns:a16="http://schemas.microsoft.com/office/drawing/2014/main" id="{E01772DE-F5CC-A1DD-C714-45032FA5D683}"/>
-              </a:ext>
-            </a:extLst>
-          </p:cNvPr>
-          <p:cNvPicPr>
-            <a:picLocks noChangeAspect="1"/>
-          </p:cNvPicPr>
-          <p:nvPr/>
-        </p:nvPicPr>
-        <p:blipFill>
-          <a:blip r:embed="rId2">
-            <a:extLst>
-              <a:ext uri="{28A0092B-C50C-407E-A947-70E740481C1C}">
-                <a14:useLocalDpi xmlns:a14="http://schemas.microsoft.com/office/drawing/2010/main" val="0"/>
-              </a:ext>
-            </a:extLst>
-          </a:blip>
-          <a:stretch>
-            <a:fillRect/>
-          </a:stretch>
-        </p:blipFill>
-        <p:spPr>
-          <a:xfrm>
-            <a:off x="96161" y="1690688"/>
-            <a:ext cx="5402859" cy="2772896"/>
-          </a:xfrm>
-          <a:prstGeom prst="rect">
-            <a:avLst/>
-          </a:prstGeom>
-        </p:spPr>
-      </p:pic>
-      <p:pic>
-        <p:nvPicPr>
-          <p:cNvPr id="10" name="Image 9">
-            <a:extLst>
-              <a:ext uri="{FF2B5EF4-FFF2-40B4-BE49-F238E27FC236}">
-                <a16:creationId xmlns:a16="http://schemas.microsoft.com/office/drawing/2014/main" id="{6373DEC1-0E97-DD35-9928-11158CC289B7}"/>
-              </a:ext>
-            </a:extLst>
-          </p:cNvPr>
-          <p:cNvPicPr>
-            <a:picLocks noChangeAspect="1"/>
-          </p:cNvPicPr>
-          <p:nvPr/>
-        </p:nvPicPr>
-        <p:blipFill>
-          <a:blip r:embed="rId3">
-            <a:extLst>
-              <a:ext uri="{28A0092B-C50C-407E-A947-70E740481C1C}">
-                <a14:useLocalDpi xmlns:a14="http://schemas.microsoft.com/office/drawing/2010/main" val="0"/>
-              </a:ext>
-            </a:extLst>
-          </a:blip>
-          <a:stretch>
-            <a:fillRect/>
-          </a:stretch>
-        </p:blipFill>
-        <p:spPr>
-          <a:xfrm>
-            <a:off x="5796411" y="1690254"/>
-            <a:ext cx="3469422" cy="3477491"/>
-          </a:xfrm>
-          <a:prstGeom prst="rect">
-            <a:avLst/>
-          </a:prstGeom>
-        </p:spPr>
-      </p:pic>
-      <p:pic>
-        <p:nvPicPr>
-          <p:cNvPr id="12" name="Graphique 11">
-            <a:extLst>
-              <a:ext uri="{FF2B5EF4-FFF2-40B4-BE49-F238E27FC236}">
-                <a16:creationId xmlns:a16="http://schemas.microsoft.com/office/drawing/2014/main" id="{F72B83F5-3F5C-EA8A-DB25-A3D5B43544A5}"/>
-              </a:ext>
-            </a:extLst>
-          </p:cNvPr>
-          <p:cNvPicPr>
-            <a:picLocks noChangeAspect="1"/>
-          </p:cNvPicPr>
-          <p:nvPr/>
-        </p:nvPicPr>
-        <p:blipFill>
-          <a:blip r:embed="rId4">
-            <a:extLst>
-              <a:ext uri="{28A0092B-C50C-407E-A947-70E740481C1C}">
-                <a14:useLocalDpi xmlns:a14="http://schemas.microsoft.com/office/drawing/2010/main" val="0"/>
-              </a:ext>
-              <a:ext uri="{96DAC541-7B7A-43D3-8B79-37D633B846F1}">
-                <asvg:svgBlip xmlns:asvg="http://schemas.microsoft.com/office/drawing/2016/SVG/main" r:embed="rId5"/>
-              </a:ext>
-            </a:extLst>
-          </a:blip>
-          <a:stretch>
-            <a:fillRect/>
-          </a:stretch>
-        </p:blipFill>
-        <p:spPr>
-          <a:xfrm>
-            <a:off x="9563224" y="1553874"/>
-            <a:ext cx="2588033" cy="3750252"/>
-          </a:xfrm>
-          <a:prstGeom prst="rect">
-            <a:avLst/>
-          </a:prstGeom>
-        </p:spPr>
-      </p:pic>
-      <p:pic>
-        <p:nvPicPr>
-          <p:cNvPr id="14" name="Image 13">
-            <a:extLst>
-              <a:ext uri="{FF2B5EF4-FFF2-40B4-BE49-F238E27FC236}">
-                <a16:creationId xmlns:a16="http://schemas.microsoft.com/office/drawing/2014/main" id="{928A9BE1-0135-CD08-4464-93B27EF31362}"/>
-              </a:ext>
-            </a:extLst>
-          </p:cNvPr>
-          <p:cNvPicPr>
-            <a:picLocks noChangeAspect="1"/>
-          </p:cNvPicPr>
-          <p:nvPr/>
-        </p:nvPicPr>
-        <p:blipFill>
-          <a:blip r:embed="rId6">
-            <a:extLst>
-              <a:ext uri="{28A0092B-C50C-407E-A947-70E740481C1C}">
-                <a14:useLocalDpi xmlns:a14="http://schemas.microsoft.com/office/drawing/2010/main" val="0"/>
-              </a:ext>
-            </a:extLst>
-          </a:blip>
-          <a:stretch>
-            <a:fillRect/>
-          </a:stretch>
-        </p:blipFill>
-        <p:spPr>
-          <a:xfrm>
-            <a:off x="83450" y="4463584"/>
-            <a:ext cx="5300162" cy="1086533"/>
-          </a:xfrm>
-          <a:prstGeom prst="rect">
-            <a:avLst/>
-          </a:prstGeom>
-        </p:spPr>
-      </p:pic>
-    </p:spTree>
-    <p:extLst>
-      <p:ext uri="{BB962C8B-B14F-4D97-AF65-F5344CB8AC3E}">
-        <p14:creationId xmlns:p14="http://schemas.microsoft.com/office/powerpoint/2010/main" val="1862604515"/>
-      </p:ext>
-    </p:extLst>
-  </p:cSld>
-  <p:clrMapOvr>
-    <a:masterClrMapping/>
-  </p:clrMapOvr>
-  <mc:AlternateContent xmlns:mc="http://schemas.openxmlformats.org/markup-compatibility/2006">
-    <mc:Choice xmlns:p14="http://schemas.microsoft.com/office/powerpoint/2010/main" Requires="p14">
-      <p:transition spd="med">
-        <p14:glitter dir="d" pattern="hexagon"/>
-      </p:transition>
-    </mc:Choice>
-    <mc:Fallback>
-      <p:transition spd="med">
-        <p:fade/>
-      </p:transition>
-    </mc:Fallback>
-  </mc:AlternateContent>
-  <p:timing>
-    <p:tnLst>
-      <p:par>
-        <p:cTn id="1" dur="indefinite" restart="never" nodeType="tmRoot">
-          <p:childTnLst>
-            <p:seq concurrent="1" nextAc="seek">
-              <p:cTn id="2" dur="indefinite" nodeType="mainSeq">
-                <p:childTnLst>
-                  <p:par>
-                    <p:cTn id="3" fill="hold">
-                      <p:stCondLst>
-                        <p:cond delay="indefinite"/>
-                        <p:cond evt="onBegin" delay="0">
-                          <p:tn val="2"/>
-                        </p:cond>
-                      </p:stCondLst>
-                      <p:childTnLst>
-                        <p:par>
-                          <p:cTn id="4" fill="hold">
-                            <p:stCondLst>
-                              <p:cond delay="0"/>
-                            </p:stCondLst>
-                            <p:childTnLst>
-                              <p:par>
-                                <p:cTn id="5" presetID="14" presetClass="entr" presetSubtype="5" fill="hold" grpId="0" nodeType="afterEffect">
-                                  <p:stCondLst>
-                                    <p:cond delay="0"/>
-                                  </p:stCondLst>
-                                  <p:childTnLst>
-                                    <p:set>
-                                      <p:cBhvr>
-                                        <p:cTn id="6" dur="1" fill="hold">
-                                          <p:stCondLst>
-                                            <p:cond delay="0"/>
-                                          </p:stCondLst>
-                                        </p:cTn>
-                                        <p:tgtEl>
-                                          <p:spTgt spid="4"/>
-                                        </p:tgtEl>
-                                        <p:attrNameLst>
-                                          <p:attrName>style.visibility</p:attrName>
-                                        </p:attrNameLst>
-                                      </p:cBhvr>
-                                      <p:to>
-                                        <p:strVal val="visible"/>
-                                      </p:to>
-                                    </p:set>
-                                    <p:animEffect transition="in" filter="randombar(vertical)">
-                                      <p:cBhvr>
-                                        <p:cTn id="7" dur="500"/>
-                                        <p:tgtEl>
-                                          <p:spTgt spid="4"/>
-                                        </p:tgtEl>
-                                      </p:cBhvr>
-                                    </p:animEffect>
-                                  </p:childTnLst>
-                                </p:cTn>
-                              </p:par>
-                            </p:childTnLst>
-                          </p:cTn>
-                        </p:par>
-                        <p:par>
-                          <p:cTn id="8" fill="hold">
-                            <p:stCondLst>
-                              <p:cond delay="500"/>
-                            </p:stCondLst>
-                            <p:childTnLst>
-                              <p:par>
-                                <p:cTn id="9" presetID="14" presetClass="entr" presetSubtype="5" fill="hold" nodeType="afterEffect">
-                                  <p:stCondLst>
-                                    <p:cond delay="0"/>
-                                  </p:stCondLst>
-                                  <p:childTnLst>
-                                    <p:set>
-                                      <p:cBhvr>
-                                        <p:cTn id="10" dur="1" fill="hold">
-                                          <p:stCondLst>
-                                            <p:cond delay="0"/>
-                                          </p:stCondLst>
-                                        </p:cTn>
-                                        <p:tgtEl>
-                                          <p:spTgt spid="8"/>
-                                        </p:tgtEl>
-                                        <p:attrNameLst>
-                                          <p:attrName>style.visibility</p:attrName>
-                                        </p:attrNameLst>
-                                      </p:cBhvr>
-                                      <p:to>
-                                        <p:strVal val="visible"/>
-                                      </p:to>
-                                    </p:set>
-                                    <p:animEffect transition="in" filter="randombar(vertical)">
-                                      <p:cBhvr>
-                                        <p:cTn id="11" dur="500"/>
-                                        <p:tgtEl>
-                                          <p:spTgt spid="8"/>
-                                        </p:tgtEl>
-                                      </p:cBhvr>
-                                    </p:animEffect>
-                                  </p:childTnLst>
-                                </p:cTn>
-                              </p:par>
-                              <p:par>
-                                <p:cTn id="12" presetID="14" presetClass="entr" presetSubtype="5" fill="hold" nodeType="withEffect">
-                                  <p:stCondLst>
-                                    <p:cond delay="0"/>
-                                  </p:stCondLst>
-                                  <p:childTnLst>
-                                    <p:set>
-                                      <p:cBhvr>
-                                        <p:cTn id="13" dur="1" fill="hold">
-                                          <p:stCondLst>
-                                            <p:cond delay="0"/>
-                                          </p:stCondLst>
-                                        </p:cTn>
-                                        <p:tgtEl>
-                                          <p:spTgt spid="10"/>
-                                        </p:tgtEl>
-                                        <p:attrNameLst>
-                                          <p:attrName>style.visibility</p:attrName>
-                                        </p:attrNameLst>
-                                      </p:cBhvr>
-                                      <p:to>
-                                        <p:strVal val="visible"/>
-                                      </p:to>
-                                    </p:set>
-                                    <p:animEffect transition="in" filter="randombar(vertical)">
-                                      <p:cBhvr>
-                                        <p:cTn id="14" dur="500"/>
-                                        <p:tgtEl>
-                                          <p:spTgt spid="10"/>
-                                        </p:tgtEl>
-                                      </p:cBhvr>
-                                    </p:animEffect>
-                                  </p:childTnLst>
-                                </p:cTn>
-                              </p:par>
-                              <p:par>
-                                <p:cTn id="15" presetID="14" presetClass="entr" presetSubtype="5" fill="hold" nodeType="withEffect">
-                                  <p:stCondLst>
-                                    <p:cond delay="0"/>
-                                  </p:stCondLst>
-                                  <p:childTnLst>
-                                    <p:set>
-                                      <p:cBhvr>
-                                        <p:cTn id="16" dur="1" fill="hold">
-                                          <p:stCondLst>
-                                            <p:cond delay="0"/>
-                                          </p:stCondLst>
-                                        </p:cTn>
-                                        <p:tgtEl>
-                                          <p:spTgt spid="12"/>
-                                        </p:tgtEl>
-                                        <p:attrNameLst>
-                                          <p:attrName>style.visibility</p:attrName>
-                                        </p:attrNameLst>
-                                      </p:cBhvr>
-                                      <p:to>
-                                        <p:strVal val="visible"/>
-                                      </p:to>
-                                    </p:set>
-                                    <p:animEffect transition="in" filter="randombar(vertical)">
-                                      <p:cBhvr>
-                                        <p:cTn id="17" dur="500"/>
-                                        <p:tgtEl>
-                                          <p:spTgt spid="12"/>
-                                        </p:tgtEl>
-                                      </p:cBhvr>
-                                    </p:animEffect>
-                                  </p:childTnLst>
-                                </p:cTn>
-                              </p:par>
-                              <p:par>
-                                <p:cTn id="18" presetID="14" presetClass="entr" presetSubtype="5" fill="hold" nodeType="withEffect">
-                                  <p:stCondLst>
-                                    <p:cond delay="0"/>
-                                  </p:stCondLst>
-                                  <p:childTnLst>
-                                    <p:set>
-                                      <p:cBhvr>
-                                        <p:cTn id="19" dur="1" fill="hold">
-                                          <p:stCondLst>
-                                            <p:cond delay="0"/>
-                                          </p:stCondLst>
-                                        </p:cTn>
-                                        <p:tgtEl>
-                                          <p:spTgt spid="14"/>
-                                        </p:tgtEl>
-                                        <p:attrNameLst>
-                                          <p:attrName>style.visibility</p:attrName>
-                                        </p:attrNameLst>
-                                      </p:cBhvr>
-                                      <p:to>
-                                        <p:strVal val="visible"/>
-                                      </p:to>
-                                    </p:set>
-                                    <p:animEffect transition="in" filter="randombar(vertical)">
-                                      <p:cBhvr>
-                                        <p:cTn id="20" dur="500"/>
-                                        <p:tgtEl>
-                                          <p:spTgt spid="14"/>
-                                        </p:tgtEl>
-                                      </p:cBhvr>
-                                    </p:animEffect>
-                                  </p:childTnLst>
-                                </p:cTn>
-                              </p:par>
-                            </p:childTnLst>
-                          </p:cTn>
-                        </p:par>
-                      </p:childTnLst>
-                    </p:cTn>
-                  </p:par>
-                </p:childTnLst>
-              </p:cTn>
-              <p:prevCondLst>
-                <p:cond evt="onPrev" delay="0">
-                  <p:tgtEl>
-                    <p:sldTgt/>
-                  </p:tgtEl>
-                </p:cond>
-              </p:prevCondLst>
-              <p:nextCondLst>
-                <p:cond evt="onNext" delay="0">
-                  <p:tgtEl>
-                    <p:sldTgt/>
-                  </p:tgtEl>
-                </p:cond>
-              </p:nextCondLst>
-            </p:seq>
-          </p:childTnLst>
-        </p:cTn>
-      </p:par>
-    </p:tnLst>
-    <p:bldLst>
-      <p:bldP spid="4" grpId="0"/>
-    </p:bldLst>
-  </p:timing>
-</p:sld>
-</file>
-
-<file path=ppt/slides/slide6.xml><?xml version="1.0" encoding="utf-8"?>
-<p:sld xmlns:a="http://schemas.openxmlformats.org/drawingml/2006/main" xmlns:r="http://schemas.openxmlformats.org/officeDocument/2006/relationships" xmlns:p="http://schemas.openxmlformats.org/presentationml/2006/main">
-  <p:cSld>
-    <p:spTree>
-      <p:nvGrpSpPr>
-        <p:cNvPr id="1" name=""/>
-        <p:cNvGrpSpPr/>
-        <p:nvPr/>
-      </p:nvGrpSpPr>
-      <p:grpSpPr>
-        <a:xfrm>
-          <a:off x="0" y="0"/>
-          <a:ext cx="0" cy="0"/>
-          <a:chOff x="0" y="0"/>
-          <a:chExt cx="0" cy="0"/>
-        </a:xfrm>
-      </p:grpSpPr>
-      <p:sp>
-        <p:nvSpPr>
-          <p:cNvPr id="2" name="Titre 1">
-            <a:extLst>
-              <a:ext uri="{FF2B5EF4-FFF2-40B4-BE49-F238E27FC236}">
-                <a16:creationId xmlns:a16="http://schemas.microsoft.com/office/drawing/2014/main" id="{D1FE0F39-84A2-6868-F61C-4233923CFB7C}"/>
-              </a:ext>
-            </a:extLst>
-          </p:cNvPr>
-          <p:cNvSpPr>
-            <a:spLocks noGrp="1"/>
-          </p:cNvSpPr>
-          <p:nvPr>
-            <p:ph type="title"/>
-          </p:nvPr>
-        </p:nvSpPr>
-        <p:spPr/>
-        <p:txBody>
-          <a:bodyPr/>
-          <a:lstStyle/>
-          <a:p>
-            <a:r>
-              <a:rPr lang="fr-FR" b="1" u="sng" dirty="0">
-                <a:effectLst>
-                  <a:outerShdw blurRad="38100" dist="38100" dir="2700000" algn="tl">
-                    <a:srgbClr val="000000">
-                      <a:alpha val="43137"/>
-                    </a:srgbClr>
-                  </a:outerShdw>
-                </a:effectLst>
-                <a:latin typeface="Baskerville Old Face" panose="02020602080505020303" pitchFamily="18" charset="0"/>
-              </a:rPr>
-              <a:t>Links</a:t>
-            </a:r>
-          </a:p>
-        </p:txBody>
-      </p:sp>
-      <p:sp>
-        <p:nvSpPr>
-          <p:cNvPr id="4" name="ZoneTexte 3">
-            <a:extLst>
-              <a:ext uri="{FF2B5EF4-FFF2-40B4-BE49-F238E27FC236}">
-                <a16:creationId xmlns:a16="http://schemas.microsoft.com/office/drawing/2014/main" id="{422B78B4-109F-A4BF-4F81-8BE590DC4CB5}"/>
-              </a:ext>
-            </a:extLst>
-          </p:cNvPr>
-          <p:cNvSpPr txBox="1"/>
-          <p:nvPr/>
-        </p:nvSpPr>
-        <p:spPr>
-          <a:xfrm>
-            <a:off x="900545" y="1530927"/>
-            <a:ext cx="8707582" cy="2031325"/>
-          </a:xfrm>
-          <a:prstGeom prst="rect">
-            <a:avLst/>
-          </a:prstGeom>
-          <a:noFill/>
-        </p:spPr>
-        <p:txBody>
-          <a:bodyPr wrap="square" rtlCol="0">
-            <a:spAutoFit/>
-          </a:bodyPr>
-          <a:lstStyle/>
-          <a:p>
-            <a:r>
-              <a:rPr lang="fr-FR" dirty="0" err="1"/>
-              <a:t>Website</a:t>
-            </a:r>
-            <a:r>
-              <a:rPr lang="fr-FR" dirty="0"/>
-              <a:t> </a:t>
-            </a:r>
-            <a:r>
-              <a:rPr lang="fr-FR" dirty="0" err="1"/>
-              <a:t>with</a:t>
-            </a:r>
-            <a:r>
-              <a:rPr lang="fr-FR" dirty="0"/>
-              <a:t> stats about </a:t>
-            </a:r>
-            <a:r>
-              <a:rPr lang="fr-FR" dirty="0" err="1"/>
-              <a:t>passwords</a:t>
-            </a:r>
-            <a:endParaRPr lang="fr-FR" dirty="0"/>
-          </a:p>
-          <a:p>
-            <a:r>
-              <a:rPr lang="fr-FR" dirty="0">
-                <a:hlinkClick r:id="rId2"/>
-              </a:rPr>
-              <a:t>https://www.comparitech.com/blog/information-security/password-statistics/</a:t>
-            </a:r>
-            <a:endParaRPr lang="fr-FR" dirty="0"/>
-          </a:p>
-          <a:p>
-            <a:endParaRPr lang="fr-FR" dirty="0"/>
-          </a:p>
-          <a:p>
-            <a:r>
-              <a:rPr lang="fr-FR" dirty="0"/>
-              <a:t>2019 Google </a:t>
-            </a:r>
-            <a:r>
-              <a:rPr lang="fr-FR" dirty="0" err="1"/>
-              <a:t>study</a:t>
-            </a:r>
-            <a:endParaRPr lang="fr-FR" dirty="0"/>
-          </a:p>
-          <a:p>
-            <a:r>
-              <a:rPr lang="fr-FR" dirty="0">
-                <a:hlinkClick r:id="rId3"/>
-              </a:rPr>
-              <a:t>https://storage.googleapis.com/gweb-uniblog-publish-prod/documents/PasswordCheckup-HarrisPoll-InfographicFINAL.pdf</a:t>
-            </a:r>
-            <a:endParaRPr lang="fr-FR" dirty="0"/>
-          </a:p>
-          <a:p>
-            <a:endParaRPr lang="fr-FR" dirty="0"/>
-          </a:p>
-        </p:txBody>
-      </p:sp>
-    </p:spTree>
-    <p:extLst>
-      <p:ext uri="{BB962C8B-B14F-4D97-AF65-F5344CB8AC3E}">
-        <p14:creationId xmlns:p14="http://schemas.microsoft.com/office/powerpoint/2010/main" val="3180281449"/>
-      </p:ext>
-    </p:extLst>
-  </p:cSld>
-  <p:clrMapOvr>
-    <a:masterClrMapping/>
-  </p:clrMapOvr>
-  <mc:AlternateContent xmlns:mc="http://schemas.openxmlformats.org/markup-compatibility/2006">
-    <mc:Choice xmlns:p14="http://schemas.microsoft.com/office/powerpoint/2010/main" Requires="p14">
-      <p:transition spd="med">
-        <p14:glitter dir="d" pattern="hexagon"/>
-      </p:transition>
-    </mc:Choice>
-    <mc:Fallback>
-      <p:transition spd="med">
-        <p:fade/>
-      </p:transition>
-    </mc:Fallback>
-  </mc:AlternateContent>
-  <p:timing>
-    <p:tnLst>
-      <p:par>
-        <p:cTn id="1" dur="indefinite" restart="never" nodeType="tmRoot">
-          <p:childTnLst>
-            <p:seq concurrent="1" nextAc="seek">
-              <p:cTn id="2" dur="indefinite" nodeType="mainSeq">
-                <p:childTnLst>
-                  <p:par>
-                    <p:cTn id="3" fill="hold">
-                      <p:stCondLst>
-                        <p:cond delay="indefinite"/>
-                        <p:cond evt="onBegin" delay="0">
-                          <p:tn val="2"/>
-                        </p:cond>
-                      </p:stCondLst>
-                      <p:childTnLst>
-                        <p:par>
-                          <p:cTn id="4" fill="hold">
-                            <p:stCondLst>
-                              <p:cond delay="0"/>
-                            </p:stCondLst>
-                            <p:childTnLst>
-                              <p:par>
-                                <p:cTn id="5" presetID="14" presetClass="entr" presetSubtype="5" fill="hold" grpId="0" nodeType="afterEffect">
-                                  <p:stCondLst>
-                                    <p:cond delay="0"/>
-                                  </p:stCondLst>
-                                  <p:childTnLst>
-                                    <p:set>
-                                      <p:cBhvr>
-                                        <p:cTn id="6" dur="1" fill="hold">
-                                          <p:stCondLst>
-                                            <p:cond delay="0"/>
-                                          </p:stCondLst>
-                                        </p:cTn>
-                                        <p:tgtEl>
-                                          <p:spTgt spid="2"/>
-                                        </p:tgtEl>
-                                        <p:attrNameLst>
-                                          <p:attrName>style.visibility</p:attrName>
-                                        </p:attrNameLst>
-                                      </p:cBhvr>
-                                      <p:to>
-                                        <p:strVal val="visible"/>
-                                      </p:to>
-                                    </p:set>
-                                    <p:animEffect transition="in" filter="randombar(vertical)">
-                                      <p:cBhvr>
-                                        <p:cTn id="7" dur="500"/>
-                                        <p:tgtEl>
-                                          <p:spTgt spid="2"/>
-                                        </p:tgtEl>
-                                      </p:cBhvr>
-                                    </p:animEffect>
-                                  </p:childTnLst>
-                                </p:cTn>
-                              </p:par>
-                            </p:childTnLst>
-                          </p:cTn>
-                        </p:par>
-                        <p:par>
-                          <p:cTn id="8" fill="hold">
-                            <p:stCondLst>
-                              <p:cond delay="500"/>
-                            </p:stCondLst>
-                            <p:childTnLst>
-                              <p:par>
-                                <p:cTn id="9" presetID="14" presetClass="entr" presetSubtype="5" fill="hold" grpId="0" nodeType="afterEffect">
-                                  <p:stCondLst>
-                                    <p:cond delay="0"/>
-                                  </p:stCondLst>
-                                  <p:childTnLst>
-                                    <p:set>
-                                      <p:cBhvr>
-                                        <p:cTn id="10" dur="1" fill="hold">
-                                          <p:stCondLst>
-                                            <p:cond delay="0"/>
-                                          </p:stCondLst>
-                                        </p:cTn>
-                                        <p:tgtEl>
-                                          <p:spTgt spid="4"/>
-                                        </p:tgtEl>
-                                        <p:attrNameLst>
-                                          <p:attrName>style.visibility</p:attrName>
-                                        </p:attrNameLst>
-                                      </p:cBhvr>
-                                      <p:to>
-                                        <p:strVal val="visible"/>
-                                      </p:to>
-                                    </p:set>
-                                    <p:animEffect transition="in" filter="randombar(vertical)">
-                                      <p:cBhvr>
-                                        <p:cTn id="11" dur="1000"/>
-                                        <p:tgtEl>
-                                          <p:spTgt spid="4"/>
-                                        </p:tgtEl>
-                                      </p:cBhvr>
-                                    </p:animEffect>
-                                  </p:childTnLst>
-                                </p:cTn>
-                              </p:par>
-                            </p:childTnLst>
-                          </p:cTn>
-                        </p:par>
-                      </p:childTnLst>
-                    </p:cTn>
-                  </p:par>
-                </p:childTnLst>
-              </p:cTn>
-              <p:prevCondLst>
-                <p:cond evt="onPrev" delay="0">
-                  <p:tgtEl>
-                    <p:sldTgt/>
-                  </p:tgtEl>
-                </p:cond>
-              </p:prevCondLst>
-              <p:nextCondLst>
-                <p:cond evt="onNext" delay="0">
-                  <p:tgtEl>
-                    <p:sldTgt/>
-                  </p:tgtEl>
-                </p:cond>
-              </p:nextCondLst>
-            </p:seq>
-          </p:childTnLst>
-        </p:cTn>
-      </p:par>
-    </p:tnLst>
-    <p:bldLst>
-      <p:bldP spid="2" grpId="0"/>
-      <p:bldP spid="4" grpId="0"/>
-    </p:bldLst>
-  </p:timing>
-</p:sld>
-</file>
-
-<file path=ppt/slides/slide7.xml><?xml version="1.0" encoding="utf-8"?>
-<p:sld xmlns:a="http://schemas.openxmlformats.org/drawingml/2006/main" xmlns:r="http://schemas.openxmlformats.org/officeDocument/2006/relationships" xmlns:p="http://schemas.openxmlformats.org/presentationml/2006/main">
-  <p:cSld>
-    <p:spTree>
-      <p:nvGrpSpPr>
-        <p:cNvPr id="1" name=""/>
-        <p:cNvGrpSpPr/>
-        <p:nvPr/>
-      </p:nvGrpSpPr>
-      <p:grpSpPr>
-        <a:xfrm>
-          <a:off x="0" y="0"/>
-          <a:ext cx="0" cy="0"/>
-          <a:chOff x="0" y="0"/>
-          <a:chExt cx="0" cy="0"/>
-        </a:xfrm>
-      </p:grpSpPr>
-      <p:sp>
-        <p:nvSpPr>
           <p:cNvPr id="4" name="Titre 1">
             <a:extLst>
               <a:ext uri="{FF2B5EF4-FFF2-40B4-BE49-F238E27FC236}">
@@ -5852,13 +6257,13 @@
           <p:nvPr/>
         </p:nvPicPr>
         <p:blipFill>
-          <a:blip r:embed="rId2">
+          <a:blip r:embed="rId3">
             <a:extLst>
               <a:ext uri="{28A0092B-C50C-407E-A947-70E740481C1C}">
                 <a14:useLocalDpi xmlns:a14="http://schemas.microsoft.com/office/drawing/2010/main" val="0"/>
               </a:ext>
               <a:ext uri="{96DAC541-7B7A-43D3-8B79-37D633B846F1}">
-                <asvg:svgBlip xmlns:asvg="http://schemas.microsoft.com/office/drawing/2016/SVG/main" r:embed="rId3"/>
+                <asvg:svgBlip xmlns:asvg="http://schemas.microsoft.com/office/drawing/2016/SVG/main" r:embed="rId4"/>
               </a:ext>
             </a:extLst>
           </a:blip>
@@ -5869,7 +6274,7 @@
         <p:spPr>
           <a:xfrm>
             <a:off x="631610" y="1882472"/>
-            <a:ext cx="3495376" cy="715270"/>
+            <a:ext cx="2790463" cy="571021"/>
           </a:xfrm>
           <a:prstGeom prst="rect">
             <a:avLst/>
@@ -6013,13 +6418,13 @@
           <p:nvPr/>
         </p:nvPicPr>
         <p:blipFill>
-          <a:blip r:embed="rId4">
+          <a:blip r:embed="rId5">
             <a:extLst>
               <a:ext uri="{28A0092B-C50C-407E-A947-70E740481C1C}">
                 <a14:useLocalDpi xmlns:a14="http://schemas.microsoft.com/office/drawing/2010/main" val="0"/>
               </a:ext>
               <a:ext uri="{96DAC541-7B7A-43D3-8B79-37D633B846F1}">
-                <asvg:svgBlip xmlns:asvg="http://schemas.microsoft.com/office/drawing/2016/SVG/main" r:embed="rId5"/>
+                <asvg:svgBlip xmlns:asvg="http://schemas.microsoft.com/office/drawing/2016/SVG/main" r:embed="rId6"/>
               </a:ext>
             </a:extLst>
           </a:blip>
@@ -6029,8 +6434,8 @@
         </p:blipFill>
         <p:spPr>
           <a:xfrm>
-            <a:off x="4840432" y="1612323"/>
-            <a:ext cx="2511136" cy="1255568"/>
+            <a:off x="3438978" y="1629987"/>
+            <a:ext cx="2279176" cy="1139588"/>
           </a:xfrm>
           <a:prstGeom prst="rect">
             <a:avLst/>
@@ -6052,13 +6457,13 @@
           <p:nvPr/>
         </p:nvPicPr>
         <p:blipFill>
-          <a:blip r:embed="rId6">
+          <a:blip r:embed="rId7">
             <a:extLst>
               <a:ext uri="{28A0092B-C50C-407E-A947-70E740481C1C}">
                 <a14:useLocalDpi xmlns:a14="http://schemas.microsoft.com/office/drawing/2010/main" val="0"/>
               </a:ext>
               <a:ext uri="{96DAC541-7B7A-43D3-8B79-37D633B846F1}">
-                <asvg:svgBlip xmlns:asvg="http://schemas.microsoft.com/office/drawing/2016/SVG/main" r:embed="rId7"/>
+                <asvg:svgBlip xmlns:asvg="http://schemas.microsoft.com/office/drawing/2016/SVG/main" r:embed="rId8"/>
               </a:ext>
             </a:extLst>
           </a:blip>
@@ -6068,7 +6473,7 @@
         </p:blipFill>
         <p:spPr>
           <a:xfrm>
-            <a:off x="7682850" y="1643495"/>
+            <a:off x="5564082" y="1622904"/>
             <a:ext cx="2386445" cy="1193223"/>
           </a:xfrm>
           <a:prstGeom prst="rect">
@@ -6090,7 +6495,7 @@
         </p:nvSpPr>
         <p:spPr>
           <a:xfrm>
-            <a:off x="506918" y="2770939"/>
+            <a:off x="631610" y="2690287"/>
             <a:ext cx="6899564" cy="400110"/>
           </a:xfrm>
           <a:prstGeom prst="rect">
@@ -6235,7 +6640,7 @@
         </p:nvSpPr>
         <p:spPr>
           <a:xfrm>
-            <a:off x="506918" y="3171049"/>
+            <a:off x="631610" y="3108808"/>
             <a:ext cx="7265482" cy="400110"/>
           </a:xfrm>
           <a:prstGeom prst="rect">
@@ -6357,7 +6762,7 @@
         </p:nvSpPr>
         <p:spPr>
           <a:xfrm>
-            <a:off x="506918" y="3571159"/>
+            <a:off x="631610" y="3508918"/>
             <a:ext cx="6899564" cy="400110"/>
           </a:xfrm>
           <a:prstGeom prst="rect">
@@ -6488,6 +6893,45 @@
           </a:p>
         </p:txBody>
       </p:sp>
+      <p:pic>
+        <p:nvPicPr>
+          <p:cNvPr id="3" name="Graphique 2">
+            <a:extLst>
+              <a:ext uri="{FF2B5EF4-FFF2-40B4-BE49-F238E27FC236}">
+                <a16:creationId xmlns:a16="http://schemas.microsoft.com/office/drawing/2014/main" id="{95CEB0B4-6AB0-9058-D615-EBCD963229DA}"/>
+              </a:ext>
+            </a:extLst>
+          </p:cNvPr>
+          <p:cNvPicPr>
+            <a:picLocks noChangeAspect="1"/>
+          </p:cNvPicPr>
+          <p:nvPr/>
+        </p:nvPicPr>
+        <p:blipFill>
+          <a:blip r:embed="rId9">
+            <a:extLst>
+              <a:ext uri="{28A0092B-C50C-407E-A947-70E740481C1C}">
+                <a14:useLocalDpi xmlns:a14="http://schemas.microsoft.com/office/drawing/2010/main" val="0"/>
+              </a:ext>
+              <a:ext uri="{96DAC541-7B7A-43D3-8B79-37D633B846F1}">
+                <asvg:svgBlip xmlns:asvg="http://schemas.microsoft.com/office/drawing/2016/SVG/main" r:embed="rId10"/>
+              </a:ext>
+            </a:extLst>
+          </a:blip>
+          <a:stretch>
+            <a:fillRect/>
+          </a:stretch>
+        </p:blipFill>
+        <p:spPr>
+          <a:xfrm>
+            <a:off x="7944716" y="2020878"/>
+            <a:ext cx="2647084" cy="370592"/>
+          </a:xfrm>
+          <a:prstGeom prst="rect">
+            <a:avLst/>
+          </a:prstGeom>
+        </p:spPr>
+      </p:pic>
     </p:spTree>
     <p:extLst>
       <p:ext uri="{BB962C8B-B14F-4D97-AF65-F5344CB8AC3E}">
@@ -6498,13 +6942,13 @@
   <p:clrMapOvr>
     <a:masterClrMapping/>
   </p:clrMapOvr>
-  <mc:AlternateContent xmlns:mc="http://schemas.openxmlformats.org/markup-compatibility/2006">
-    <mc:Choice xmlns:p14="http://schemas.microsoft.com/office/powerpoint/2010/main" Requires="p14">
+  <mc:AlternateContent xmlns:mc="http://schemas.openxmlformats.org/markup-compatibility/2006" xmlns:p14="http://schemas.microsoft.com/office/powerpoint/2010/main">
+    <mc:Choice Requires="p14">
       <p:transition spd="med">
         <p14:glitter dir="d" pattern="hexagon"/>
       </p:transition>
     </mc:Choice>
-    <mc:Fallback>
+    <mc:Fallback xmlns="">
       <p:transition spd="med">
         <p:fade/>
       </p:transition>
@@ -6754,7 +7198,7 @@
                             </p:stCondLst>
                             <p:childTnLst>
                               <p:par>
-                                <p:cTn id="25" presetID="14" presetClass="entr" presetSubtype="5" fill="hold" grpId="0" nodeType="afterEffect">
+                                <p:cTn id="25" presetID="14" presetClass="entr" presetSubtype="5" fill="hold" nodeType="afterEffect">
                                   <p:stCondLst>
                                     <p:cond delay="0"/>
                                   </p:stCondLst>
@@ -6767,7 +7211,7 @@
                                           </p:stCondLst>
                                         </p:cTn>
                                         <p:tgtEl>
-                                          <p:spTgt spid="16"/>
+                                          <p:spTgt spid="3"/>
                                         </p:tgtEl>
                                         <p:attrNameLst>
                                           <p:attrName>style.visibility</p:attrName>
@@ -6781,7 +7225,7 @@
                                       <p:cBhvr>
                                         <p:cTn id="27" dur="500"/>
                                         <p:tgtEl>
-                                          <p:spTgt spid="16"/>
+                                          <p:spTgt spid="3"/>
                                         </p:tgtEl>
                                       </p:cBhvr>
                                     </p:animEffect>
@@ -6811,7 +7255,7 @@
                                           </p:stCondLst>
                                         </p:cTn>
                                         <p:tgtEl>
-                                          <p:spTgt spid="17"/>
+                                          <p:spTgt spid="16"/>
                                         </p:tgtEl>
                                         <p:attrNameLst>
                                           <p:attrName>style.visibility</p:attrName>
@@ -6825,7 +7269,7 @@
                                       <p:cBhvr>
                                         <p:cTn id="31" dur="500"/>
                                         <p:tgtEl>
-                                          <p:spTgt spid="17"/>
+                                          <p:spTgt spid="16"/>
                                         </p:tgtEl>
                                       </p:cBhvr>
                                     </p:animEffect>
@@ -6855,6 +7299,50 @@
                                           </p:stCondLst>
                                         </p:cTn>
                                         <p:tgtEl>
+                                          <p:spTgt spid="17"/>
+                                        </p:tgtEl>
+                                        <p:attrNameLst>
+                                          <p:attrName>style.visibility</p:attrName>
+                                        </p:attrNameLst>
+                                      </p:cBhvr>
+                                      <p:to>
+                                        <p:strVal val="visible"/>
+                                      </p:to>
+                                    </p:set>
+                                    <p:animEffect transition="in" filter="randombar(vertical)">
+                                      <p:cBhvr>
+                                        <p:cTn id="35" dur="500"/>
+                                        <p:tgtEl>
+                                          <p:spTgt spid="17"/>
+                                        </p:tgtEl>
+                                      </p:cBhvr>
+                                    </p:animEffect>
+                                  </p:childTnLst>
+                                </p:cTn>
+                              </p:par>
+                            </p:childTnLst>
+                          </p:cTn>
+                        </p:par>
+                        <p:par>
+                          <p:cTn id="36" fill="hold">
+                            <p:stCondLst>
+                              <p:cond delay="4000"/>
+                            </p:stCondLst>
+                            <p:childTnLst>
+                              <p:par>
+                                <p:cTn id="37" presetID="14" presetClass="entr" presetSubtype="5" fill="hold" grpId="0" nodeType="afterEffect">
+                                  <p:stCondLst>
+                                    <p:cond delay="0"/>
+                                  </p:stCondLst>
+                                  <p:childTnLst>
+                                    <p:set>
+                                      <p:cBhvr>
+                                        <p:cTn id="38" dur="1" fill="hold">
+                                          <p:stCondLst>
+                                            <p:cond delay="0"/>
+                                          </p:stCondLst>
+                                        </p:cTn>
+                                        <p:tgtEl>
                                           <p:spTgt spid="18"/>
                                         </p:tgtEl>
                                         <p:attrNameLst>
@@ -6867,7 +7355,7 @@
                                     </p:set>
                                     <p:animEffect transition="in" filter="randombar(vertical)">
                                       <p:cBhvr>
-                                        <p:cTn id="35" dur="500"/>
+                                        <p:cTn id="39" dur="500"/>
                                         <p:tgtEl>
                                           <p:spTgt spid="18"/>
                                         </p:tgtEl>
@@ -6909,6 +7397,3024 @@
       <p:bldP spid="16" grpId="0"/>
       <p:bldP spid="17" grpId="0"/>
       <p:bldP spid="18" grpId="0"/>
+    </p:bldLst>
+  </p:timing>
+</p:sld>
+</file>
+
+<file path=ppt/slides/slide2.xml><?xml version="1.0" encoding="utf-8"?>
+<p:sld xmlns:a="http://schemas.openxmlformats.org/drawingml/2006/main" xmlns:r="http://schemas.openxmlformats.org/officeDocument/2006/relationships" xmlns:p="http://schemas.openxmlformats.org/presentationml/2006/main">
+  <p:cSld>
+    <p:spTree>
+      <p:nvGrpSpPr>
+        <p:cNvPr id="1" name=""/>
+        <p:cNvGrpSpPr/>
+        <p:nvPr/>
+      </p:nvGrpSpPr>
+      <p:grpSpPr>
+        <a:xfrm>
+          <a:off x="0" y="0"/>
+          <a:ext cx="0" cy="0"/>
+          <a:chOff x="0" y="0"/>
+          <a:chExt cx="0" cy="0"/>
+        </a:xfrm>
+      </p:grpSpPr>
+      <p:sp>
+        <p:nvSpPr>
+          <p:cNvPr id="2" name="Titre 1">
+            <a:extLst>
+              <a:ext uri="{FF2B5EF4-FFF2-40B4-BE49-F238E27FC236}">
+                <a16:creationId xmlns:a16="http://schemas.microsoft.com/office/drawing/2014/main" id="{8440369F-C732-3221-A8CD-E2A71380819D}"/>
+              </a:ext>
+            </a:extLst>
+          </p:cNvPr>
+          <p:cNvSpPr>
+            <a:spLocks noGrp="1"/>
+          </p:cNvSpPr>
+          <p:nvPr>
+            <p:ph type="title"/>
+          </p:nvPr>
+        </p:nvSpPr>
+        <p:spPr>
+          <a:xfrm>
+            <a:off x="644236" y="214747"/>
+            <a:ext cx="10515600" cy="1325563"/>
+          </a:xfrm>
+        </p:spPr>
+        <p:txBody>
+          <a:bodyPr>
+            <a:normAutofit/>
+          </a:bodyPr>
+          <a:lstStyle/>
+          <a:p>
+            <a:r>
+              <a:rPr lang="fr-FR" sz="4800" b="1" u="sng" dirty="0" err="1">
+                <a:effectLst>
+                  <a:outerShdw blurRad="38100" dist="38100" dir="2700000" algn="tl">
+                    <a:srgbClr val="000000">
+                      <a:alpha val="43137"/>
+                    </a:srgbClr>
+                  </a:outerShdw>
+                </a:effectLst>
+                <a:latin typeface="Baskerville Old Face" panose="02020602080505020303" pitchFamily="18" charset="0"/>
+              </a:rPr>
+              <a:t>What</a:t>
+            </a:r>
+            <a:r>
+              <a:rPr lang="fr-FR" sz="4800" b="1" u="sng" dirty="0">
+                <a:effectLst>
+                  <a:outerShdw blurRad="38100" dist="38100" dir="2700000" algn="tl">
+                    <a:srgbClr val="000000">
+                      <a:alpha val="43137"/>
+                    </a:srgbClr>
+                  </a:outerShdw>
+                </a:effectLst>
+                <a:latin typeface="Baskerville Old Face" panose="02020602080505020303" pitchFamily="18" charset="0"/>
+              </a:rPr>
+              <a:t> </a:t>
+            </a:r>
+            <a:r>
+              <a:rPr lang="fr-FR" sz="4800" b="1" u="sng" dirty="0" err="1">
+                <a:effectLst>
+                  <a:outerShdw blurRad="38100" dist="38100" dir="2700000" algn="tl">
+                    <a:srgbClr val="000000">
+                      <a:alpha val="43137"/>
+                    </a:srgbClr>
+                  </a:outerShdw>
+                </a:effectLst>
+                <a:latin typeface="Baskerville Old Face" panose="02020602080505020303" pitchFamily="18" charset="0"/>
+              </a:rPr>
+              <a:t>is</a:t>
+            </a:r>
+            <a:r>
+              <a:rPr lang="fr-FR" sz="4800" b="1" u="sng" dirty="0">
+                <a:effectLst>
+                  <a:outerShdw blurRad="38100" dist="38100" dir="2700000" algn="tl">
+                    <a:srgbClr val="000000">
+                      <a:alpha val="43137"/>
+                    </a:srgbClr>
+                  </a:outerShdw>
+                </a:effectLst>
+                <a:latin typeface="Baskerville Old Face" panose="02020602080505020303" pitchFamily="18" charset="0"/>
+              </a:rPr>
+              <a:t> a </a:t>
+            </a:r>
+            <a:r>
+              <a:rPr lang="fr-FR" sz="4800" b="1" u="sng" dirty="0" err="1">
+                <a:effectLst>
+                  <a:outerShdw blurRad="38100" dist="38100" dir="2700000" algn="tl">
+                    <a:srgbClr val="000000">
+                      <a:alpha val="43137"/>
+                    </a:srgbClr>
+                  </a:outerShdw>
+                </a:effectLst>
+                <a:latin typeface="Baskerville Old Face" panose="02020602080505020303" pitchFamily="18" charset="0"/>
+              </a:rPr>
+              <a:t>password</a:t>
+            </a:r>
+            <a:r>
+              <a:rPr lang="fr-FR" sz="4800" b="1" u="sng" dirty="0">
+                <a:effectLst>
+                  <a:outerShdw blurRad="38100" dist="38100" dir="2700000" algn="tl">
+                    <a:srgbClr val="000000">
+                      <a:alpha val="43137"/>
+                    </a:srgbClr>
+                  </a:outerShdw>
+                </a:effectLst>
+                <a:latin typeface="Baskerville Old Face" panose="02020602080505020303" pitchFamily="18" charset="0"/>
+              </a:rPr>
+              <a:t> ?</a:t>
+            </a:r>
+          </a:p>
+        </p:txBody>
+      </p:sp>
+      <p:pic>
+        <p:nvPicPr>
+          <p:cNvPr id="5" name="Image 4">
+            <a:extLst>
+              <a:ext uri="{FF2B5EF4-FFF2-40B4-BE49-F238E27FC236}">
+                <a16:creationId xmlns:a16="http://schemas.microsoft.com/office/drawing/2014/main" id="{B5CB3FCB-24A4-A6C1-A408-8573DB948360}"/>
+              </a:ext>
+            </a:extLst>
+          </p:cNvPr>
+          <p:cNvPicPr>
+            <a:picLocks noChangeAspect="1"/>
+          </p:cNvPicPr>
+          <p:nvPr/>
+        </p:nvPicPr>
+        <p:blipFill>
+          <a:blip r:embed="rId3">
+            <a:extLst>
+              <a:ext uri="{BEBA8EAE-BF5A-486C-A8C5-ECC9F3942E4B}">
+                <a14:imgProps xmlns:a14="http://schemas.microsoft.com/office/drawing/2010/main">
+                  <a14:imgLayer r:embed="rId4">
+                    <a14:imgEffect>
+                      <a14:artisticTexturizer/>
+                    </a14:imgEffect>
+                    <a14:imgEffect>
+                      <a14:sharpenSoften amount="25000"/>
+                    </a14:imgEffect>
+                  </a14:imgLayer>
+                </a14:imgProps>
+              </a:ext>
+              <a:ext uri="{28A0092B-C50C-407E-A947-70E740481C1C}">
+                <a14:useLocalDpi xmlns:a14="http://schemas.microsoft.com/office/drawing/2010/main" val="0"/>
+              </a:ext>
+            </a:extLst>
+          </a:blip>
+          <a:stretch>
+            <a:fillRect/>
+          </a:stretch>
+        </p:blipFill>
+        <p:spPr>
+          <a:xfrm>
+            <a:off x="2113480" y="1333228"/>
+            <a:ext cx="7965039" cy="5310025"/>
+          </a:xfrm>
+          <a:prstGeom prst="rect">
+            <a:avLst/>
+          </a:prstGeom>
+          <a:ln w="38100">
+            <a:solidFill>
+              <a:schemeClr val="accent2"/>
+            </a:solidFill>
+          </a:ln>
+        </p:spPr>
+      </p:pic>
+    </p:spTree>
+    <p:extLst>
+      <p:ext uri="{BB962C8B-B14F-4D97-AF65-F5344CB8AC3E}">
+        <p14:creationId xmlns:p14="http://schemas.microsoft.com/office/powerpoint/2010/main" val="540952138"/>
+      </p:ext>
+    </p:extLst>
+  </p:cSld>
+  <p:clrMapOvr>
+    <a:masterClrMapping/>
+  </p:clrMapOvr>
+  <mc:AlternateContent xmlns:mc="http://schemas.openxmlformats.org/markup-compatibility/2006" xmlns:p14="http://schemas.microsoft.com/office/powerpoint/2010/main">
+    <mc:Choice Requires="p14">
+      <p:transition spd="med">
+        <p14:glitter dir="d" pattern="hexagon"/>
+      </p:transition>
+    </mc:Choice>
+    <mc:Fallback xmlns="">
+      <p:transition spd="med">
+        <p:fade/>
+      </p:transition>
+    </mc:Fallback>
+  </mc:AlternateContent>
+</p:sld>
+</file>
+
+<file path=ppt/slides/slide3.xml><?xml version="1.0" encoding="utf-8"?>
+<p:sld xmlns:a="http://schemas.openxmlformats.org/drawingml/2006/main" xmlns:r="http://schemas.openxmlformats.org/officeDocument/2006/relationships" xmlns:p="http://schemas.openxmlformats.org/presentationml/2006/main">
+  <p:cSld>
+    <p:spTree>
+      <p:nvGrpSpPr>
+        <p:cNvPr id="1" name=""/>
+        <p:cNvGrpSpPr/>
+        <p:nvPr/>
+      </p:nvGrpSpPr>
+      <p:grpSpPr>
+        <a:xfrm>
+          <a:off x="0" y="0"/>
+          <a:ext cx="0" cy="0"/>
+          <a:chOff x="0" y="0"/>
+          <a:chExt cx="0" cy="0"/>
+        </a:xfrm>
+      </p:grpSpPr>
+      <p:pic>
+        <p:nvPicPr>
+          <p:cNvPr id="5" name="Image 4">
+            <a:extLst>
+              <a:ext uri="{FF2B5EF4-FFF2-40B4-BE49-F238E27FC236}">
+                <a16:creationId xmlns:a16="http://schemas.microsoft.com/office/drawing/2014/main" id="{AB9227E6-F007-B58C-723A-AB367787067B}"/>
+              </a:ext>
+            </a:extLst>
+          </p:cNvPr>
+          <p:cNvPicPr>
+            <a:picLocks noChangeAspect="1"/>
+          </p:cNvPicPr>
+          <p:nvPr/>
+        </p:nvPicPr>
+        <p:blipFill>
+          <a:blip r:embed="rId3">
+            <a:extLst>
+              <a:ext uri="{28A0092B-C50C-407E-A947-70E740481C1C}">
+                <a14:useLocalDpi xmlns:a14="http://schemas.microsoft.com/office/drawing/2010/main" val="0"/>
+              </a:ext>
+            </a:extLst>
+          </a:blip>
+          <a:srcRect/>
+          <a:stretch/>
+        </p:blipFill>
+        <p:spPr>
+          <a:xfrm>
+            <a:off x="2099705" y="1255183"/>
+            <a:ext cx="7992589" cy="5525271"/>
+          </a:xfrm>
+          <a:prstGeom prst="rect">
+            <a:avLst/>
+          </a:prstGeom>
+        </p:spPr>
+      </p:pic>
+      <p:sp>
+        <p:nvSpPr>
+          <p:cNvPr id="6" name="Titre 1">
+            <a:extLst>
+              <a:ext uri="{FF2B5EF4-FFF2-40B4-BE49-F238E27FC236}">
+                <a16:creationId xmlns:a16="http://schemas.microsoft.com/office/drawing/2014/main" id="{86388A94-AD3C-2D05-8A8D-ECF7A891DA3E}"/>
+              </a:ext>
+            </a:extLst>
+          </p:cNvPr>
+          <p:cNvSpPr>
+            <a:spLocks noGrp="1"/>
+          </p:cNvSpPr>
+          <p:nvPr>
+            <p:ph type="title"/>
+          </p:nvPr>
+        </p:nvSpPr>
+        <p:spPr>
+          <a:xfrm>
+            <a:off x="644236" y="214747"/>
+            <a:ext cx="10515600" cy="1325563"/>
+          </a:xfrm>
+        </p:spPr>
+        <p:txBody>
+          <a:bodyPr>
+            <a:normAutofit/>
+          </a:bodyPr>
+          <a:lstStyle/>
+          <a:p>
+            <a:r>
+              <a:rPr lang="fr-FR" sz="4800" b="1" u="sng" dirty="0">
+                <a:effectLst>
+                  <a:outerShdw blurRad="38100" dist="38100" dir="2700000" algn="tl">
+                    <a:srgbClr val="000000">
+                      <a:alpha val="43137"/>
+                    </a:srgbClr>
+                  </a:outerShdw>
+                </a:effectLst>
+                <a:latin typeface="Baskerville Old Face" panose="02020602080505020303" pitchFamily="18" charset="0"/>
+              </a:rPr>
+              <a:t>How </a:t>
+            </a:r>
+            <a:r>
+              <a:rPr lang="fr-FR" sz="4800" b="1" u="sng" dirty="0" err="1">
+                <a:effectLst>
+                  <a:outerShdw blurRad="38100" dist="38100" dir="2700000" algn="tl">
+                    <a:srgbClr val="000000">
+                      <a:alpha val="43137"/>
+                    </a:srgbClr>
+                  </a:outerShdw>
+                </a:effectLst>
+                <a:latin typeface="Baskerville Old Face" panose="02020602080505020303" pitchFamily="18" charset="0"/>
+              </a:rPr>
+              <a:t>hashing</a:t>
+            </a:r>
+            <a:r>
+              <a:rPr lang="fr-FR" sz="4800" b="1" u="sng" dirty="0">
+                <a:effectLst>
+                  <a:outerShdw blurRad="38100" dist="38100" dir="2700000" algn="tl">
+                    <a:srgbClr val="000000">
+                      <a:alpha val="43137"/>
+                    </a:srgbClr>
+                  </a:outerShdw>
+                </a:effectLst>
+                <a:latin typeface="Baskerville Old Face" panose="02020602080505020303" pitchFamily="18" charset="0"/>
+              </a:rPr>
+              <a:t> </a:t>
+            </a:r>
+            <a:r>
+              <a:rPr lang="fr-FR" sz="4800" b="1" u="sng" dirty="0" err="1">
+                <a:effectLst>
+                  <a:outerShdw blurRad="38100" dist="38100" dir="2700000" algn="tl">
+                    <a:srgbClr val="000000">
+                      <a:alpha val="43137"/>
+                    </a:srgbClr>
+                  </a:outerShdw>
+                </a:effectLst>
+                <a:latin typeface="Baskerville Old Face" panose="02020602080505020303" pitchFamily="18" charset="0"/>
+              </a:rPr>
+              <a:t>work</a:t>
+            </a:r>
+            <a:r>
+              <a:rPr lang="fr-FR" sz="4800" b="1" u="sng" dirty="0">
+                <a:effectLst>
+                  <a:outerShdw blurRad="38100" dist="38100" dir="2700000" algn="tl">
+                    <a:srgbClr val="000000">
+                      <a:alpha val="43137"/>
+                    </a:srgbClr>
+                  </a:outerShdw>
+                </a:effectLst>
+                <a:latin typeface="Baskerville Old Face" panose="02020602080505020303" pitchFamily="18" charset="0"/>
+              </a:rPr>
+              <a:t>?</a:t>
+            </a:r>
+          </a:p>
+        </p:txBody>
+      </p:sp>
+      <p:sp>
+        <p:nvSpPr>
+          <p:cNvPr id="7" name="ZoneTexte 6">
+            <a:extLst>
+              <a:ext uri="{FF2B5EF4-FFF2-40B4-BE49-F238E27FC236}">
+                <a16:creationId xmlns:a16="http://schemas.microsoft.com/office/drawing/2014/main" id="{326C4017-162A-E639-5D95-8021C0CC0FE7}"/>
+              </a:ext>
+            </a:extLst>
+          </p:cNvPr>
+          <p:cNvSpPr txBox="1"/>
+          <p:nvPr/>
+        </p:nvSpPr>
+        <p:spPr>
+          <a:xfrm>
+            <a:off x="159327" y="2369128"/>
+            <a:ext cx="1940378" cy="2923877"/>
+          </a:xfrm>
+          <a:prstGeom prst="rect">
+            <a:avLst/>
+          </a:prstGeom>
+          <a:gradFill flip="none" rotWithShape="1">
+            <a:gsLst>
+              <a:gs pos="0">
+                <a:schemeClr val="accent1">
+                  <a:tint val="66000"/>
+                  <a:satMod val="160000"/>
+                </a:schemeClr>
+              </a:gs>
+              <a:gs pos="50000">
+                <a:schemeClr val="accent1">
+                  <a:tint val="44500"/>
+                  <a:satMod val="160000"/>
+                </a:schemeClr>
+              </a:gs>
+              <a:gs pos="100000">
+                <a:schemeClr val="accent1">
+                  <a:tint val="23500"/>
+                  <a:satMod val="160000"/>
+                </a:schemeClr>
+              </a:gs>
+            </a:gsLst>
+            <a:lin ang="16200000" scaled="1"/>
+            <a:tileRect/>
+          </a:gradFill>
+          <a:ln w="28575">
+            <a:solidFill>
+              <a:schemeClr val="accent2"/>
+            </a:solidFill>
+          </a:ln>
+        </p:spPr>
+        <p:txBody>
+          <a:bodyPr wrap="square" rtlCol="0">
+            <a:spAutoFit/>
+          </a:bodyPr>
+          <a:lstStyle/>
+          <a:p>
+            <a:r>
+              <a:rPr lang="fr-FR" b="1" dirty="0" err="1">
+                <a:solidFill>
+                  <a:srgbClr val="FF0000"/>
+                </a:solidFill>
+                <a:effectLst>
+                  <a:outerShdw blurRad="38100" dist="38100" dir="2700000" algn="tl">
+                    <a:srgbClr val="000000">
+                      <a:alpha val="43137"/>
+                    </a:srgbClr>
+                  </a:outerShdw>
+                </a:effectLst>
+                <a:latin typeface="Baskerville Old Face" panose="02020602080505020303" pitchFamily="18" charset="0"/>
+              </a:rPr>
+              <a:t>It’s</a:t>
+            </a:r>
+            <a:r>
+              <a:rPr lang="fr-FR" b="1" dirty="0">
+                <a:solidFill>
+                  <a:srgbClr val="FF0000"/>
+                </a:solidFill>
+                <a:effectLst>
+                  <a:outerShdw blurRad="38100" dist="38100" dir="2700000" algn="tl">
+                    <a:srgbClr val="000000">
+                      <a:alpha val="43137"/>
+                    </a:srgbClr>
+                  </a:outerShdw>
+                </a:effectLst>
+                <a:latin typeface="Baskerville Old Face" panose="02020602080505020303" pitchFamily="18" charset="0"/>
+              </a:rPr>
+              <a:t> </a:t>
+            </a:r>
+            <a:r>
+              <a:rPr lang="fr-FR" b="1" dirty="0" err="1">
+                <a:solidFill>
+                  <a:srgbClr val="FF0000"/>
+                </a:solidFill>
+                <a:effectLst>
+                  <a:outerShdw blurRad="38100" dist="38100" dir="2700000" algn="tl">
+                    <a:srgbClr val="000000">
+                      <a:alpha val="43137"/>
+                    </a:srgbClr>
+                  </a:outerShdw>
+                </a:effectLst>
+                <a:latin typeface="Baskerville Old Face" panose="02020602080505020303" pitchFamily="18" charset="0"/>
+              </a:rPr>
+              <a:t>difficult</a:t>
+            </a:r>
+            <a:r>
+              <a:rPr lang="fr-FR" b="1" dirty="0">
+                <a:solidFill>
+                  <a:srgbClr val="FF0000"/>
+                </a:solidFill>
+                <a:effectLst>
+                  <a:outerShdw blurRad="38100" dist="38100" dir="2700000" algn="tl">
+                    <a:srgbClr val="000000">
+                      <a:alpha val="43137"/>
+                    </a:srgbClr>
+                  </a:outerShdw>
+                </a:effectLst>
+                <a:latin typeface="Baskerville Old Face" panose="02020602080505020303" pitchFamily="18" charset="0"/>
+              </a:rPr>
+              <a:t>, </a:t>
+            </a:r>
+            <a:r>
+              <a:rPr lang="fr-FR" sz="2000" b="1" dirty="0">
+                <a:solidFill>
+                  <a:srgbClr val="FF0000"/>
+                </a:solidFill>
+                <a:effectLst>
+                  <a:outerShdw blurRad="38100" dist="38100" dir="2700000" algn="tl">
+                    <a:srgbClr val="000000">
+                      <a:alpha val="43137"/>
+                    </a:srgbClr>
+                  </a:outerShdw>
+                </a:effectLst>
+                <a:latin typeface="Baskerville Old Face" panose="02020602080505020303" pitchFamily="18" charset="0"/>
+              </a:rPr>
+              <a:t>not impossible</a:t>
+            </a:r>
+            <a:r>
+              <a:rPr lang="fr-FR" b="1" dirty="0">
+                <a:solidFill>
+                  <a:srgbClr val="FF0000"/>
+                </a:solidFill>
+                <a:effectLst>
+                  <a:outerShdw blurRad="38100" dist="38100" dir="2700000" algn="tl">
+                    <a:srgbClr val="000000">
+                      <a:alpha val="43137"/>
+                    </a:srgbClr>
+                  </a:outerShdw>
+                </a:effectLst>
+                <a:latin typeface="Baskerville Old Face" panose="02020602080505020303" pitchFamily="18" charset="0"/>
+              </a:rPr>
+              <a:t>, to </a:t>
+            </a:r>
+            <a:r>
+              <a:rPr lang="fr-FR" b="1" dirty="0" err="1">
+                <a:solidFill>
+                  <a:srgbClr val="FF0000"/>
+                </a:solidFill>
+                <a:effectLst>
+                  <a:outerShdw blurRad="38100" dist="38100" dir="2700000" algn="tl">
+                    <a:srgbClr val="000000">
+                      <a:alpha val="43137"/>
+                    </a:srgbClr>
+                  </a:outerShdw>
+                </a:effectLst>
+                <a:latin typeface="Baskerville Old Face" panose="02020602080505020303" pitchFamily="18" charset="0"/>
+              </a:rPr>
+              <a:t>find</a:t>
+            </a:r>
+            <a:r>
+              <a:rPr lang="fr-FR" b="1" dirty="0">
+                <a:solidFill>
+                  <a:srgbClr val="FF0000"/>
+                </a:solidFill>
+                <a:effectLst>
+                  <a:outerShdw blurRad="38100" dist="38100" dir="2700000" algn="tl">
+                    <a:srgbClr val="000000">
+                      <a:alpha val="43137"/>
+                    </a:srgbClr>
+                  </a:outerShdw>
+                </a:effectLst>
+                <a:latin typeface="Baskerville Old Face" panose="02020602080505020303" pitchFamily="18" charset="0"/>
+              </a:rPr>
+              <a:t> the input </a:t>
+            </a:r>
+            <a:r>
+              <a:rPr lang="fr-FR" b="1" dirty="0" err="1">
+                <a:solidFill>
+                  <a:srgbClr val="FF0000"/>
+                </a:solidFill>
+                <a:effectLst>
+                  <a:outerShdw blurRad="38100" dist="38100" dir="2700000" algn="tl">
+                    <a:srgbClr val="000000">
+                      <a:alpha val="43137"/>
+                    </a:srgbClr>
+                  </a:outerShdw>
+                </a:effectLst>
+                <a:latin typeface="Baskerville Old Face" panose="02020602080505020303" pitchFamily="18" charset="0"/>
+              </a:rPr>
+              <a:t>based</a:t>
+            </a:r>
+            <a:r>
+              <a:rPr lang="fr-FR" b="1" dirty="0">
+                <a:solidFill>
+                  <a:srgbClr val="FF0000"/>
+                </a:solidFill>
+                <a:effectLst>
+                  <a:outerShdw blurRad="38100" dist="38100" dir="2700000" algn="tl">
+                    <a:srgbClr val="000000">
+                      <a:alpha val="43137"/>
+                    </a:srgbClr>
+                  </a:outerShdw>
+                </a:effectLst>
+                <a:latin typeface="Baskerville Old Face" panose="02020602080505020303" pitchFamily="18" charset="0"/>
+              </a:rPr>
+              <a:t> on the output but </a:t>
+            </a:r>
+            <a:r>
+              <a:rPr lang="fr-FR" b="1" dirty="0" err="1">
+                <a:solidFill>
+                  <a:srgbClr val="FF0000"/>
+                </a:solidFill>
+                <a:effectLst>
+                  <a:outerShdw blurRad="38100" dist="38100" dir="2700000" algn="tl">
+                    <a:srgbClr val="000000">
+                      <a:alpha val="43137"/>
+                    </a:srgbClr>
+                  </a:outerShdw>
+                </a:effectLst>
+                <a:latin typeface="Baskerville Old Face" panose="02020602080505020303" pitchFamily="18" charset="0"/>
+              </a:rPr>
+              <a:t>it’s</a:t>
+            </a:r>
+            <a:r>
+              <a:rPr lang="fr-FR" b="1" dirty="0">
+                <a:solidFill>
+                  <a:srgbClr val="FF0000"/>
+                </a:solidFill>
+                <a:effectLst>
+                  <a:outerShdw blurRad="38100" dist="38100" dir="2700000" algn="tl">
+                    <a:srgbClr val="000000">
+                      <a:alpha val="43137"/>
+                    </a:srgbClr>
+                  </a:outerShdw>
+                </a:effectLst>
+                <a:latin typeface="Baskerville Old Face" panose="02020602080505020303" pitchFamily="18" charset="0"/>
+              </a:rPr>
+              <a:t> </a:t>
+            </a:r>
+            <a:r>
+              <a:rPr lang="fr-FR" b="1" dirty="0" err="1">
+                <a:solidFill>
+                  <a:srgbClr val="FF0000"/>
+                </a:solidFill>
+                <a:effectLst>
+                  <a:outerShdw blurRad="38100" dist="38100" dir="2700000" algn="tl">
+                    <a:srgbClr val="000000">
+                      <a:alpha val="43137"/>
+                    </a:srgbClr>
+                  </a:outerShdw>
+                </a:effectLst>
+                <a:latin typeface="Baskerville Old Face" panose="02020602080505020303" pitchFamily="18" charset="0"/>
+              </a:rPr>
+              <a:t>very</a:t>
+            </a:r>
+            <a:r>
+              <a:rPr lang="fr-FR" b="1" dirty="0">
+                <a:solidFill>
+                  <a:srgbClr val="FF0000"/>
+                </a:solidFill>
+                <a:effectLst>
+                  <a:outerShdw blurRad="38100" dist="38100" dir="2700000" algn="tl">
+                    <a:srgbClr val="000000">
+                      <a:alpha val="43137"/>
+                    </a:srgbClr>
+                  </a:outerShdw>
+                </a:effectLst>
+                <a:latin typeface="Baskerville Old Face" panose="02020602080505020303" pitchFamily="18" charset="0"/>
+              </a:rPr>
+              <a:t> </a:t>
+            </a:r>
+            <a:r>
+              <a:rPr lang="fr-FR" b="1" dirty="0" err="1">
+                <a:solidFill>
+                  <a:srgbClr val="FF0000"/>
+                </a:solidFill>
+                <a:effectLst>
+                  <a:outerShdw blurRad="38100" dist="38100" dir="2700000" algn="tl">
+                    <a:srgbClr val="000000">
+                      <a:alpha val="43137"/>
+                    </a:srgbClr>
+                  </a:outerShdw>
+                </a:effectLst>
+                <a:latin typeface="Baskerville Old Face" panose="02020602080505020303" pitchFamily="18" charset="0"/>
+              </a:rPr>
+              <a:t>difficult</a:t>
+            </a:r>
+            <a:r>
+              <a:rPr lang="fr-FR" b="1" dirty="0">
+                <a:solidFill>
+                  <a:srgbClr val="FF0000"/>
+                </a:solidFill>
+                <a:effectLst>
+                  <a:outerShdw blurRad="38100" dist="38100" dir="2700000" algn="tl">
+                    <a:srgbClr val="000000">
+                      <a:alpha val="43137"/>
+                    </a:srgbClr>
+                  </a:outerShdw>
+                </a:effectLst>
+                <a:latin typeface="Baskerville Old Face" panose="02020602080505020303" pitchFamily="18" charset="0"/>
+              </a:rPr>
+              <a:t>, and if </a:t>
+            </a:r>
+            <a:r>
+              <a:rPr lang="fr-FR" b="1" dirty="0" err="1">
+                <a:solidFill>
+                  <a:srgbClr val="FF0000"/>
+                </a:solidFill>
+                <a:effectLst>
+                  <a:outerShdw blurRad="38100" dist="38100" dir="2700000" algn="tl">
+                    <a:srgbClr val="000000">
+                      <a:alpha val="43137"/>
+                    </a:srgbClr>
+                  </a:outerShdw>
+                </a:effectLst>
+                <a:latin typeface="Baskerville Old Face" panose="02020602080505020303" pitchFamily="18" charset="0"/>
+              </a:rPr>
+              <a:t>you</a:t>
+            </a:r>
+            <a:r>
+              <a:rPr lang="fr-FR" b="1" dirty="0">
+                <a:solidFill>
+                  <a:srgbClr val="FF0000"/>
+                </a:solidFill>
+                <a:effectLst>
+                  <a:outerShdw blurRad="38100" dist="38100" dir="2700000" algn="tl">
+                    <a:srgbClr val="000000">
+                      <a:alpha val="43137"/>
+                    </a:srgbClr>
+                  </a:outerShdw>
+                </a:effectLst>
+                <a:latin typeface="Baskerville Old Face" panose="02020602080505020303" pitchFamily="18" charset="0"/>
+              </a:rPr>
+              <a:t> </a:t>
+            </a:r>
+            <a:r>
+              <a:rPr lang="fr-FR" b="1" dirty="0" err="1">
+                <a:solidFill>
+                  <a:srgbClr val="FF0000"/>
+                </a:solidFill>
+                <a:effectLst>
+                  <a:outerShdw blurRad="38100" dist="38100" dir="2700000" algn="tl">
+                    <a:srgbClr val="000000">
+                      <a:alpha val="43137"/>
+                    </a:srgbClr>
+                  </a:outerShdw>
+                </a:effectLst>
+                <a:latin typeface="Baskerville Old Face" panose="02020602080505020303" pitchFamily="18" charset="0"/>
+              </a:rPr>
+              <a:t>already</a:t>
+            </a:r>
+            <a:r>
+              <a:rPr lang="fr-FR" b="1" dirty="0">
+                <a:solidFill>
+                  <a:srgbClr val="FF0000"/>
+                </a:solidFill>
+                <a:effectLst>
+                  <a:outerShdw blurRad="38100" dist="38100" dir="2700000" algn="tl">
+                    <a:srgbClr val="000000">
+                      <a:alpha val="43137"/>
+                    </a:srgbClr>
+                  </a:outerShdw>
+                </a:effectLst>
+                <a:latin typeface="Baskerville Old Face" panose="02020602080505020303" pitchFamily="18" charset="0"/>
+              </a:rPr>
+              <a:t> know the association </a:t>
+            </a:r>
+            <a:r>
+              <a:rPr lang="fr-FR" b="1" dirty="0" err="1">
+                <a:solidFill>
+                  <a:srgbClr val="FF0000"/>
+                </a:solidFill>
+                <a:effectLst>
+                  <a:outerShdw blurRad="38100" dist="38100" dir="2700000" algn="tl">
+                    <a:srgbClr val="000000">
+                      <a:alpha val="43137"/>
+                    </a:srgbClr>
+                  </a:outerShdw>
+                </a:effectLst>
+                <a:latin typeface="Baskerville Old Face" panose="02020602080505020303" pitchFamily="18" charset="0"/>
+              </a:rPr>
+              <a:t>then</a:t>
+            </a:r>
+            <a:r>
+              <a:rPr lang="fr-FR" b="1" dirty="0">
+                <a:solidFill>
+                  <a:srgbClr val="FF0000"/>
+                </a:solidFill>
+                <a:effectLst>
+                  <a:outerShdw blurRad="38100" dist="38100" dir="2700000" algn="tl">
+                    <a:srgbClr val="000000">
+                      <a:alpha val="43137"/>
+                    </a:srgbClr>
+                  </a:outerShdw>
+                </a:effectLst>
+                <a:latin typeface="Baskerville Old Face" panose="02020602080505020303" pitchFamily="18" charset="0"/>
+              </a:rPr>
+              <a:t> </a:t>
+            </a:r>
+            <a:r>
+              <a:rPr lang="fr-FR" b="1" dirty="0" err="1">
+                <a:solidFill>
+                  <a:srgbClr val="FF0000"/>
+                </a:solidFill>
+                <a:effectLst>
+                  <a:outerShdw blurRad="38100" dist="38100" dir="2700000" algn="tl">
+                    <a:srgbClr val="000000">
+                      <a:alpha val="43137"/>
+                    </a:srgbClr>
+                  </a:outerShdw>
+                </a:effectLst>
+                <a:latin typeface="Baskerville Old Face" panose="02020602080505020303" pitchFamily="18" charset="0"/>
+              </a:rPr>
+              <a:t>hashing</a:t>
+            </a:r>
+            <a:r>
+              <a:rPr lang="fr-FR" b="1" dirty="0">
+                <a:solidFill>
+                  <a:srgbClr val="FF0000"/>
+                </a:solidFill>
+                <a:effectLst>
+                  <a:outerShdw blurRad="38100" dist="38100" dir="2700000" algn="tl">
+                    <a:srgbClr val="000000">
+                      <a:alpha val="43137"/>
+                    </a:srgbClr>
+                  </a:outerShdw>
+                </a:effectLst>
+                <a:latin typeface="Baskerville Old Face" panose="02020602080505020303" pitchFamily="18" charset="0"/>
+              </a:rPr>
+              <a:t> </a:t>
+            </a:r>
+            <a:r>
+              <a:rPr lang="fr-FR" b="1" dirty="0" err="1">
+                <a:solidFill>
+                  <a:srgbClr val="FF0000"/>
+                </a:solidFill>
+                <a:effectLst>
+                  <a:outerShdw blurRad="38100" dist="38100" dir="2700000" algn="tl">
+                    <a:srgbClr val="000000">
+                      <a:alpha val="43137"/>
+                    </a:srgbClr>
+                  </a:outerShdw>
+                </a:effectLst>
+                <a:latin typeface="Baskerville Old Face" panose="02020602080505020303" pitchFamily="18" charset="0"/>
+              </a:rPr>
+              <a:t>does</a:t>
+            </a:r>
+            <a:r>
+              <a:rPr lang="fr-FR" b="1" dirty="0">
+                <a:solidFill>
+                  <a:srgbClr val="FF0000"/>
+                </a:solidFill>
+                <a:effectLst>
+                  <a:outerShdw blurRad="38100" dist="38100" dir="2700000" algn="tl">
+                    <a:srgbClr val="000000">
+                      <a:alpha val="43137"/>
+                    </a:srgbClr>
+                  </a:outerShdw>
+                </a:effectLst>
+                <a:latin typeface="Baskerville Old Face" panose="02020602080505020303" pitchFamily="18" charset="0"/>
+              </a:rPr>
+              <a:t> </a:t>
+            </a:r>
+            <a:r>
+              <a:rPr lang="fr-FR" b="1" dirty="0" err="1">
+                <a:solidFill>
+                  <a:srgbClr val="FF0000"/>
+                </a:solidFill>
+                <a:effectLst>
+                  <a:outerShdw blurRad="38100" dist="38100" dir="2700000" algn="tl">
+                    <a:srgbClr val="000000">
+                      <a:alpha val="43137"/>
+                    </a:srgbClr>
+                  </a:outerShdw>
+                </a:effectLst>
+                <a:latin typeface="Baskerville Old Face" panose="02020602080505020303" pitchFamily="18" charset="0"/>
+              </a:rPr>
+              <a:t>nothing</a:t>
+            </a:r>
+            <a:r>
+              <a:rPr lang="fr-FR" b="1" dirty="0">
+                <a:solidFill>
+                  <a:srgbClr val="FF0000"/>
+                </a:solidFill>
+                <a:effectLst>
+                  <a:outerShdw blurRad="38100" dist="38100" dir="2700000" algn="tl">
+                    <a:srgbClr val="000000">
+                      <a:alpha val="43137"/>
+                    </a:srgbClr>
+                  </a:outerShdw>
+                </a:effectLst>
+                <a:latin typeface="Baskerville Old Face" panose="02020602080505020303" pitchFamily="18" charset="0"/>
+              </a:rPr>
+              <a:t>.</a:t>
+            </a:r>
+          </a:p>
+        </p:txBody>
+      </p:sp>
+    </p:spTree>
+    <p:extLst>
+      <p:ext uri="{BB962C8B-B14F-4D97-AF65-F5344CB8AC3E}">
+        <p14:creationId xmlns:p14="http://schemas.microsoft.com/office/powerpoint/2010/main" val="1509713566"/>
+      </p:ext>
+    </p:extLst>
+  </p:cSld>
+  <p:clrMapOvr>
+    <a:masterClrMapping/>
+  </p:clrMapOvr>
+  <mc:AlternateContent xmlns:mc="http://schemas.openxmlformats.org/markup-compatibility/2006" xmlns:p14="http://schemas.microsoft.com/office/powerpoint/2010/main">
+    <mc:Choice Requires="p14">
+      <p:transition spd="med">
+        <p14:glitter dir="d" pattern="hexagon"/>
+      </p:transition>
+    </mc:Choice>
+    <mc:Fallback xmlns="">
+      <p:transition spd="med">
+        <p:fade/>
+      </p:transition>
+    </mc:Fallback>
+  </mc:AlternateContent>
+  <p:timing>
+    <p:tnLst>
+      <p:par>
+        <p:cTn id="1" dur="indefinite" restart="never" nodeType="tmRoot">
+          <p:childTnLst>
+            <p:seq concurrent="1" nextAc="seek">
+              <p:cTn id="2" dur="indefinite" nodeType="mainSeq">
+                <p:childTnLst>
+                  <p:par>
+                    <p:cTn id="3" fill="hold">
+                      <p:stCondLst>
+                        <p:cond delay="indefinite"/>
+                        <p:cond evt="onBegin" delay="0">
+                          <p:tn val="2"/>
+                        </p:cond>
+                      </p:stCondLst>
+                      <p:childTnLst>
+                        <p:par>
+                          <p:cTn id="4" fill="hold">
+                            <p:stCondLst>
+                              <p:cond delay="0"/>
+                            </p:stCondLst>
+                            <p:childTnLst>
+                              <p:par>
+                                <p:cTn id="5" presetID="14" presetClass="entr" presetSubtype="5" fill="hold" grpId="0" nodeType="afterEffect">
+                                  <p:stCondLst>
+                                    <p:cond delay="0"/>
+                                  </p:stCondLst>
+                                  <p:childTnLst>
+                                    <p:set>
+                                      <p:cBhvr>
+                                        <p:cTn id="6" dur="1" fill="hold">
+                                          <p:stCondLst>
+                                            <p:cond delay="0"/>
+                                          </p:stCondLst>
+                                        </p:cTn>
+                                        <p:tgtEl>
+                                          <p:spTgt spid="6"/>
+                                        </p:tgtEl>
+                                        <p:attrNameLst>
+                                          <p:attrName>style.visibility</p:attrName>
+                                        </p:attrNameLst>
+                                      </p:cBhvr>
+                                      <p:to>
+                                        <p:strVal val="visible"/>
+                                      </p:to>
+                                    </p:set>
+                                    <p:animEffect transition="in" filter="randombar(vertical)">
+                                      <p:cBhvr>
+                                        <p:cTn id="7" dur="500"/>
+                                        <p:tgtEl>
+                                          <p:spTgt spid="6"/>
+                                        </p:tgtEl>
+                                      </p:cBhvr>
+                                    </p:animEffect>
+                                  </p:childTnLst>
+                                </p:cTn>
+                              </p:par>
+                            </p:childTnLst>
+                          </p:cTn>
+                        </p:par>
+                        <p:par>
+                          <p:cTn id="8" fill="hold">
+                            <p:stCondLst>
+                              <p:cond delay="500"/>
+                            </p:stCondLst>
+                            <p:childTnLst>
+                              <p:par>
+                                <p:cTn id="9" presetID="14" presetClass="entr" presetSubtype="10" fill="hold" grpId="0" nodeType="afterEffect">
+                                  <p:stCondLst>
+                                    <p:cond delay="0"/>
+                                  </p:stCondLst>
+                                  <p:childTnLst>
+                                    <p:set>
+                                      <p:cBhvr>
+                                        <p:cTn id="10" dur="1" fill="hold">
+                                          <p:stCondLst>
+                                            <p:cond delay="0"/>
+                                          </p:stCondLst>
+                                        </p:cTn>
+                                        <p:tgtEl>
+                                          <p:spTgt spid="7"/>
+                                        </p:tgtEl>
+                                        <p:attrNameLst>
+                                          <p:attrName>style.visibility</p:attrName>
+                                        </p:attrNameLst>
+                                      </p:cBhvr>
+                                      <p:to>
+                                        <p:strVal val="visible"/>
+                                      </p:to>
+                                    </p:set>
+                                    <p:animEffect transition="in" filter="randombar(horizontal)">
+                                      <p:cBhvr>
+                                        <p:cTn id="11" dur="500"/>
+                                        <p:tgtEl>
+                                          <p:spTgt spid="7"/>
+                                        </p:tgtEl>
+                                      </p:cBhvr>
+                                    </p:animEffect>
+                                  </p:childTnLst>
+                                </p:cTn>
+                              </p:par>
+                            </p:childTnLst>
+                          </p:cTn>
+                        </p:par>
+                        <p:par>
+                          <p:cTn id="12" fill="hold">
+                            <p:stCondLst>
+                              <p:cond delay="1000"/>
+                            </p:stCondLst>
+                            <p:childTnLst>
+                              <p:par>
+                                <p:cTn id="13" presetID="14" presetClass="entr" presetSubtype="5" fill="hold" nodeType="afterEffect">
+                                  <p:stCondLst>
+                                    <p:cond delay="0"/>
+                                  </p:stCondLst>
+                                  <p:childTnLst>
+                                    <p:set>
+                                      <p:cBhvr>
+                                        <p:cTn id="14" dur="1" fill="hold">
+                                          <p:stCondLst>
+                                            <p:cond delay="0"/>
+                                          </p:stCondLst>
+                                        </p:cTn>
+                                        <p:tgtEl>
+                                          <p:spTgt spid="5"/>
+                                        </p:tgtEl>
+                                        <p:attrNameLst>
+                                          <p:attrName>style.visibility</p:attrName>
+                                        </p:attrNameLst>
+                                      </p:cBhvr>
+                                      <p:to>
+                                        <p:strVal val="visible"/>
+                                      </p:to>
+                                    </p:set>
+                                    <p:animEffect transition="in" filter="randombar(vertical)">
+                                      <p:cBhvr>
+                                        <p:cTn id="15" dur="500"/>
+                                        <p:tgtEl>
+                                          <p:spTgt spid="5"/>
+                                        </p:tgtEl>
+                                      </p:cBhvr>
+                                    </p:animEffect>
+                                  </p:childTnLst>
+                                </p:cTn>
+                              </p:par>
+                            </p:childTnLst>
+                          </p:cTn>
+                        </p:par>
+                      </p:childTnLst>
+                    </p:cTn>
+                  </p:par>
+                </p:childTnLst>
+              </p:cTn>
+              <p:prevCondLst>
+                <p:cond evt="onPrev" delay="0">
+                  <p:tgtEl>
+                    <p:sldTgt/>
+                  </p:tgtEl>
+                </p:cond>
+              </p:prevCondLst>
+              <p:nextCondLst>
+                <p:cond evt="onNext" delay="0">
+                  <p:tgtEl>
+                    <p:sldTgt/>
+                  </p:tgtEl>
+                </p:cond>
+              </p:nextCondLst>
+            </p:seq>
+          </p:childTnLst>
+        </p:cTn>
+      </p:par>
+    </p:tnLst>
+    <p:bldLst>
+      <p:bldP spid="6" grpId="0"/>
+      <p:bldP spid="7" grpId="0" animBg="1"/>
+    </p:bldLst>
+  </p:timing>
+</p:sld>
+</file>
+
+<file path=ppt/slides/slide4.xml><?xml version="1.0" encoding="utf-8"?>
+<p:sld xmlns:a="http://schemas.openxmlformats.org/drawingml/2006/main" xmlns:r="http://schemas.openxmlformats.org/officeDocument/2006/relationships" xmlns:p="http://schemas.openxmlformats.org/presentationml/2006/main">
+  <p:cSld>
+    <p:spTree>
+      <p:nvGrpSpPr>
+        <p:cNvPr id="1" name=""/>
+        <p:cNvGrpSpPr/>
+        <p:nvPr/>
+      </p:nvGrpSpPr>
+      <p:grpSpPr>
+        <a:xfrm>
+          <a:off x="0" y="0"/>
+          <a:ext cx="0" cy="0"/>
+          <a:chOff x="0" y="0"/>
+          <a:chExt cx="0" cy="0"/>
+        </a:xfrm>
+      </p:grpSpPr>
+      <p:sp>
+        <p:nvSpPr>
+          <p:cNvPr id="2" name="Titre 1">
+            <a:extLst>
+              <a:ext uri="{FF2B5EF4-FFF2-40B4-BE49-F238E27FC236}">
+                <a16:creationId xmlns:a16="http://schemas.microsoft.com/office/drawing/2014/main" id="{B4964FEB-2E08-7662-081D-31EDCDF2141D}"/>
+              </a:ext>
+            </a:extLst>
+          </p:cNvPr>
+          <p:cNvSpPr>
+            <a:spLocks noGrp="1"/>
+          </p:cNvSpPr>
+          <p:nvPr>
+            <p:ph type="title"/>
+          </p:nvPr>
+        </p:nvSpPr>
+        <p:spPr/>
+        <p:txBody>
+          <a:bodyPr/>
+          <a:lstStyle/>
+          <a:p>
+            <a:r>
+              <a:rPr lang="fr-FR" sz="4400" b="1" u="sng" dirty="0">
+                <a:effectLst>
+                  <a:outerShdw blurRad="38100" dist="38100" dir="2700000" algn="tl">
+                    <a:srgbClr val="000000">
+                      <a:alpha val="43137"/>
+                    </a:srgbClr>
+                  </a:outerShdw>
+                </a:effectLst>
+                <a:latin typeface="Baskerville Old Face" panose="02020602080505020303" pitchFamily="18" charset="0"/>
+              </a:rPr>
+              <a:t>Example of </a:t>
+            </a:r>
+            <a:r>
+              <a:rPr lang="fr-FR" sz="4400" b="1" u="sng" dirty="0" err="1">
+                <a:effectLst>
+                  <a:outerShdw blurRad="38100" dist="38100" dir="2700000" algn="tl">
+                    <a:srgbClr val="000000">
+                      <a:alpha val="43137"/>
+                    </a:srgbClr>
+                  </a:outerShdw>
+                </a:effectLst>
+                <a:latin typeface="Baskerville Old Face" panose="02020602080505020303" pitchFamily="18" charset="0"/>
+              </a:rPr>
+              <a:t>hashing</a:t>
+            </a:r>
+            <a:r>
+              <a:rPr lang="fr-FR" sz="4400" b="1" u="sng" dirty="0">
+                <a:effectLst>
+                  <a:outerShdw blurRad="38100" dist="38100" dir="2700000" algn="tl">
+                    <a:srgbClr val="000000">
+                      <a:alpha val="43137"/>
+                    </a:srgbClr>
+                  </a:outerShdw>
+                </a:effectLst>
+                <a:latin typeface="Baskerville Old Face" panose="02020602080505020303" pitchFamily="18" charset="0"/>
+              </a:rPr>
+              <a:t>:</a:t>
+            </a:r>
+            <a:endParaRPr lang="fr-FR" dirty="0"/>
+          </a:p>
+        </p:txBody>
+      </p:sp>
+      <p:graphicFrame>
+        <p:nvGraphicFramePr>
+          <p:cNvPr id="6" name="Objet 5">
+            <a:extLst>
+              <a:ext uri="{FF2B5EF4-FFF2-40B4-BE49-F238E27FC236}">
+                <a16:creationId xmlns:a16="http://schemas.microsoft.com/office/drawing/2014/main" id="{E8AD7FFC-785D-4B5D-4841-EF499BF867A3}"/>
+              </a:ext>
+            </a:extLst>
+          </p:cNvPr>
+          <p:cNvGraphicFramePr>
+            <a:graphicFrameLocks noChangeAspect="1"/>
+          </p:cNvGraphicFramePr>
+          <p:nvPr>
+            <p:extLst>
+              <p:ext uri="{D42A27DB-BD31-4B8C-83A1-F6EECF244321}">
+                <p14:modId xmlns:p14="http://schemas.microsoft.com/office/powerpoint/2010/main" val="3697330830"/>
+              </p:ext>
+            </p:extLst>
+          </p:nvPr>
+        </p:nvGraphicFramePr>
+        <p:xfrm>
+          <a:off x="149681" y="1829522"/>
+          <a:ext cx="11892638" cy="3677659"/>
+        </p:xfrm>
+        <a:graphic>
+          <a:graphicData uri="http://schemas.openxmlformats.org/presentationml/2006/ole">
+            <mc:AlternateContent xmlns:mc="http://schemas.openxmlformats.org/markup-compatibility/2006">
+              <mc:Choice xmlns:v="urn:schemas-microsoft-com:vml" Requires="v">
+                <p:oleObj name="Worksheet" r:id="rId3" imgW="5340246" imgH="1308191" progId="Excel.Sheet.12">
+                  <p:embed/>
+                </p:oleObj>
+              </mc:Choice>
+              <mc:Fallback>
+                <p:oleObj name="Worksheet" r:id="rId3" imgW="5340246" imgH="1308191" progId="Excel.Sheet.12">
+                  <p:embed/>
+                  <p:pic>
+                    <p:nvPicPr>
+                      <p:cNvPr id="0" name=""/>
+                      <p:cNvPicPr/>
+                      <p:nvPr/>
+                    </p:nvPicPr>
+                    <p:blipFill>
+                      <a:blip r:embed="rId4"/>
+                      <a:stretch>
+                        <a:fillRect/>
+                      </a:stretch>
+                    </p:blipFill>
+                    <p:spPr>
+                      <a:xfrm>
+                        <a:off x="149681" y="1829522"/>
+                        <a:ext cx="11892638" cy="3677659"/>
+                      </a:xfrm>
+                      <a:prstGeom prst="rect">
+                        <a:avLst/>
+                      </a:prstGeom>
+                    </p:spPr>
+                  </p:pic>
+                </p:oleObj>
+              </mc:Fallback>
+            </mc:AlternateContent>
+          </a:graphicData>
+        </a:graphic>
+      </p:graphicFrame>
+    </p:spTree>
+    <p:extLst>
+      <p:ext uri="{BB962C8B-B14F-4D97-AF65-F5344CB8AC3E}">
+        <p14:creationId xmlns:p14="http://schemas.microsoft.com/office/powerpoint/2010/main" val="2628968593"/>
+      </p:ext>
+    </p:extLst>
+  </p:cSld>
+  <p:clrMapOvr>
+    <a:masterClrMapping/>
+  </p:clrMapOvr>
+  <mc:AlternateContent xmlns:mc="http://schemas.openxmlformats.org/markup-compatibility/2006" xmlns:p14="http://schemas.microsoft.com/office/powerpoint/2010/main">
+    <mc:Choice Requires="p14">
+      <p:transition spd="med">
+        <p14:glitter dir="d" pattern="hexagon"/>
+      </p:transition>
+    </mc:Choice>
+    <mc:Fallback xmlns="">
+      <p:transition spd="med">
+        <p:fade/>
+      </p:transition>
+    </mc:Fallback>
+  </mc:AlternateContent>
+  <p:timing>
+    <p:tnLst>
+      <p:par>
+        <p:cTn id="1" dur="indefinite" restart="never" nodeType="tmRoot">
+          <p:childTnLst>
+            <p:seq concurrent="1" nextAc="seek">
+              <p:cTn id="2" dur="indefinite" nodeType="mainSeq">
+                <p:childTnLst>
+                  <p:par>
+                    <p:cTn id="3" fill="hold">
+                      <p:stCondLst>
+                        <p:cond delay="indefinite"/>
+                        <p:cond evt="onBegin" delay="0">
+                          <p:tn val="2"/>
+                        </p:cond>
+                      </p:stCondLst>
+                      <p:childTnLst>
+                        <p:par>
+                          <p:cTn id="4" fill="hold">
+                            <p:stCondLst>
+                              <p:cond delay="0"/>
+                            </p:stCondLst>
+                            <p:childTnLst>
+                              <p:par>
+                                <p:cTn id="5" presetID="14" presetClass="entr" presetSubtype="5" fill="hold" grpId="0" nodeType="afterEffect">
+                                  <p:stCondLst>
+                                    <p:cond delay="0"/>
+                                  </p:stCondLst>
+                                  <p:childTnLst>
+                                    <p:set>
+                                      <p:cBhvr>
+                                        <p:cTn id="6" dur="1" fill="hold">
+                                          <p:stCondLst>
+                                            <p:cond delay="0"/>
+                                          </p:stCondLst>
+                                        </p:cTn>
+                                        <p:tgtEl>
+                                          <p:spTgt spid="2"/>
+                                        </p:tgtEl>
+                                        <p:attrNameLst>
+                                          <p:attrName>style.visibility</p:attrName>
+                                        </p:attrNameLst>
+                                      </p:cBhvr>
+                                      <p:to>
+                                        <p:strVal val="visible"/>
+                                      </p:to>
+                                    </p:set>
+                                    <p:animEffect transition="in" filter="randombar(vertical)">
+                                      <p:cBhvr>
+                                        <p:cTn id="7" dur="500"/>
+                                        <p:tgtEl>
+                                          <p:spTgt spid="2"/>
+                                        </p:tgtEl>
+                                      </p:cBhvr>
+                                    </p:animEffect>
+                                  </p:childTnLst>
+                                </p:cTn>
+                              </p:par>
+                            </p:childTnLst>
+                          </p:cTn>
+                        </p:par>
+                        <p:par>
+                          <p:cTn id="8" fill="hold">
+                            <p:stCondLst>
+                              <p:cond delay="500"/>
+                            </p:stCondLst>
+                            <p:childTnLst>
+                              <p:par>
+                                <p:cTn id="9" presetID="14" presetClass="entr" presetSubtype="5" fill="hold" nodeType="afterEffect">
+                                  <p:stCondLst>
+                                    <p:cond delay="0"/>
+                                  </p:stCondLst>
+                                  <p:childTnLst>
+                                    <p:set>
+                                      <p:cBhvr>
+                                        <p:cTn id="10" dur="1" fill="hold">
+                                          <p:stCondLst>
+                                            <p:cond delay="0"/>
+                                          </p:stCondLst>
+                                        </p:cTn>
+                                        <p:tgtEl>
+                                          <p:spTgt spid="6"/>
+                                        </p:tgtEl>
+                                        <p:attrNameLst>
+                                          <p:attrName>style.visibility</p:attrName>
+                                        </p:attrNameLst>
+                                      </p:cBhvr>
+                                      <p:to>
+                                        <p:strVal val="visible"/>
+                                      </p:to>
+                                    </p:set>
+                                    <p:animEffect transition="in" filter="randombar(vertical)">
+                                      <p:cBhvr>
+                                        <p:cTn id="11" dur="500"/>
+                                        <p:tgtEl>
+                                          <p:spTgt spid="6"/>
+                                        </p:tgtEl>
+                                      </p:cBhvr>
+                                    </p:animEffect>
+                                  </p:childTnLst>
+                                </p:cTn>
+                              </p:par>
+                            </p:childTnLst>
+                          </p:cTn>
+                        </p:par>
+                      </p:childTnLst>
+                    </p:cTn>
+                  </p:par>
+                </p:childTnLst>
+              </p:cTn>
+              <p:prevCondLst>
+                <p:cond evt="onPrev" delay="0">
+                  <p:tgtEl>
+                    <p:sldTgt/>
+                  </p:tgtEl>
+                </p:cond>
+              </p:prevCondLst>
+              <p:nextCondLst>
+                <p:cond evt="onNext" delay="0">
+                  <p:tgtEl>
+                    <p:sldTgt/>
+                  </p:tgtEl>
+                </p:cond>
+              </p:nextCondLst>
+            </p:seq>
+          </p:childTnLst>
+        </p:cTn>
+      </p:par>
+    </p:tnLst>
+    <p:bldLst>
+      <p:bldP spid="2" grpId="0"/>
+    </p:bldLst>
+  </p:timing>
+</p:sld>
+</file>
+
+<file path=ppt/slides/slide5.xml><?xml version="1.0" encoding="utf-8"?>
+<p:sld xmlns:a="http://schemas.openxmlformats.org/drawingml/2006/main" xmlns:r="http://schemas.openxmlformats.org/officeDocument/2006/relationships" xmlns:p="http://schemas.openxmlformats.org/presentationml/2006/main">
+  <p:cSld>
+    <p:bg>
+      <p:bgPr>
+        <a:gradFill flip="none" rotWithShape="1">
+          <a:gsLst>
+            <a:gs pos="0">
+              <a:srgbClr val="FEECB4"/>
+            </a:gs>
+            <a:gs pos="74000">
+              <a:schemeClr val="accent1">
+                <a:lumMod val="45000"/>
+                <a:lumOff val="55000"/>
+              </a:schemeClr>
+            </a:gs>
+            <a:gs pos="83000">
+              <a:schemeClr val="accent1">
+                <a:lumMod val="45000"/>
+                <a:lumOff val="55000"/>
+              </a:schemeClr>
+            </a:gs>
+            <a:gs pos="100000">
+              <a:schemeClr val="accent1">
+                <a:lumMod val="30000"/>
+                <a:lumOff val="70000"/>
+              </a:schemeClr>
+            </a:gs>
+          </a:gsLst>
+          <a:lin ang="5400000" scaled="1"/>
+          <a:tileRect/>
+        </a:gradFill>
+        <a:effectLst/>
+      </p:bgPr>
+    </p:bg>
+    <p:spTree>
+      <p:nvGrpSpPr>
+        <p:cNvPr id="1" name=""/>
+        <p:cNvGrpSpPr/>
+        <p:nvPr/>
+      </p:nvGrpSpPr>
+      <p:grpSpPr>
+        <a:xfrm>
+          <a:off x="0" y="0"/>
+          <a:ext cx="0" cy="0"/>
+          <a:chOff x="0" y="0"/>
+          <a:chExt cx="0" cy="0"/>
+        </a:xfrm>
+      </p:grpSpPr>
+      <p:pic>
+        <p:nvPicPr>
+          <p:cNvPr id="17" name="Image 16">
+            <a:extLst>
+              <a:ext uri="{FF2B5EF4-FFF2-40B4-BE49-F238E27FC236}">
+                <a16:creationId xmlns:a16="http://schemas.microsoft.com/office/drawing/2014/main" id="{F96D57AC-F45C-68DD-8CDE-8A246A5E52A0}"/>
+              </a:ext>
+            </a:extLst>
+          </p:cNvPr>
+          <p:cNvPicPr>
+            <a:picLocks noChangeAspect="1"/>
+          </p:cNvPicPr>
+          <p:nvPr/>
+        </p:nvPicPr>
+        <p:blipFill>
+          <a:blip r:embed="rId3">
+            <a:extLst>
+              <a:ext uri="{28A0092B-C50C-407E-A947-70E740481C1C}">
+                <a14:useLocalDpi xmlns:a14="http://schemas.microsoft.com/office/drawing/2010/main" val="0"/>
+              </a:ext>
+            </a:extLst>
+          </a:blip>
+          <a:stretch>
+            <a:fillRect/>
+          </a:stretch>
+        </p:blipFill>
+        <p:spPr>
+          <a:xfrm>
+            <a:off x="0" y="0"/>
+            <a:ext cx="11797145" cy="6844306"/>
+          </a:xfrm>
+          <a:prstGeom prst="rect">
+            <a:avLst/>
+          </a:prstGeom>
+        </p:spPr>
+      </p:pic>
+    </p:spTree>
+    <p:extLst>
+      <p:ext uri="{BB962C8B-B14F-4D97-AF65-F5344CB8AC3E}">
+        <p14:creationId xmlns:p14="http://schemas.microsoft.com/office/powerpoint/2010/main" val="787381227"/>
+      </p:ext>
+    </p:extLst>
+  </p:cSld>
+  <p:clrMapOvr>
+    <a:masterClrMapping/>
+  </p:clrMapOvr>
+  <mc:AlternateContent xmlns:mc="http://schemas.openxmlformats.org/markup-compatibility/2006">
+    <mc:Choice xmlns:p14="http://schemas.microsoft.com/office/powerpoint/2010/main" Requires="p14">
+      <p:transition spd="med" advTm="7000">
+        <p14:glitter dir="d" pattern="hexagon"/>
+      </p:transition>
+    </mc:Choice>
+    <mc:Fallback>
+      <p:transition spd="med" advTm="7000">
+        <p:fade/>
+      </p:transition>
+    </mc:Fallback>
+  </mc:AlternateContent>
+  <p:timing>
+    <p:tnLst>
+      <p:par>
+        <p:cTn id="1" dur="indefinite" restart="never" nodeType="tmRoot">
+          <p:childTnLst>
+            <p:seq concurrent="1" nextAc="seek">
+              <p:cTn id="2" dur="indefinite" nodeType="mainSeq">
+                <p:childTnLst>
+                  <p:par>
+                    <p:cTn id="3" fill="hold">
+                      <p:stCondLst>
+                        <p:cond delay="indefinite"/>
+                        <p:cond evt="onBegin" delay="0">
+                          <p:tn val="2"/>
+                        </p:cond>
+                      </p:stCondLst>
+                      <p:childTnLst>
+                        <p:par>
+                          <p:cTn id="4" fill="hold">
+                            <p:stCondLst>
+                              <p:cond delay="0"/>
+                            </p:stCondLst>
+                            <p:childTnLst>
+                              <p:par>
+                                <p:cTn id="5" presetID="14" presetClass="entr" presetSubtype="5" fill="hold" nodeType="afterEffect">
+                                  <p:stCondLst>
+                                    <p:cond delay="0"/>
+                                  </p:stCondLst>
+                                  <p:childTnLst>
+                                    <p:set>
+                                      <p:cBhvr>
+                                        <p:cTn id="6" dur="1" fill="hold">
+                                          <p:stCondLst>
+                                            <p:cond delay="0"/>
+                                          </p:stCondLst>
+                                        </p:cTn>
+                                        <p:tgtEl>
+                                          <p:spTgt spid="17"/>
+                                        </p:tgtEl>
+                                        <p:attrNameLst>
+                                          <p:attrName>style.visibility</p:attrName>
+                                        </p:attrNameLst>
+                                      </p:cBhvr>
+                                      <p:to>
+                                        <p:strVal val="visible"/>
+                                      </p:to>
+                                    </p:set>
+                                    <p:animEffect transition="in" filter="randombar(vertical)">
+                                      <p:cBhvr>
+                                        <p:cTn id="7" dur="1000"/>
+                                        <p:tgtEl>
+                                          <p:spTgt spid="17"/>
+                                        </p:tgtEl>
+                                      </p:cBhvr>
+                                    </p:animEffect>
+                                  </p:childTnLst>
+                                </p:cTn>
+                              </p:par>
+                            </p:childTnLst>
+                          </p:cTn>
+                        </p:par>
+                      </p:childTnLst>
+                    </p:cTn>
+                  </p:par>
+                </p:childTnLst>
+              </p:cTn>
+              <p:prevCondLst>
+                <p:cond evt="onPrev" delay="0">
+                  <p:tgtEl>
+                    <p:sldTgt/>
+                  </p:tgtEl>
+                </p:cond>
+              </p:prevCondLst>
+              <p:nextCondLst>
+                <p:cond evt="onNext" delay="0">
+                  <p:tgtEl>
+                    <p:sldTgt/>
+                  </p:tgtEl>
+                </p:cond>
+              </p:nextCondLst>
+            </p:seq>
+          </p:childTnLst>
+        </p:cTn>
+      </p:par>
+    </p:tnLst>
+  </p:timing>
+</p:sld>
+</file>
+
+<file path=ppt/slides/slide6.xml><?xml version="1.0" encoding="utf-8"?>
+<p:sld xmlns:a="http://schemas.openxmlformats.org/drawingml/2006/main" xmlns:r="http://schemas.openxmlformats.org/officeDocument/2006/relationships" xmlns:p="http://schemas.openxmlformats.org/presentationml/2006/main">
+  <p:cSld>
+    <p:bg>
+      <p:bgPr>
+        <a:gradFill flip="none" rotWithShape="1">
+          <a:gsLst>
+            <a:gs pos="0">
+              <a:srgbClr val="FEECB4"/>
+            </a:gs>
+            <a:gs pos="74000">
+              <a:schemeClr val="accent1">
+                <a:lumMod val="45000"/>
+                <a:lumOff val="55000"/>
+              </a:schemeClr>
+            </a:gs>
+            <a:gs pos="83000">
+              <a:schemeClr val="accent1">
+                <a:lumMod val="45000"/>
+                <a:lumOff val="55000"/>
+              </a:schemeClr>
+            </a:gs>
+            <a:gs pos="100000">
+              <a:schemeClr val="accent1">
+                <a:lumMod val="30000"/>
+                <a:lumOff val="70000"/>
+              </a:schemeClr>
+            </a:gs>
+          </a:gsLst>
+          <a:lin ang="5400000" scaled="1"/>
+          <a:tileRect/>
+        </a:gradFill>
+        <a:effectLst/>
+      </p:bgPr>
+    </p:bg>
+    <p:spTree>
+      <p:nvGrpSpPr>
+        <p:cNvPr id="1" name=""/>
+        <p:cNvGrpSpPr/>
+        <p:nvPr/>
+      </p:nvGrpSpPr>
+      <p:grpSpPr>
+        <a:xfrm>
+          <a:off x="0" y="0"/>
+          <a:ext cx="0" cy="0"/>
+          <a:chOff x="0" y="0"/>
+          <a:chExt cx="0" cy="0"/>
+        </a:xfrm>
+      </p:grpSpPr>
+      <p:pic>
+        <p:nvPicPr>
+          <p:cNvPr id="5" name="Image 4">
+            <a:extLst>
+              <a:ext uri="{FF2B5EF4-FFF2-40B4-BE49-F238E27FC236}">
+                <a16:creationId xmlns:a16="http://schemas.microsoft.com/office/drawing/2014/main" id="{C3D52BF0-F018-4CB7-9892-72744930A05A}"/>
+              </a:ext>
+            </a:extLst>
+          </p:cNvPr>
+          <p:cNvPicPr>
+            <a:picLocks noChangeAspect="1"/>
+          </p:cNvPicPr>
+          <p:nvPr/>
+        </p:nvPicPr>
+        <p:blipFill>
+          <a:blip r:embed="rId3">
+            <a:extLst>
+              <a:ext uri="{28A0092B-C50C-407E-A947-70E740481C1C}">
+                <a14:useLocalDpi xmlns:a14="http://schemas.microsoft.com/office/drawing/2010/main" val="0"/>
+              </a:ext>
+            </a:extLst>
+          </a:blip>
+          <a:stretch>
+            <a:fillRect/>
+          </a:stretch>
+        </p:blipFill>
+        <p:spPr>
+          <a:xfrm>
+            <a:off x="0" y="0"/>
+            <a:ext cx="12192000" cy="6885488"/>
+          </a:xfrm>
+          <a:prstGeom prst="rect">
+            <a:avLst/>
+          </a:prstGeom>
+        </p:spPr>
+      </p:pic>
+    </p:spTree>
+    <p:extLst>
+      <p:ext uri="{BB962C8B-B14F-4D97-AF65-F5344CB8AC3E}">
+        <p14:creationId xmlns:p14="http://schemas.microsoft.com/office/powerpoint/2010/main" val="2027579428"/>
+      </p:ext>
+    </p:extLst>
+  </p:cSld>
+  <p:clrMapOvr>
+    <a:masterClrMapping/>
+  </p:clrMapOvr>
+  <mc:AlternateContent xmlns:mc="http://schemas.openxmlformats.org/markup-compatibility/2006">
+    <mc:Choice xmlns:p14="http://schemas.microsoft.com/office/powerpoint/2010/main" Requires="p14">
+      <p:transition spd="med" advTm="7000">
+        <p14:glitter dir="d" pattern="hexagon"/>
+      </p:transition>
+    </mc:Choice>
+    <mc:Fallback>
+      <p:transition spd="med" advTm="7000">
+        <p:fade/>
+      </p:transition>
+    </mc:Fallback>
+  </mc:AlternateContent>
+  <p:timing>
+    <p:tnLst>
+      <p:par>
+        <p:cTn id="1" dur="indefinite" restart="never" nodeType="tmRoot">
+          <p:childTnLst>
+            <p:seq concurrent="1" nextAc="seek">
+              <p:cTn id="2" dur="indefinite" nodeType="mainSeq">
+                <p:childTnLst>
+                  <p:par>
+                    <p:cTn id="3" fill="hold">
+                      <p:stCondLst>
+                        <p:cond delay="indefinite"/>
+                        <p:cond evt="onBegin" delay="0">
+                          <p:tn val="2"/>
+                        </p:cond>
+                      </p:stCondLst>
+                      <p:childTnLst>
+                        <p:par>
+                          <p:cTn id="4" fill="hold">
+                            <p:stCondLst>
+                              <p:cond delay="0"/>
+                            </p:stCondLst>
+                            <p:childTnLst>
+                              <p:par>
+                                <p:cTn id="5" presetID="14" presetClass="entr" presetSubtype="5" fill="hold" nodeType="afterEffect">
+                                  <p:stCondLst>
+                                    <p:cond delay="0"/>
+                                  </p:stCondLst>
+                                  <p:childTnLst>
+                                    <p:set>
+                                      <p:cBhvr>
+                                        <p:cTn id="6" dur="1" fill="hold">
+                                          <p:stCondLst>
+                                            <p:cond delay="0"/>
+                                          </p:stCondLst>
+                                        </p:cTn>
+                                        <p:tgtEl>
+                                          <p:spTgt spid="5"/>
+                                        </p:tgtEl>
+                                        <p:attrNameLst>
+                                          <p:attrName>style.visibility</p:attrName>
+                                        </p:attrNameLst>
+                                      </p:cBhvr>
+                                      <p:to>
+                                        <p:strVal val="visible"/>
+                                      </p:to>
+                                    </p:set>
+                                    <p:animEffect transition="in" filter="randombar(vertical)">
+                                      <p:cBhvr>
+                                        <p:cTn id="7" dur="1000"/>
+                                        <p:tgtEl>
+                                          <p:spTgt spid="5"/>
+                                        </p:tgtEl>
+                                      </p:cBhvr>
+                                    </p:animEffect>
+                                  </p:childTnLst>
+                                </p:cTn>
+                              </p:par>
+                            </p:childTnLst>
+                          </p:cTn>
+                        </p:par>
+                      </p:childTnLst>
+                    </p:cTn>
+                  </p:par>
+                </p:childTnLst>
+              </p:cTn>
+              <p:prevCondLst>
+                <p:cond evt="onPrev" delay="0">
+                  <p:tgtEl>
+                    <p:sldTgt/>
+                  </p:tgtEl>
+                </p:cond>
+              </p:prevCondLst>
+              <p:nextCondLst>
+                <p:cond evt="onNext" delay="0">
+                  <p:tgtEl>
+                    <p:sldTgt/>
+                  </p:tgtEl>
+                </p:cond>
+              </p:nextCondLst>
+            </p:seq>
+          </p:childTnLst>
+        </p:cTn>
+      </p:par>
+    </p:tnLst>
+  </p:timing>
+</p:sld>
+</file>
+
+<file path=ppt/slides/slide7.xml><?xml version="1.0" encoding="utf-8"?>
+<p:sld xmlns:a="http://schemas.openxmlformats.org/drawingml/2006/main" xmlns:r="http://schemas.openxmlformats.org/officeDocument/2006/relationships" xmlns:p="http://schemas.openxmlformats.org/presentationml/2006/main">
+  <p:cSld>
+    <p:spTree>
+      <p:nvGrpSpPr>
+        <p:cNvPr id="1" name=""/>
+        <p:cNvGrpSpPr/>
+        <p:nvPr/>
+      </p:nvGrpSpPr>
+      <p:grpSpPr>
+        <a:xfrm>
+          <a:off x="0" y="0"/>
+          <a:ext cx="0" cy="0"/>
+          <a:chOff x="0" y="0"/>
+          <a:chExt cx="0" cy="0"/>
+        </a:xfrm>
+      </p:grpSpPr>
+      <p:sp>
+        <p:nvSpPr>
+          <p:cNvPr id="4" name="Titre 1">
+            <a:extLst>
+              <a:ext uri="{FF2B5EF4-FFF2-40B4-BE49-F238E27FC236}">
+                <a16:creationId xmlns:a16="http://schemas.microsoft.com/office/drawing/2014/main" id="{55AB59AE-CE9E-88B1-5B56-3B91A22A463B}"/>
+              </a:ext>
+            </a:extLst>
+          </p:cNvPr>
+          <p:cNvSpPr>
+            <a:spLocks noGrp="1"/>
+          </p:cNvSpPr>
+          <p:nvPr>
+            <p:ph type="title"/>
+          </p:nvPr>
+        </p:nvSpPr>
+        <p:spPr>
+          <a:xfrm>
+            <a:off x="838200" y="365125"/>
+            <a:ext cx="10515600" cy="1325563"/>
+          </a:xfrm>
+        </p:spPr>
+        <p:txBody>
+          <a:bodyPr/>
+          <a:lstStyle/>
+          <a:p>
+            <a:r>
+              <a:rPr lang="fr-FR" b="1" u="sng" dirty="0">
+                <a:effectLst>
+                  <a:outerShdw blurRad="38100" dist="38100" dir="2700000" algn="tl">
+                    <a:srgbClr val="000000">
+                      <a:alpha val="43137"/>
+                    </a:srgbClr>
+                  </a:outerShdw>
+                </a:effectLst>
+                <a:latin typeface="Baskerville Old Face" panose="02020602080505020303" pitchFamily="18" charset="0"/>
+              </a:rPr>
+              <a:t>Conclusion</a:t>
+            </a:r>
+            <a:r>
+              <a:rPr lang="fr-FR" sz="4400" b="1" u="sng" dirty="0">
+                <a:effectLst>
+                  <a:outerShdw blurRad="38100" dist="38100" dir="2700000" algn="tl">
+                    <a:srgbClr val="000000">
+                      <a:alpha val="43137"/>
+                    </a:srgbClr>
+                  </a:outerShdw>
+                </a:effectLst>
+                <a:latin typeface="Baskerville Old Face" panose="02020602080505020303" pitchFamily="18" charset="0"/>
+              </a:rPr>
+              <a:t>:</a:t>
+            </a:r>
+            <a:r>
+              <a:rPr lang="fr-FR" sz="4400" b="1" dirty="0">
+                <a:effectLst>
+                  <a:outerShdw blurRad="38100" dist="38100" dir="2700000" algn="tl">
+                    <a:srgbClr val="000000">
+                      <a:alpha val="43137"/>
+                    </a:srgbClr>
+                  </a:outerShdw>
+                </a:effectLst>
+                <a:latin typeface="Baskerville Old Face" panose="02020602080505020303" pitchFamily="18" charset="0"/>
+              </a:rPr>
+              <a:t> </a:t>
+            </a:r>
+            <a:r>
+              <a:rPr lang="fr-FR" sz="2800" b="1" u="sng" dirty="0">
+                <a:solidFill>
+                  <a:srgbClr val="FF0000"/>
+                </a:solidFill>
+                <a:effectLst>
+                  <a:outerShdw blurRad="38100" dist="38100" dir="2700000" algn="tl">
+                    <a:srgbClr val="000000">
+                      <a:alpha val="43137"/>
+                    </a:srgbClr>
+                  </a:outerShdw>
+                </a:effectLst>
+                <a:latin typeface="Baskerville Old Face" panose="02020602080505020303" pitchFamily="18" charset="0"/>
+              </a:rPr>
+              <a:t>(/!\ This </a:t>
+            </a:r>
+            <a:r>
+              <a:rPr lang="fr-FR" sz="2800" b="1" u="sng" dirty="0" err="1">
+                <a:solidFill>
+                  <a:srgbClr val="FF0000"/>
+                </a:solidFill>
+                <a:effectLst>
+                  <a:outerShdw blurRad="38100" dist="38100" dir="2700000" algn="tl">
+                    <a:srgbClr val="000000">
+                      <a:alpha val="43137"/>
+                    </a:srgbClr>
+                  </a:outerShdw>
+                </a:effectLst>
+                <a:latin typeface="Baskerville Old Face" panose="02020602080505020303" pitchFamily="18" charset="0"/>
+              </a:rPr>
+              <a:t>is</a:t>
+            </a:r>
+            <a:r>
+              <a:rPr lang="fr-FR" sz="2800" b="1" u="sng" dirty="0">
+                <a:solidFill>
+                  <a:srgbClr val="FF0000"/>
+                </a:solidFill>
+                <a:effectLst>
+                  <a:outerShdw blurRad="38100" dist="38100" dir="2700000" algn="tl">
+                    <a:srgbClr val="000000">
+                      <a:alpha val="43137"/>
+                    </a:srgbClr>
+                  </a:outerShdw>
+                </a:effectLst>
+                <a:latin typeface="Baskerville Old Face" panose="02020602080505020303" pitchFamily="18" charset="0"/>
+              </a:rPr>
+              <a:t> a </a:t>
+            </a:r>
+            <a:r>
+              <a:rPr lang="fr-FR" sz="2800" b="1" u="sng" dirty="0" err="1">
+                <a:solidFill>
+                  <a:srgbClr val="FF0000"/>
+                </a:solidFill>
+                <a:effectLst>
+                  <a:outerShdw blurRad="38100" dist="38100" dir="2700000" algn="tl">
+                    <a:srgbClr val="000000">
+                      <a:alpha val="43137"/>
+                    </a:srgbClr>
+                  </a:outerShdw>
+                </a:effectLst>
+                <a:latin typeface="Baskerville Old Face" panose="02020602080505020303" pitchFamily="18" charset="0"/>
+              </a:rPr>
+              <a:t>representation</a:t>
+            </a:r>
+            <a:r>
+              <a:rPr lang="fr-FR" sz="2800" b="1" u="sng" dirty="0">
+                <a:solidFill>
+                  <a:srgbClr val="FF0000"/>
+                </a:solidFill>
+                <a:effectLst>
+                  <a:outerShdw blurRad="38100" dist="38100" dir="2700000" algn="tl">
+                    <a:srgbClr val="000000">
+                      <a:alpha val="43137"/>
+                    </a:srgbClr>
+                  </a:outerShdw>
+                </a:effectLst>
+                <a:latin typeface="Baskerville Old Face" panose="02020602080505020303" pitchFamily="18" charset="0"/>
+              </a:rPr>
+              <a:t> and </a:t>
+            </a:r>
+            <a:r>
+              <a:rPr lang="fr-FR" sz="2800" b="1" u="sng" dirty="0" err="1">
+                <a:solidFill>
+                  <a:srgbClr val="FF0000"/>
+                </a:solidFill>
+                <a:effectLst>
+                  <a:outerShdw blurRad="38100" dist="38100" dir="2700000" algn="tl">
+                    <a:srgbClr val="000000">
+                      <a:alpha val="43137"/>
+                    </a:srgbClr>
+                  </a:outerShdw>
+                </a:effectLst>
+                <a:latin typeface="Baskerville Old Face" panose="02020602080505020303" pitchFamily="18" charset="0"/>
+              </a:rPr>
+              <a:t>is</a:t>
+            </a:r>
+            <a:r>
+              <a:rPr lang="fr-FR" sz="2800" b="1" u="sng" dirty="0">
+                <a:solidFill>
+                  <a:srgbClr val="FF0000"/>
+                </a:solidFill>
+                <a:effectLst>
+                  <a:outerShdw blurRad="38100" dist="38100" dir="2700000" algn="tl">
+                    <a:srgbClr val="000000">
+                      <a:alpha val="43137"/>
+                    </a:srgbClr>
+                  </a:outerShdw>
+                </a:effectLst>
+                <a:latin typeface="Baskerville Old Face" panose="02020602080505020303" pitchFamily="18" charset="0"/>
+              </a:rPr>
+              <a:t> not </a:t>
+            </a:r>
+            <a:r>
+              <a:rPr lang="fr-FR" sz="2800" b="1" u="sng" dirty="0" err="1">
+                <a:solidFill>
+                  <a:srgbClr val="FF0000"/>
+                </a:solidFill>
+                <a:effectLst>
+                  <a:outerShdw blurRad="38100" dist="38100" dir="2700000" algn="tl">
+                    <a:srgbClr val="000000">
+                      <a:alpha val="43137"/>
+                    </a:srgbClr>
+                  </a:outerShdw>
+                </a:effectLst>
+                <a:latin typeface="Baskerville Old Face" panose="02020602080505020303" pitchFamily="18" charset="0"/>
+              </a:rPr>
+              <a:t>accurate</a:t>
+            </a:r>
+            <a:r>
+              <a:rPr lang="fr-FR" sz="2800" b="1" u="sng" dirty="0">
+                <a:solidFill>
+                  <a:srgbClr val="FF0000"/>
+                </a:solidFill>
+                <a:effectLst>
+                  <a:outerShdw blurRad="38100" dist="38100" dir="2700000" algn="tl">
+                    <a:srgbClr val="000000">
+                      <a:alpha val="43137"/>
+                    </a:srgbClr>
+                  </a:outerShdw>
+                </a:effectLst>
+                <a:latin typeface="Baskerville Old Face" panose="02020602080505020303" pitchFamily="18" charset="0"/>
+              </a:rPr>
+              <a:t>)</a:t>
+            </a:r>
+            <a:endParaRPr lang="fr-FR" dirty="0">
+              <a:solidFill>
+                <a:srgbClr val="FF0000"/>
+              </a:solidFill>
+            </a:endParaRPr>
+          </a:p>
+        </p:txBody>
+      </p:sp>
+      <p:graphicFrame>
+        <p:nvGraphicFramePr>
+          <p:cNvPr id="5" name="Graphique 4">
+            <a:extLst>
+              <a:ext uri="{FF2B5EF4-FFF2-40B4-BE49-F238E27FC236}">
+                <a16:creationId xmlns:a16="http://schemas.microsoft.com/office/drawing/2014/main" id="{B043498B-BB9D-4E38-540F-B4EF7FBCA6EF}"/>
+              </a:ext>
+            </a:extLst>
+          </p:cNvPr>
+          <p:cNvGraphicFramePr>
+            <a:graphicFrameLocks/>
+          </p:cNvGraphicFramePr>
+          <p:nvPr>
+            <p:extLst>
+              <p:ext uri="{D42A27DB-BD31-4B8C-83A1-F6EECF244321}">
+                <p14:modId xmlns:p14="http://schemas.microsoft.com/office/powerpoint/2010/main" val="1895307034"/>
+              </p:ext>
+            </p:extLst>
+          </p:nvPr>
+        </p:nvGraphicFramePr>
+        <p:xfrm>
+          <a:off x="749070" y="1323109"/>
+          <a:ext cx="10604730" cy="5472546"/>
+        </p:xfrm>
+        <a:graphic>
+          <a:graphicData uri="http://schemas.openxmlformats.org/drawingml/2006/chart">
+            <c:chart xmlns:c="http://schemas.openxmlformats.org/drawingml/2006/chart" xmlns:r="http://schemas.openxmlformats.org/officeDocument/2006/relationships" r:id="rId3"/>
+          </a:graphicData>
+        </a:graphic>
+      </p:graphicFrame>
+    </p:spTree>
+    <p:extLst>
+      <p:ext uri="{BB962C8B-B14F-4D97-AF65-F5344CB8AC3E}">
+        <p14:creationId xmlns:p14="http://schemas.microsoft.com/office/powerpoint/2010/main" val="538260438"/>
+      </p:ext>
+    </p:extLst>
+  </p:cSld>
+  <p:clrMapOvr>
+    <a:masterClrMapping/>
+  </p:clrMapOvr>
+  <mc:AlternateContent xmlns:mc="http://schemas.openxmlformats.org/markup-compatibility/2006" xmlns:p14="http://schemas.microsoft.com/office/powerpoint/2010/main">
+    <mc:Choice Requires="p14">
+      <p:transition spd="med">
+        <p14:glitter dir="d" pattern="hexagon"/>
+      </p:transition>
+    </mc:Choice>
+    <mc:Fallback xmlns="">
+      <p:transition spd="med">
+        <p:fade/>
+      </p:transition>
+    </mc:Fallback>
+  </mc:AlternateContent>
+  <p:timing>
+    <p:tnLst>
+      <p:par>
+        <p:cTn id="1" dur="indefinite" restart="never" nodeType="tmRoot">
+          <p:childTnLst>
+            <p:seq concurrent="1" nextAc="seek">
+              <p:cTn id="2" dur="indefinite" nodeType="mainSeq">
+                <p:childTnLst>
+                  <p:par>
+                    <p:cTn id="3" fill="hold">
+                      <p:stCondLst>
+                        <p:cond delay="indefinite"/>
+                        <p:cond evt="onBegin" delay="0">
+                          <p:tn val="2"/>
+                        </p:cond>
+                      </p:stCondLst>
+                      <p:childTnLst>
+                        <p:par>
+                          <p:cTn id="4" fill="hold">
+                            <p:stCondLst>
+                              <p:cond delay="0"/>
+                            </p:stCondLst>
+                            <p:childTnLst>
+                              <p:par>
+                                <p:cTn id="5" presetID="14" presetClass="entr" presetSubtype="5" fill="hold" grpId="0" nodeType="afterEffect">
+                                  <p:stCondLst>
+                                    <p:cond delay="0"/>
+                                  </p:stCondLst>
+                                  <p:childTnLst>
+                                    <p:set>
+                                      <p:cBhvr>
+                                        <p:cTn id="6" dur="1" fill="hold">
+                                          <p:stCondLst>
+                                            <p:cond delay="0"/>
+                                          </p:stCondLst>
+                                        </p:cTn>
+                                        <p:tgtEl>
+                                          <p:spTgt spid="4"/>
+                                        </p:tgtEl>
+                                        <p:attrNameLst>
+                                          <p:attrName>style.visibility</p:attrName>
+                                        </p:attrNameLst>
+                                      </p:cBhvr>
+                                      <p:to>
+                                        <p:strVal val="visible"/>
+                                      </p:to>
+                                    </p:set>
+                                    <p:animEffect transition="in" filter="randombar(vertical)">
+                                      <p:cBhvr>
+                                        <p:cTn id="7" dur="500"/>
+                                        <p:tgtEl>
+                                          <p:spTgt spid="4"/>
+                                        </p:tgtEl>
+                                      </p:cBhvr>
+                                    </p:animEffect>
+                                  </p:childTnLst>
+                                </p:cTn>
+                              </p:par>
+                            </p:childTnLst>
+                          </p:cTn>
+                        </p:par>
+                        <p:par>
+                          <p:cTn id="8" fill="hold">
+                            <p:stCondLst>
+                              <p:cond delay="500"/>
+                            </p:stCondLst>
+                            <p:childTnLst>
+                              <p:par>
+                                <p:cTn id="9" presetID="14" presetClass="entr" presetSubtype="5" fill="hold" grpId="0" nodeType="afterEffect">
+                                  <p:stCondLst>
+                                    <p:cond delay="0"/>
+                                  </p:stCondLst>
+                                  <p:childTnLst>
+                                    <p:set>
+                                      <p:cBhvr>
+                                        <p:cTn id="10" dur="1" fill="hold">
+                                          <p:stCondLst>
+                                            <p:cond delay="0"/>
+                                          </p:stCondLst>
+                                        </p:cTn>
+                                        <p:tgtEl>
+                                          <p:spTgt spid="5"/>
+                                        </p:tgtEl>
+                                        <p:attrNameLst>
+                                          <p:attrName>style.visibility</p:attrName>
+                                        </p:attrNameLst>
+                                      </p:cBhvr>
+                                      <p:to>
+                                        <p:strVal val="visible"/>
+                                      </p:to>
+                                    </p:set>
+                                    <p:animEffect transition="in" filter="randombar(vertical)">
+                                      <p:cBhvr>
+                                        <p:cTn id="11" dur="1000"/>
+                                        <p:tgtEl>
+                                          <p:spTgt spid="5"/>
+                                        </p:tgtEl>
+                                      </p:cBhvr>
+                                    </p:animEffect>
+                                  </p:childTnLst>
+                                </p:cTn>
+                              </p:par>
+                            </p:childTnLst>
+                          </p:cTn>
+                        </p:par>
+                      </p:childTnLst>
+                    </p:cTn>
+                  </p:par>
+                </p:childTnLst>
+              </p:cTn>
+              <p:prevCondLst>
+                <p:cond evt="onPrev" delay="0">
+                  <p:tgtEl>
+                    <p:sldTgt/>
+                  </p:tgtEl>
+                </p:cond>
+              </p:prevCondLst>
+              <p:nextCondLst>
+                <p:cond evt="onNext" delay="0">
+                  <p:tgtEl>
+                    <p:sldTgt/>
+                  </p:tgtEl>
+                </p:cond>
+              </p:nextCondLst>
+            </p:seq>
+          </p:childTnLst>
+        </p:cTn>
+      </p:par>
+    </p:tnLst>
+    <p:bldLst>
+      <p:bldP spid="4" grpId="0"/>
+      <p:bldGraphic spid="5" grpId="0">
+        <p:bldAsOne/>
+      </p:bldGraphic>
+    </p:bldLst>
+  </p:timing>
+</p:sld>
+</file>
+
+<file path=ppt/slides/slide8.xml><?xml version="1.0" encoding="utf-8"?>
+<p:sld xmlns:a="http://schemas.openxmlformats.org/drawingml/2006/main" xmlns:r="http://schemas.openxmlformats.org/officeDocument/2006/relationships" xmlns:p="http://schemas.openxmlformats.org/presentationml/2006/main">
+  <p:cSld>
+    <p:spTree>
+      <p:nvGrpSpPr>
+        <p:cNvPr id="1" name=""/>
+        <p:cNvGrpSpPr/>
+        <p:nvPr/>
+      </p:nvGrpSpPr>
+      <p:grpSpPr>
+        <a:xfrm>
+          <a:off x="0" y="0"/>
+          <a:ext cx="0" cy="0"/>
+          <a:chOff x="0" y="0"/>
+          <a:chExt cx="0" cy="0"/>
+        </a:xfrm>
+      </p:grpSpPr>
+      <p:sp>
+        <p:nvSpPr>
+          <p:cNvPr id="4" name="Titre 1">
+            <a:extLst>
+              <a:ext uri="{FF2B5EF4-FFF2-40B4-BE49-F238E27FC236}">
+                <a16:creationId xmlns:a16="http://schemas.microsoft.com/office/drawing/2014/main" id="{4DD576F9-BD29-6496-D4C6-2113EC1E3A88}"/>
+              </a:ext>
+            </a:extLst>
+          </p:cNvPr>
+          <p:cNvSpPr>
+            <a:spLocks noGrp="1"/>
+          </p:cNvSpPr>
+          <p:nvPr>
+            <p:ph type="title"/>
+          </p:nvPr>
+        </p:nvSpPr>
+        <p:spPr>
+          <a:xfrm>
+            <a:off x="838200" y="365125"/>
+            <a:ext cx="10515600" cy="1325563"/>
+          </a:xfrm>
+        </p:spPr>
+        <p:txBody>
+          <a:bodyPr>
+            <a:normAutofit/>
+          </a:bodyPr>
+          <a:lstStyle/>
+          <a:p>
+            <a:r>
+              <a:rPr lang="fr-FR" sz="4800" b="1" u="sng" dirty="0" err="1">
+                <a:effectLst>
+                  <a:outerShdw blurRad="38100" dist="38100" dir="2700000" algn="tl">
+                    <a:srgbClr val="000000">
+                      <a:alpha val="43137"/>
+                    </a:srgbClr>
+                  </a:outerShdw>
+                </a:effectLst>
+                <a:latin typeface="Baskerville Old Face" panose="02020602080505020303" pitchFamily="18" charset="0"/>
+              </a:rPr>
+              <a:t>What</a:t>
+            </a:r>
+            <a:r>
+              <a:rPr lang="fr-FR" sz="4800" b="1" u="sng" dirty="0">
+                <a:effectLst>
+                  <a:outerShdw blurRad="38100" dist="38100" dir="2700000" algn="tl">
+                    <a:srgbClr val="000000">
+                      <a:alpha val="43137"/>
+                    </a:srgbClr>
+                  </a:outerShdw>
+                </a:effectLst>
+                <a:latin typeface="Baskerville Old Face" panose="02020602080505020303" pitchFamily="18" charset="0"/>
+              </a:rPr>
+              <a:t> are the solutions?</a:t>
+            </a:r>
+          </a:p>
+        </p:txBody>
+      </p:sp>
+      <p:pic>
+        <p:nvPicPr>
+          <p:cNvPr id="8" name="Image 7">
+            <a:extLst>
+              <a:ext uri="{FF2B5EF4-FFF2-40B4-BE49-F238E27FC236}">
+                <a16:creationId xmlns:a16="http://schemas.microsoft.com/office/drawing/2014/main" id="{E01772DE-F5CC-A1DD-C714-45032FA5D683}"/>
+              </a:ext>
+            </a:extLst>
+          </p:cNvPr>
+          <p:cNvPicPr>
+            <a:picLocks noChangeAspect="1"/>
+          </p:cNvPicPr>
+          <p:nvPr/>
+        </p:nvPicPr>
+        <p:blipFill>
+          <a:blip r:embed="rId3">
+            <a:extLst>
+              <a:ext uri="{28A0092B-C50C-407E-A947-70E740481C1C}">
+                <a14:useLocalDpi xmlns:a14="http://schemas.microsoft.com/office/drawing/2010/main" val="0"/>
+              </a:ext>
+            </a:extLst>
+          </a:blip>
+          <a:stretch>
+            <a:fillRect/>
+          </a:stretch>
+        </p:blipFill>
+        <p:spPr>
+          <a:xfrm>
+            <a:off x="96161" y="1690688"/>
+            <a:ext cx="5402859" cy="2772896"/>
+          </a:xfrm>
+          <a:prstGeom prst="rect">
+            <a:avLst/>
+          </a:prstGeom>
+        </p:spPr>
+      </p:pic>
+      <p:pic>
+        <p:nvPicPr>
+          <p:cNvPr id="10" name="Image 9">
+            <a:extLst>
+              <a:ext uri="{FF2B5EF4-FFF2-40B4-BE49-F238E27FC236}">
+                <a16:creationId xmlns:a16="http://schemas.microsoft.com/office/drawing/2014/main" id="{6373DEC1-0E97-DD35-9928-11158CC289B7}"/>
+              </a:ext>
+            </a:extLst>
+          </p:cNvPr>
+          <p:cNvPicPr>
+            <a:picLocks noChangeAspect="1"/>
+          </p:cNvPicPr>
+          <p:nvPr/>
+        </p:nvPicPr>
+        <p:blipFill>
+          <a:blip r:embed="rId4">
+            <a:extLst>
+              <a:ext uri="{28A0092B-C50C-407E-A947-70E740481C1C}">
+                <a14:useLocalDpi xmlns:a14="http://schemas.microsoft.com/office/drawing/2010/main" val="0"/>
+              </a:ext>
+            </a:extLst>
+          </a:blip>
+          <a:stretch>
+            <a:fillRect/>
+          </a:stretch>
+        </p:blipFill>
+        <p:spPr>
+          <a:xfrm>
+            <a:off x="5796411" y="1690254"/>
+            <a:ext cx="3469422" cy="3477491"/>
+          </a:xfrm>
+          <a:prstGeom prst="rect">
+            <a:avLst/>
+          </a:prstGeom>
+        </p:spPr>
+      </p:pic>
+      <p:pic>
+        <p:nvPicPr>
+          <p:cNvPr id="12" name="Graphique 11">
+            <a:extLst>
+              <a:ext uri="{FF2B5EF4-FFF2-40B4-BE49-F238E27FC236}">
+                <a16:creationId xmlns:a16="http://schemas.microsoft.com/office/drawing/2014/main" id="{F72B83F5-3F5C-EA8A-DB25-A3D5B43544A5}"/>
+              </a:ext>
+            </a:extLst>
+          </p:cNvPr>
+          <p:cNvPicPr>
+            <a:picLocks noChangeAspect="1"/>
+          </p:cNvPicPr>
+          <p:nvPr/>
+        </p:nvPicPr>
+        <p:blipFill>
+          <a:blip r:embed="rId5">
+            <a:extLst>
+              <a:ext uri="{28A0092B-C50C-407E-A947-70E740481C1C}">
+                <a14:useLocalDpi xmlns:a14="http://schemas.microsoft.com/office/drawing/2010/main" val="0"/>
+              </a:ext>
+              <a:ext uri="{96DAC541-7B7A-43D3-8B79-37D633B846F1}">
+                <asvg:svgBlip xmlns:asvg="http://schemas.microsoft.com/office/drawing/2016/SVG/main" r:embed="rId6"/>
+              </a:ext>
+            </a:extLst>
+          </a:blip>
+          <a:stretch>
+            <a:fillRect/>
+          </a:stretch>
+        </p:blipFill>
+        <p:spPr>
+          <a:xfrm>
+            <a:off x="9563224" y="1553874"/>
+            <a:ext cx="2588033" cy="3750252"/>
+          </a:xfrm>
+          <a:prstGeom prst="rect">
+            <a:avLst/>
+          </a:prstGeom>
+        </p:spPr>
+      </p:pic>
+      <p:pic>
+        <p:nvPicPr>
+          <p:cNvPr id="14" name="Image 13">
+            <a:extLst>
+              <a:ext uri="{FF2B5EF4-FFF2-40B4-BE49-F238E27FC236}">
+                <a16:creationId xmlns:a16="http://schemas.microsoft.com/office/drawing/2014/main" id="{928A9BE1-0135-CD08-4464-93B27EF31362}"/>
+              </a:ext>
+            </a:extLst>
+          </p:cNvPr>
+          <p:cNvPicPr>
+            <a:picLocks noChangeAspect="1"/>
+          </p:cNvPicPr>
+          <p:nvPr/>
+        </p:nvPicPr>
+        <p:blipFill>
+          <a:blip r:embed="rId7">
+            <a:extLst>
+              <a:ext uri="{28A0092B-C50C-407E-A947-70E740481C1C}">
+                <a14:useLocalDpi xmlns:a14="http://schemas.microsoft.com/office/drawing/2010/main" val="0"/>
+              </a:ext>
+            </a:extLst>
+          </a:blip>
+          <a:stretch>
+            <a:fillRect/>
+          </a:stretch>
+        </p:blipFill>
+        <p:spPr>
+          <a:xfrm>
+            <a:off x="83450" y="4463584"/>
+            <a:ext cx="5300162" cy="1086533"/>
+          </a:xfrm>
+          <a:prstGeom prst="rect">
+            <a:avLst/>
+          </a:prstGeom>
+        </p:spPr>
+      </p:pic>
+    </p:spTree>
+    <p:extLst>
+      <p:ext uri="{BB962C8B-B14F-4D97-AF65-F5344CB8AC3E}">
+        <p14:creationId xmlns:p14="http://schemas.microsoft.com/office/powerpoint/2010/main" val="1862604515"/>
+      </p:ext>
+    </p:extLst>
+  </p:cSld>
+  <p:clrMapOvr>
+    <a:masterClrMapping/>
+  </p:clrMapOvr>
+  <mc:AlternateContent xmlns:mc="http://schemas.openxmlformats.org/markup-compatibility/2006" xmlns:p14="http://schemas.microsoft.com/office/powerpoint/2010/main">
+    <mc:Choice Requires="p14">
+      <p:transition spd="med">
+        <p14:glitter dir="d" pattern="hexagon"/>
+      </p:transition>
+    </mc:Choice>
+    <mc:Fallback xmlns="">
+      <p:transition spd="med">
+        <p:fade/>
+      </p:transition>
+    </mc:Fallback>
+  </mc:AlternateContent>
+  <p:timing>
+    <p:tnLst>
+      <p:par>
+        <p:cTn id="1" dur="indefinite" restart="never" nodeType="tmRoot">
+          <p:childTnLst>
+            <p:seq concurrent="1" nextAc="seek">
+              <p:cTn id="2" dur="indefinite" nodeType="mainSeq">
+                <p:childTnLst>
+                  <p:par>
+                    <p:cTn id="3" fill="hold">
+                      <p:stCondLst>
+                        <p:cond delay="indefinite"/>
+                        <p:cond evt="onBegin" delay="0">
+                          <p:tn val="2"/>
+                        </p:cond>
+                      </p:stCondLst>
+                      <p:childTnLst>
+                        <p:par>
+                          <p:cTn id="4" fill="hold">
+                            <p:stCondLst>
+                              <p:cond delay="0"/>
+                            </p:stCondLst>
+                            <p:childTnLst>
+                              <p:par>
+                                <p:cTn id="5" presetID="14" presetClass="entr" presetSubtype="5" fill="hold" grpId="0" nodeType="afterEffect">
+                                  <p:stCondLst>
+                                    <p:cond delay="0"/>
+                                  </p:stCondLst>
+                                  <p:childTnLst>
+                                    <p:set>
+                                      <p:cBhvr>
+                                        <p:cTn id="6" dur="1" fill="hold">
+                                          <p:stCondLst>
+                                            <p:cond delay="0"/>
+                                          </p:stCondLst>
+                                        </p:cTn>
+                                        <p:tgtEl>
+                                          <p:spTgt spid="4"/>
+                                        </p:tgtEl>
+                                        <p:attrNameLst>
+                                          <p:attrName>style.visibility</p:attrName>
+                                        </p:attrNameLst>
+                                      </p:cBhvr>
+                                      <p:to>
+                                        <p:strVal val="visible"/>
+                                      </p:to>
+                                    </p:set>
+                                    <p:animEffect transition="in" filter="randombar(vertical)">
+                                      <p:cBhvr>
+                                        <p:cTn id="7" dur="500"/>
+                                        <p:tgtEl>
+                                          <p:spTgt spid="4"/>
+                                        </p:tgtEl>
+                                      </p:cBhvr>
+                                    </p:animEffect>
+                                  </p:childTnLst>
+                                </p:cTn>
+                              </p:par>
+                            </p:childTnLst>
+                          </p:cTn>
+                        </p:par>
+                        <p:par>
+                          <p:cTn id="8" fill="hold">
+                            <p:stCondLst>
+                              <p:cond delay="500"/>
+                            </p:stCondLst>
+                            <p:childTnLst>
+                              <p:par>
+                                <p:cTn id="9" presetID="14" presetClass="entr" presetSubtype="5" fill="hold" nodeType="afterEffect">
+                                  <p:stCondLst>
+                                    <p:cond delay="0"/>
+                                  </p:stCondLst>
+                                  <p:childTnLst>
+                                    <p:set>
+                                      <p:cBhvr>
+                                        <p:cTn id="10" dur="1" fill="hold">
+                                          <p:stCondLst>
+                                            <p:cond delay="0"/>
+                                          </p:stCondLst>
+                                        </p:cTn>
+                                        <p:tgtEl>
+                                          <p:spTgt spid="8"/>
+                                        </p:tgtEl>
+                                        <p:attrNameLst>
+                                          <p:attrName>style.visibility</p:attrName>
+                                        </p:attrNameLst>
+                                      </p:cBhvr>
+                                      <p:to>
+                                        <p:strVal val="visible"/>
+                                      </p:to>
+                                    </p:set>
+                                    <p:animEffect transition="in" filter="randombar(vertical)">
+                                      <p:cBhvr>
+                                        <p:cTn id="11" dur="500"/>
+                                        <p:tgtEl>
+                                          <p:spTgt spid="8"/>
+                                        </p:tgtEl>
+                                      </p:cBhvr>
+                                    </p:animEffect>
+                                  </p:childTnLst>
+                                </p:cTn>
+                              </p:par>
+                              <p:par>
+                                <p:cTn id="12" presetID="14" presetClass="entr" presetSubtype="5" fill="hold" nodeType="withEffect">
+                                  <p:stCondLst>
+                                    <p:cond delay="0"/>
+                                  </p:stCondLst>
+                                  <p:childTnLst>
+                                    <p:set>
+                                      <p:cBhvr>
+                                        <p:cTn id="13" dur="1" fill="hold">
+                                          <p:stCondLst>
+                                            <p:cond delay="0"/>
+                                          </p:stCondLst>
+                                        </p:cTn>
+                                        <p:tgtEl>
+                                          <p:spTgt spid="10"/>
+                                        </p:tgtEl>
+                                        <p:attrNameLst>
+                                          <p:attrName>style.visibility</p:attrName>
+                                        </p:attrNameLst>
+                                      </p:cBhvr>
+                                      <p:to>
+                                        <p:strVal val="visible"/>
+                                      </p:to>
+                                    </p:set>
+                                    <p:animEffect transition="in" filter="randombar(vertical)">
+                                      <p:cBhvr>
+                                        <p:cTn id="14" dur="500"/>
+                                        <p:tgtEl>
+                                          <p:spTgt spid="10"/>
+                                        </p:tgtEl>
+                                      </p:cBhvr>
+                                    </p:animEffect>
+                                  </p:childTnLst>
+                                </p:cTn>
+                              </p:par>
+                              <p:par>
+                                <p:cTn id="15" presetID="14" presetClass="entr" presetSubtype="5" fill="hold" nodeType="withEffect">
+                                  <p:stCondLst>
+                                    <p:cond delay="0"/>
+                                  </p:stCondLst>
+                                  <p:childTnLst>
+                                    <p:set>
+                                      <p:cBhvr>
+                                        <p:cTn id="16" dur="1" fill="hold">
+                                          <p:stCondLst>
+                                            <p:cond delay="0"/>
+                                          </p:stCondLst>
+                                        </p:cTn>
+                                        <p:tgtEl>
+                                          <p:spTgt spid="12"/>
+                                        </p:tgtEl>
+                                        <p:attrNameLst>
+                                          <p:attrName>style.visibility</p:attrName>
+                                        </p:attrNameLst>
+                                      </p:cBhvr>
+                                      <p:to>
+                                        <p:strVal val="visible"/>
+                                      </p:to>
+                                    </p:set>
+                                    <p:animEffect transition="in" filter="randombar(vertical)">
+                                      <p:cBhvr>
+                                        <p:cTn id="17" dur="500"/>
+                                        <p:tgtEl>
+                                          <p:spTgt spid="12"/>
+                                        </p:tgtEl>
+                                      </p:cBhvr>
+                                    </p:animEffect>
+                                  </p:childTnLst>
+                                </p:cTn>
+                              </p:par>
+                              <p:par>
+                                <p:cTn id="18" presetID="14" presetClass="entr" presetSubtype="5" fill="hold" nodeType="withEffect">
+                                  <p:stCondLst>
+                                    <p:cond delay="0"/>
+                                  </p:stCondLst>
+                                  <p:childTnLst>
+                                    <p:set>
+                                      <p:cBhvr>
+                                        <p:cTn id="19" dur="1" fill="hold">
+                                          <p:stCondLst>
+                                            <p:cond delay="0"/>
+                                          </p:stCondLst>
+                                        </p:cTn>
+                                        <p:tgtEl>
+                                          <p:spTgt spid="14"/>
+                                        </p:tgtEl>
+                                        <p:attrNameLst>
+                                          <p:attrName>style.visibility</p:attrName>
+                                        </p:attrNameLst>
+                                      </p:cBhvr>
+                                      <p:to>
+                                        <p:strVal val="visible"/>
+                                      </p:to>
+                                    </p:set>
+                                    <p:animEffect transition="in" filter="randombar(vertical)">
+                                      <p:cBhvr>
+                                        <p:cTn id="20" dur="500"/>
+                                        <p:tgtEl>
+                                          <p:spTgt spid="14"/>
+                                        </p:tgtEl>
+                                      </p:cBhvr>
+                                    </p:animEffect>
+                                  </p:childTnLst>
+                                </p:cTn>
+                              </p:par>
+                            </p:childTnLst>
+                          </p:cTn>
+                        </p:par>
+                      </p:childTnLst>
+                    </p:cTn>
+                  </p:par>
+                </p:childTnLst>
+              </p:cTn>
+              <p:prevCondLst>
+                <p:cond evt="onPrev" delay="0">
+                  <p:tgtEl>
+                    <p:sldTgt/>
+                  </p:tgtEl>
+                </p:cond>
+              </p:prevCondLst>
+              <p:nextCondLst>
+                <p:cond evt="onNext" delay="0">
+                  <p:tgtEl>
+                    <p:sldTgt/>
+                  </p:tgtEl>
+                </p:cond>
+              </p:nextCondLst>
+            </p:seq>
+          </p:childTnLst>
+        </p:cTn>
+      </p:par>
+    </p:tnLst>
+    <p:bldLst>
+      <p:bldP spid="4" grpId="0"/>
+    </p:bldLst>
+  </p:timing>
+</p:sld>
+</file>
+
+<file path=ppt/slides/slide9.xml><?xml version="1.0" encoding="utf-8"?>
+<p:sld xmlns:a="http://schemas.openxmlformats.org/drawingml/2006/main" xmlns:r="http://schemas.openxmlformats.org/officeDocument/2006/relationships" xmlns:p="http://schemas.openxmlformats.org/presentationml/2006/main">
+  <p:cSld>
+    <p:spTree>
+      <p:nvGrpSpPr>
+        <p:cNvPr id="1" name=""/>
+        <p:cNvGrpSpPr/>
+        <p:nvPr/>
+      </p:nvGrpSpPr>
+      <p:grpSpPr>
+        <a:xfrm>
+          <a:off x="0" y="0"/>
+          <a:ext cx="0" cy="0"/>
+          <a:chOff x="0" y="0"/>
+          <a:chExt cx="0" cy="0"/>
+        </a:xfrm>
+      </p:grpSpPr>
+      <p:sp>
+        <p:nvSpPr>
+          <p:cNvPr id="2" name="Titre 1">
+            <a:extLst>
+              <a:ext uri="{FF2B5EF4-FFF2-40B4-BE49-F238E27FC236}">
+                <a16:creationId xmlns:a16="http://schemas.microsoft.com/office/drawing/2014/main" id="{D1FE0F39-84A2-6868-F61C-4233923CFB7C}"/>
+              </a:ext>
+            </a:extLst>
+          </p:cNvPr>
+          <p:cNvSpPr>
+            <a:spLocks noGrp="1"/>
+          </p:cNvSpPr>
+          <p:nvPr>
+            <p:ph type="title"/>
+          </p:nvPr>
+        </p:nvSpPr>
+        <p:spPr/>
+        <p:txBody>
+          <a:bodyPr/>
+          <a:lstStyle/>
+          <a:p>
+            <a:r>
+              <a:rPr lang="fr-FR" b="1" u="sng" dirty="0">
+                <a:effectLst>
+                  <a:outerShdw blurRad="38100" dist="38100" dir="2700000" algn="tl">
+                    <a:srgbClr val="000000">
+                      <a:alpha val="43137"/>
+                    </a:srgbClr>
+                  </a:outerShdw>
+                </a:effectLst>
+                <a:latin typeface="Baskerville Old Face" panose="02020602080505020303" pitchFamily="18" charset="0"/>
+              </a:rPr>
+              <a:t>Links</a:t>
+            </a:r>
+          </a:p>
+        </p:txBody>
+      </p:sp>
+      <p:sp>
+        <p:nvSpPr>
+          <p:cNvPr id="4" name="ZoneTexte 3">
+            <a:extLst>
+              <a:ext uri="{FF2B5EF4-FFF2-40B4-BE49-F238E27FC236}">
+                <a16:creationId xmlns:a16="http://schemas.microsoft.com/office/drawing/2014/main" id="{422B78B4-109F-A4BF-4F81-8BE590DC4CB5}"/>
+              </a:ext>
+            </a:extLst>
+          </p:cNvPr>
+          <p:cNvSpPr txBox="1"/>
+          <p:nvPr/>
+        </p:nvSpPr>
+        <p:spPr>
+          <a:xfrm>
+            <a:off x="900545" y="1530927"/>
+            <a:ext cx="8707582" cy="3231654"/>
+          </a:xfrm>
+          <a:prstGeom prst="rect">
+            <a:avLst/>
+          </a:prstGeom>
+          <a:noFill/>
+        </p:spPr>
+        <p:txBody>
+          <a:bodyPr wrap="square" rtlCol="0">
+            <a:spAutoFit/>
+          </a:bodyPr>
+          <a:lstStyle/>
+          <a:p>
+            <a:r>
+              <a:rPr lang="fr-FR" sz="2000" b="1" i="1" dirty="0" err="1">
+                <a:latin typeface="Baskerville Old Face" panose="02020602080505020303" pitchFamily="18" charset="0"/>
+              </a:rPr>
+              <a:t>Website</a:t>
+            </a:r>
+            <a:r>
+              <a:rPr lang="fr-FR" sz="2000" b="1" i="1" dirty="0">
+                <a:latin typeface="Baskerville Old Face" panose="02020602080505020303" pitchFamily="18" charset="0"/>
+              </a:rPr>
+              <a:t> </a:t>
+            </a:r>
+            <a:r>
+              <a:rPr lang="fr-FR" sz="2000" b="1" i="1" dirty="0" err="1">
+                <a:latin typeface="Baskerville Old Face" panose="02020602080505020303" pitchFamily="18" charset="0"/>
+              </a:rPr>
+              <a:t>with</a:t>
+            </a:r>
+            <a:r>
+              <a:rPr lang="fr-FR" sz="2000" b="1" i="1" dirty="0">
+                <a:latin typeface="Baskerville Old Face" panose="02020602080505020303" pitchFamily="18" charset="0"/>
+              </a:rPr>
+              <a:t> stats about </a:t>
+            </a:r>
+            <a:r>
+              <a:rPr lang="fr-FR" sz="2000" b="1" i="1" dirty="0" err="1">
+                <a:latin typeface="Baskerville Old Face" panose="02020602080505020303" pitchFamily="18" charset="0"/>
+              </a:rPr>
+              <a:t>passwords</a:t>
+            </a:r>
+            <a:endParaRPr lang="fr-FR" sz="2000" b="1" i="1" dirty="0">
+              <a:latin typeface="Baskerville Old Face" panose="02020602080505020303" pitchFamily="18" charset="0"/>
+            </a:endParaRPr>
+          </a:p>
+          <a:p>
+            <a:r>
+              <a:rPr lang="fr-FR" dirty="0">
+                <a:hlinkClick r:id="rId3"/>
+              </a:rPr>
+              <a:t>https://www.comparitech.com/blog/information-security/password-statistics/</a:t>
+            </a:r>
+            <a:endParaRPr lang="fr-FR" dirty="0"/>
+          </a:p>
+          <a:p>
+            <a:endParaRPr lang="fr-FR" dirty="0"/>
+          </a:p>
+          <a:p>
+            <a:r>
+              <a:rPr lang="fr-FR" sz="2000" b="1" i="1" dirty="0">
+                <a:latin typeface="Baskerville Old Face" panose="02020602080505020303" pitchFamily="18" charset="0"/>
+              </a:rPr>
+              <a:t>2019 Google </a:t>
+            </a:r>
+            <a:r>
+              <a:rPr lang="fr-FR" sz="2000" b="1" i="1" dirty="0" err="1">
+                <a:latin typeface="Baskerville Old Face" panose="02020602080505020303" pitchFamily="18" charset="0"/>
+              </a:rPr>
+              <a:t>study</a:t>
+            </a:r>
+            <a:endParaRPr lang="fr-FR" sz="2000" b="1" i="1" dirty="0">
+              <a:latin typeface="Baskerville Old Face" panose="02020602080505020303" pitchFamily="18" charset="0"/>
+            </a:endParaRPr>
+          </a:p>
+          <a:p>
+            <a:r>
+              <a:rPr lang="fr-FR" dirty="0">
+                <a:hlinkClick r:id="rId4"/>
+              </a:rPr>
+              <a:t>https://storage.googleapis.com/gweb-uniblog-publish-prod/documents/PasswordCheckup-HarrisPoll-InfographicFINAL.pdf</a:t>
+            </a:r>
+            <a:endParaRPr lang="fr-FR" dirty="0"/>
+          </a:p>
+          <a:p>
+            <a:endParaRPr lang="fr-FR" dirty="0"/>
+          </a:p>
+          <a:p>
+            <a:r>
+              <a:rPr lang="fr-FR" sz="2000" b="1" i="1" dirty="0">
+                <a:latin typeface="Baskerville Old Face" panose="02020602080505020303" pitchFamily="18" charset="0"/>
+              </a:rPr>
+              <a:t>Hash </a:t>
+            </a:r>
+            <a:r>
+              <a:rPr lang="fr-FR" sz="2000" b="1" i="1" dirty="0" err="1">
+                <a:latin typeface="Baskerville Old Face" panose="02020602080505020303" pitchFamily="18" charset="0"/>
+              </a:rPr>
+              <a:t>function</a:t>
+            </a:r>
+            <a:endParaRPr lang="fr-FR" sz="2000" b="1" i="1" dirty="0">
+              <a:latin typeface="Baskerville Old Face" panose="02020602080505020303" pitchFamily="18" charset="0"/>
+            </a:endParaRPr>
+          </a:p>
+          <a:p>
+            <a:r>
+              <a:rPr lang="fr-FR" dirty="0">
+                <a:hlinkClick r:id="rId5"/>
+              </a:rPr>
+              <a:t>https://emn178.github.io/online-tools/sha256.html</a:t>
+            </a:r>
+            <a:endParaRPr lang="fr-FR" dirty="0"/>
+          </a:p>
+          <a:p>
+            <a:endParaRPr lang="fr-FR" dirty="0"/>
+          </a:p>
+          <a:p>
+            <a:r>
+              <a:rPr lang="fr-FR" dirty="0"/>
+              <a:t>f</a:t>
+            </a:r>
+          </a:p>
+        </p:txBody>
+      </p:sp>
+    </p:spTree>
+    <p:extLst>
+      <p:ext uri="{BB962C8B-B14F-4D97-AF65-F5344CB8AC3E}">
+        <p14:creationId xmlns:p14="http://schemas.microsoft.com/office/powerpoint/2010/main" val="3180281449"/>
+      </p:ext>
+    </p:extLst>
+  </p:cSld>
+  <p:clrMapOvr>
+    <a:masterClrMapping/>
+  </p:clrMapOvr>
+  <mc:AlternateContent xmlns:mc="http://schemas.openxmlformats.org/markup-compatibility/2006" xmlns:p14="http://schemas.microsoft.com/office/powerpoint/2010/main">
+    <mc:Choice Requires="p14">
+      <p:transition spd="med">
+        <p14:glitter dir="d" pattern="hexagon"/>
+      </p:transition>
+    </mc:Choice>
+    <mc:Fallback xmlns="">
+      <p:transition spd="med">
+        <p:fade/>
+      </p:transition>
+    </mc:Fallback>
+  </mc:AlternateContent>
+  <p:timing>
+    <p:tnLst>
+      <p:par>
+        <p:cTn id="1" dur="indefinite" restart="never" nodeType="tmRoot">
+          <p:childTnLst>
+            <p:seq concurrent="1" nextAc="seek">
+              <p:cTn id="2" dur="indefinite" nodeType="mainSeq">
+                <p:childTnLst>
+                  <p:par>
+                    <p:cTn id="3" fill="hold">
+                      <p:stCondLst>
+                        <p:cond delay="indefinite"/>
+                        <p:cond evt="onBegin" delay="0">
+                          <p:tn val="2"/>
+                        </p:cond>
+                      </p:stCondLst>
+                      <p:childTnLst>
+                        <p:par>
+                          <p:cTn id="4" fill="hold">
+                            <p:stCondLst>
+                              <p:cond delay="0"/>
+                            </p:stCondLst>
+                            <p:childTnLst>
+                              <p:par>
+                                <p:cTn id="5" presetID="14" presetClass="entr" presetSubtype="5" fill="hold" grpId="0" nodeType="afterEffect">
+                                  <p:stCondLst>
+                                    <p:cond delay="0"/>
+                                  </p:stCondLst>
+                                  <p:childTnLst>
+                                    <p:set>
+                                      <p:cBhvr>
+                                        <p:cTn id="6" dur="1" fill="hold">
+                                          <p:stCondLst>
+                                            <p:cond delay="0"/>
+                                          </p:stCondLst>
+                                        </p:cTn>
+                                        <p:tgtEl>
+                                          <p:spTgt spid="2"/>
+                                        </p:tgtEl>
+                                        <p:attrNameLst>
+                                          <p:attrName>style.visibility</p:attrName>
+                                        </p:attrNameLst>
+                                      </p:cBhvr>
+                                      <p:to>
+                                        <p:strVal val="visible"/>
+                                      </p:to>
+                                    </p:set>
+                                    <p:animEffect transition="in" filter="randombar(vertical)">
+                                      <p:cBhvr>
+                                        <p:cTn id="7" dur="500"/>
+                                        <p:tgtEl>
+                                          <p:spTgt spid="2"/>
+                                        </p:tgtEl>
+                                      </p:cBhvr>
+                                    </p:animEffect>
+                                  </p:childTnLst>
+                                </p:cTn>
+                              </p:par>
+                            </p:childTnLst>
+                          </p:cTn>
+                        </p:par>
+                        <p:par>
+                          <p:cTn id="8" fill="hold">
+                            <p:stCondLst>
+                              <p:cond delay="500"/>
+                            </p:stCondLst>
+                            <p:childTnLst>
+                              <p:par>
+                                <p:cTn id="9" presetID="14" presetClass="entr" presetSubtype="5" fill="hold" grpId="0" nodeType="afterEffect">
+                                  <p:stCondLst>
+                                    <p:cond delay="0"/>
+                                  </p:stCondLst>
+                                  <p:childTnLst>
+                                    <p:set>
+                                      <p:cBhvr>
+                                        <p:cTn id="10" dur="1" fill="hold">
+                                          <p:stCondLst>
+                                            <p:cond delay="0"/>
+                                          </p:stCondLst>
+                                        </p:cTn>
+                                        <p:tgtEl>
+                                          <p:spTgt spid="4"/>
+                                        </p:tgtEl>
+                                        <p:attrNameLst>
+                                          <p:attrName>style.visibility</p:attrName>
+                                        </p:attrNameLst>
+                                      </p:cBhvr>
+                                      <p:to>
+                                        <p:strVal val="visible"/>
+                                      </p:to>
+                                    </p:set>
+                                    <p:animEffect transition="in" filter="randombar(vertical)">
+                                      <p:cBhvr>
+                                        <p:cTn id="11" dur="1000"/>
+                                        <p:tgtEl>
+                                          <p:spTgt spid="4"/>
+                                        </p:tgtEl>
+                                      </p:cBhvr>
+                                    </p:animEffect>
+                                  </p:childTnLst>
+                                </p:cTn>
+                              </p:par>
+                            </p:childTnLst>
+                          </p:cTn>
+                        </p:par>
+                      </p:childTnLst>
+                    </p:cTn>
+                  </p:par>
+                </p:childTnLst>
+              </p:cTn>
+              <p:prevCondLst>
+                <p:cond evt="onPrev" delay="0">
+                  <p:tgtEl>
+                    <p:sldTgt/>
+                  </p:tgtEl>
+                </p:cond>
+              </p:prevCondLst>
+              <p:nextCondLst>
+                <p:cond evt="onNext" delay="0">
+                  <p:tgtEl>
+                    <p:sldTgt/>
+                  </p:tgtEl>
+                </p:cond>
+              </p:nextCondLst>
+            </p:seq>
+          </p:childTnLst>
+        </p:cTn>
+      </p:par>
+    </p:tnLst>
+    <p:bldLst>
+      <p:bldP spid="2" grpId="0"/>
+      <p:bldP spid="4" grpId="0"/>
     </p:bldLst>
   </p:timing>
 </p:sld>

--- a/SEM3/Presentation.pptx
+++ b/SEM3/Presentation.pptx
@@ -1297,7 +1297,7 @@
           <a:p>
             <a:fld id="{AE6322CD-04EC-44D5-BE30-1FBD848A1EDE}" type="datetimeFigureOut">
               <a:rPr lang="fr-FR" smtClean="0"/>
-              <a:t>05/11/2023</a:t>
+              <a:t>11/11/2023</a:t>
             </a:fld>
             <a:endParaRPr lang="fr-FR"/>
           </a:p>
@@ -2672,7 +2672,7 @@
           <a:p>
             <a:fld id="{8F390982-1CBF-4A43-9328-8B869868AD33}" type="datetimeFigureOut">
               <a:rPr lang="fr-FR" smtClean="0"/>
-              <a:t>05/11/2023</a:t>
+              <a:t>11/11/2023</a:t>
             </a:fld>
             <a:endParaRPr lang="fr-FR"/>
           </a:p>
@@ -2882,7 +2882,7 @@
           <a:p>
             <a:fld id="{8F390982-1CBF-4A43-9328-8B869868AD33}" type="datetimeFigureOut">
               <a:rPr lang="fr-FR" smtClean="0"/>
-              <a:t>05/11/2023</a:t>
+              <a:t>11/11/2023</a:t>
             </a:fld>
             <a:endParaRPr lang="fr-FR"/>
           </a:p>
@@ -3102,7 +3102,7 @@
           <a:p>
             <a:fld id="{8F390982-1CBF-4A43-9328-8B869868AD33}" type="datetimeFigureOut">
               <a:rPr lang="fr-FR" smtClean="0"/>
-              <a:t>05/11/2023</a:t>
+              <a:t>11/11/2023</a:t>
             </a:fld>
             <a:endParaRPr lang="fr-FR"/>
           </a:p>
@@ -3312,7 +3312,7 @@
           <a:p>
             <a:fld id="{8F390982-1CBF-4A43-9328-8B869868AD33}" type="datetimeFigureOut">
               <a:rPr lang="fr-FR" smtClean="0"/>
-              <a:t>05/11/2023</a:t>
+              <a:t>11/11/2023</a:t>
             </a:fld>
             <a:endParaRPr lang="fr-FR"/>
           </a:p>
@@ -3599,7 +3599,7 @@
           <a:p>
             <a:fld id="{8F390982-1CBF-4A43-9328-8B869868AD33}" type="datetimeFigureOut">
               <a:rPr lang="fr-FR" smtClean="0"/>
-              <a:t>05/11/2023</a:t>
+              <a:t>11/11/2023</a:t>
             </a:fld>
             <a:endParaRPr lang="fr-FR"/>
           </a:p>
@@ -3876,7 +3876,7 @@
           <a:p>
             <a:fld id="{8F390982-1CBF-4A43-9328-8B869868AD33}" type="datetimeFigureOut">
               <a:rPr lang="fr-FR" smtClean="0"/>
-              <a:t>05/11/2023</a:t>
+              <a:t>11/11/2023</a:t>
             </a:fld>
             <a:endParaRPr lang="fr-FR"/>
           </a:p>
@@ -4300,7 +4300,7 @@
           <a:p>
             <a:fld id="{8F390982-1CBF-4A43-9328-8B869868AD33}" type="datetimeFigureOut">
               <a:rPr lang="fr-FR" smtClean="0"/>
-              <a:t>05/11/2023</a:t>
+              <a:t>11/11/2023</a:t>
             </a:fld>
             <a:endParaRPr lang="fr-FR"/>
           </a:p>
@@ -4453,7 +4453,7 @@
           <a:p>
             <a:fld id="{8F390982-1CBF-4A43-9328-8B869868AD33}" type="datetimeFigureOut">
               <a:rPr lang="fr-FR" smtClean="0"/>
-              <a:t>05/11/2023</a:t>
+              <a:t>11/11/2023</a:t>
             </a:fld>
             <a:endParaRPr lang="fr-FR"/>
           </a:p>
@@ -4578,7 +4578,7 @@
           <a:p>
             <a:fld id="{8F390982-1CBF-4A43-9328-8B869868AD33}" type="datetimeFigureOut">
               <a:rPr lang="fr-FR" smtClean="0"/>
-              <a:t>05/11/2023</a:t>
+              <a:t>11/11/2023</a:t>
             </a:fld>
             <a:endParaRPr lang="fr-FR"/>
           </a:p>
@@ -4901,7 +4901,7 @@
           <a:p>
             <a:fld id="{8F390982-1CBF-4A43-9328-8B869868AD33}" type="datetimeFigureOut">
               <a:rPr lang="fr-FR" smtClean="0"/>
-              <a:t>05/11/2023</a:t>
+              <a:t>11/11/2023</a:t>
             </a:fld>
             <a:endParaRPr lang="fr-FR"/>
           </a:p>
@@ -5201,7 +5201,7 @@
           <a:p>
             <a:fld id="{8F390982-1CBF-4A43-9328-8B869868AD33}" type="datetimeFigureOut">
               <a:rPr lang="fr-FR" smtClean="0"/>
-              <a:t>05/11/2023</a:t>
+              <a:t>11/11/2023</a:t>
             </a:fld>
             <a:endParaRPr lang="fr-FR"/>
           </a:p>
@@ -5484,7 +5484,7 @@
           <a:p>
             <a:fld id="{8F390982-1CBF-4A43-9328-8B869868AD33}" type="datetimeFigureOut">
               <a:rPr lang="fr-FR" smtClean="0"/>
-              <a:t>05/11/2023</a:t>
+              <a:t>11/11/2023</a:t>
             </a:fld>
             <a:endParaRPr lang="fr-FR"/>
           </a:p>
@@ -8861,13 +8861,13 @@
   <p:clrMapOvr>
     <a:masterClrMapping/>
   </p:clrMapOvr>
-  <mc:AlternateContent xmlns:mc="http://schemas.openxmlformats.org/markup-compatibility/2006">
-    <mc:Choice xmlns:p14="http://schemas.microsoft.com/office/powerpoint/2010/main" Requires="p14">
+  <mc:AlternateContent xmlns:mc="http://schemas.openxmlformats.org/markup-compatibility/2006" xmlns:p14="http://schemas.microsoft.com/office/powerpoint/2010/main">
+    <mc:Choice Requires="p14">
       <p:transition spd="med" advTm="7000">
         <p14:glitter dir="d" pattern="hexagon"/>
       </p:transition>
     </mc:Choice>
-    <mc:Fallback>
+    <mc:Fallback xmlns="">
       <p:transition spd="med" advTm="7000">
         <p:fade/>
       </p:transition>
@@ -9057,13 +9057,13 @@
   <p:clrMapOvr>
     <a:masterClrMapping/>
   </p:clrMapOvr>
-  <mc:AlternateContent xmlns:mc="http://schemas.openxmlformats.org/markup-compatibility/2006">
-    <mc:Choice xmlns:p14="http://schemas.microsoft.com/office/powerpoint/2010/main" Requires="p14">
+  <mc:AlternateContent xmlns:mc="http://schemas.openxmlformats.org/markup-compatibility/2006" xmlns:p14="http://schemas.microsoft.com/office/powerpoint/2010/main">
+    <mc:Choice Requires="p14">
       <p:transition spd="med" advTm="7000">
         <p14:glitter dir="d" pattern="hexagon"/>
       </p:transition>
     </mc:Choice>
-    <mc:Fallback>
+    <mc:Fallback xmlns="">
       <p:transition spd="med" advTm="7000">
         <p:fade/>
       </p:transition>
@@ -10136,7 +10136,7 @@
         <p:spPr>
           <a:xfrm>
             <a:off x="900545" y="1530927"/>
-            <a:ext cx="8707582" cy="3231654"/>
+            <a:ext cx="8707582" cy="2677656"/>
           </a:xfrm>
           <a:prstGeom prst="rect">
             <a:avLst/>
@@ -10249,15 +10249,6 @@
               <a:t>https://emn178.github.io/online-tools/sha256.html</a:t>
             </a:r>
             <a:endParaRPr lang="fr-FR" dirty="0"/>
-          </a:p>
-          <a:p>
-            <a:endParaRPr lang="fr-FR" dirty="0"/>
-          </a:p>
-          <a:p>
-            <a:r>
-              <a:rPr lang="fr-FR" dirty="0"/>
-              <a:t>f</a:t>
-            </a:r>
           </a:p>
         </p:txBody>
       </p:sp>

--- a/SEM3/Presentation.pptx
+++ b/SEM3/Presentation.pptx
@@ -127,7 +127,7 @@
 <file path=ppt/charts/chart1.xml><?xml version="1.0" encoding="utf-8"?>
 <c:chartSpace xmlns:c="http://schemas.openxmlformats.org/drawingml/2006/chart" xmlns:a="http://schemas.openxmlformats.org/drawingml/2006/main" xmlns:r="http://schemas.openxmlformats.org/officeDocument/2006/relationships" xmlns:c16r2="http://schemas.microsoft.com/office/drawing/2015/06/chart">
   <c:date1904 val="0"/>
-  <c:lang val="fr-FR"/>
+  <c:lang val="en-US"/>
   <c:roundedCorners val="0"/>
   <mc:AlternateContent xmlns:mc="http://schemas.openxmlformats.org/markup-compatibility/2006">
     <mc:Choice xmlns:c14="http://schemas.microsoft.com/office/drawing/2007/8/2/chart" Requires="c14">
@@ -1297,7 +1297,7 @@
           <a:p>
             <a:fld id="{AE6322CD-04EC-44D5-BE30-1FBD848A1EDE}" type="datetimeFigureOut">
               <a:rPr lang="fr-FR" smtClean="0"/>
-              <a:t>11/11/2023</a:t>
+              <a:t>15/11/2023</a:t>
             </a:fld>
             <a:endParaRPr lang="fr-FR"/>
           </a:p>
@@ -1455,7 +1455,7 @@
           <a:p>
             <a:fld id="{8CC080D9-E802-4AF1-849C-E6CBF2C81CE1}" type="slidenum">
               <a:rPr lang="fr-FR" smtClean="0"/>
-              <a:t>‹N°›</a:t>
+              <a:t>‹#›</a:t>
             </a:fld>
             <a:endParaRPr lang="fr-FR"/>
           </a:p>
@@ -2672,7 +2672,7 @@
           <a:p>
             <a:fld id="{8F390982-1CBF-4A43-9328-8B869868AD33}" type="datetimeFigureOut">
               <a:rPr lang="fr-FR" smtClean="0"/>
-              <a:t>11/11/2023</a:t>
+              <a:t>15/11/2023</a:t>
             </a:fld>
             <a:endParaRPr lang="fr-FR"/>
           </a:p>
@@ -2726,7 +2726,7 @@
           <a:p>
             <a:fld id="{5D8CCCAC-A024-4F79-8743-6AFE7AB40746}" type="slidenum">
               <a:rPr lang="fr-FR" smtClean="0"/>
-              <a:t>‹N°›</a:t>
+              <a:t>‹#›</a:t>
             </a:fld>
             <a:endParaRPr lang="fr-FR"/>
           </a:p>
@@ -2882,7 +2882,7 @@
           <a:p>
             <a:fld id="{8F390982-1CBF-4A43-9328-8B869868AD33}" type="datetimeFigureOut">
               <a:rPr lang="fr-FR" smtClean="0"/>
-              <a:t>11/11/2023</a:t>
+              <a:t>15/11/2023</a:t>
             </a:fld>
             <a:endParaRPr lang="fr-FR"/>
           </a:p>
@@ -2936,7 +2936,7 @@
           <a:p>
             <a:fld id="{5D8CCCAC-A024-4F79-8743-6AFE7AB40746}" type="slidenum">
               <a:rPr lang="fr-FR" smtClean="0"/>
-              <a:t>‹N°›</a:t>
+              <a:t>‹#›</a:t>
             </a:fld>
             <a:endParaRPr lang="fr-FR"/>
           </a:p>
@@ -3102,7 +3102,7 @@
           <a:p>
             <a:fld id="{8F390982-1CBF-4A43-9328-8B869868AD33}" type="datetimeFigureOut">
               <a:rPr lang="fr-FR" smtClean="0"/>
-              <a:t>11/11/2023</a:t>
+              <a:t>15/11/2023</a:t>
             </a:fld>
             <a:endParaRPr lang="fr-FR"/>
           </a:p>
@@ -3156,7 +3156,7 @@
           <a:p>
             <a:fld id="{5D8CCCAC-A024-4F79-8743-6AFE7AB40746}" type="slidenum">
               <a:rPr lang="fr-FR" smtClean="0"/>
-              <a:t>‹N°›</a:t>
+              <a:t>‹#›</a:t>
             </a:fld>
             <a:endParaRPr lang="fr-FR"/>
           </a:p>
@@ -3312,7 +3312,7 @@
           <a:p>
             <a:fld id="{8F390982-1CBF-4A43-9328-8B869868AD33}" type="datetimeFigureOut">
               <a:rPr lang="fr-FR" smtClean="0"/>
-              <a:t>11/11/2023</a:t>
+              <a:t>15/11/2023</a:t>
             </a:fld>
             <a:endParaRPr lang="fr-FR"/>
           </a:p>
@@ -3366,7 +3366,7 @@
           <a:p>
             <a:fld id="{5D8CCCAC-A024-4F79-8743-6AFE7AB40746}" type="slidenum">
               <a:rPr lang="fr-FR" smtClean="0"/>
-              <a:t>‹N°›</a:t>
+              <a:t>‹#›</a:t>
             </a:fld>
             <a:endParaRPr lang="fr-FR"/>
           </a:p>
@@ -3599,7 +3599,7 @@
           <a:p>
             <a:fld id="{8F390982-1CBF-4A43-9328-8B869868AD33}" type="datetimeFigureOut">
               <a:rPr lang="fr-FR" smtClean="0"/>
-              <a:t>11/11/2023</a:t>
+              <a:t>15/11/2023</a:t>
             </a:fld>
             <a:endParaRPr lang="fr-FR"/>
           </a:p>
@@ -3653,7 +3653,7 @@
           <a:p>
             <a:fld id="{5D8CCCAC-A024-4F79-8743-6AFE7AB40746}" type="slidenum">
               <a:rPr lang="fr-FR" smtClean="0"/>
-              <a:t>‹N°›</a:t>
+              <a:t>‹#›</a:t>
             </a:fld>
             <a:endParaRPr lang="fr-FR"/>
           </a:p>
@@ -3876,7 +3876,7 @@
           <a:p>
             <a:fld id="{8F390982-1CBF-4A43-9328-8B869868AD33}" type="datetimeFigureOut">
               <a:rPr lang="fr-FR" smtClean="0"/>
-              <a:t>11/11/2023</a:t>
+              <a:t>15/11/2023</a:t>
             </a:fld>
             <a:endParaRPr lang="fr-FR"/>
           </a:p>
@@ -3930,7 +3930,7 @@
           <a:p>
             <a:fld id="{5D8CCCAC-A024-4F79-8743-6AFE7AB40746}" type="slidenum">
               <a:rPr lang="fr-FR" smtClean="0"/>
-              <a:t>‹N°›</a:t>
+              <a:t>‹#›</a:t>
             </a:fld>
             <a:endParaRPr lang="fr-FR"/>
           </a:p>
@@ -4300,7 +4300,7 @@
           <a:p>
             <a:fld id="{8F390982-1CBF-4A43-9328-8B869868AD33}" type="datetimeFigureOut">
               <a:rPr lang="fr-FR" smtClean="0"/>
-              <a:t>11/11/2023</a:t>
+              <a:t>15/11/2023</a:t>
             </a:fld>
             <a:endParaRPr lang="fr-FR"/>
           </a:p>
@@ -4354,7 +4354,7 @@
           <a:p>
             <a:fld id="{5D8CCCAC-A024-4F79-8743-6AFE7AB40746}" type="slidenum">
               <a:rPr lang="fr-FR" smtClean="0"/>
-              <a:t>‹N°›</a:t>
+              <a:t>‹#›</a:t>
             </a:fld>
             <a:endParaRPr lang="fr-FR"/>
           </a:p>
@@ -4453,7 +4453,7 @@
           <a:p>
             <a:fld id="{8F390982-1CBF-4A43-9328-8B869868AD33}" type="datetimeFigureOut">
               <a:rPr lang="fr-FR" smtClean="0"/>
-              <a:t>11/11/2023</a:t>
+              <a:t>15/11/2023</a:t>
             </a:fld>
             <a:endParaRPr lang="fr-FR"/>
           </a:p>
@@ -4507,7 +4507,7 @@
           <a:p>
             <a:fld id="{5D8CCCAC-A024-4F79-8743-6AFE7AB40746}" type="slidenum">
               <a:rPr lang="fr-FR" smtClean="0"/>
-              <a:t>‹N°›</a:t>
+              <a:t>‹#›</a:t>
             </a:fld>
             <a:endParaRPr lang="fr-FR"/>
           </a:p>
@@ -4578,7 +4578,7 @@
           <a:p>
             <a:fld id="{8F390982-1CBF-4A43-9328-8B869868AD33}" type="datetimeFigureOut">
               <a:rPr lang="fr-FR" smtClean="0"/>
-              <a:t>11/11/2023</a:t>
+              <a:t>15/11/2023</a:t>
             </a:fld>
             <a:endParaRPr lang="fr-FR"/>
           </a:p>
@@ -4632,7 +4632,7 @@
           <a:p>
             <a:fld id="{5D8CCCAC-A024-4F79-8743-6AFE7AB40746}" type="slidenum">
               <a:rPr lang="fr-FR" smtClean="0"/>
-              <a:t>‹N°›</a:t>
+              <a:t>‹#›</a:t>
             </a:fld>
             <a:endParaRPr lang="fr-FR"/>
           </a:p>
@@ -4901,7 +4901,7 @@
           <a:p>
             <a:fld id="{8F390982-1CBF-4A43-9328-8B869868AD33}" type="datetimeFigureOut">
               <a:rPr lang="fr-FR" smtClean="0"/>
-              <a:t>11/11/2023</a:t>
+              <a:t>15/11/2023</a:t>
             </a:fld>
             <a:endParaRPr lang="fr-FR"/>
           </a:p>
@@ -4955,7 +4955,7 @@
           <a:p>
             <a:fld id="{5D8CCCAC-A024-4F79-8743-6AFE7AB40746}" type="slidenum">
               <a:rPr lang="fr-FR" smtClean="0"/>
-              <a:t>‹N°›</a:t>
+              <a:t>‹#›</a:t>
             </a:fld>
             <a:endParaRPr lang="fr-FR"/>
           </a:p>
@@ -5201,7 +5201,7 @@
           <a:p>
             <a:fld id="{8F390982-1CBF-4A43-9328-8B869868AD33}" type="datetimeFigureOut">
               <a:rPr lang="fr-FR" smtClean="0"/>
-              <a:t>11/11/2023</a:t>
+              <a:t>15/11/2023</a:t>
             </a:fld>
             <a:endParaRPr lang="fr-FR"/>
           </a:p>
@@ -5255,7 +5255,7 @@
           <a:p>
             <a:fld id="{5D8CCCAC-A024-4F79-8743-6AFE7AB40746}" type="slidenum">
               <a:rPr lang="fr-FR" smtClean="0"/>
-              <a:t>‹N°›</a:t>
+              <a:t>‹#›</a:t>
             </a:fld>
             <a:endParaRPr lang="fr-FR"/>
           </a:p>
@@ -5484,7 +5484,7 @@
           <a:p>
             <a:fld id="{8F390982-1CBF-4A43-9328-8B869868AD33}" type="datetimeFigureOut">
               <a:rPr lang="fr-FR" smtClean="0"/>
-              <a:t>11/11/2023</a:t>
+              <a:t>15/11/2023</a:t>
             </a:fld>
             <a:endParaRPr lang="fr-FR"/>
           </a:p>
@@ -5574,7 +5574,7 @@
           <a:p>
             <a:fld id="{5D8CCCAC-A024-4F79-8743-6AFE7AB40746}" type="slidenum">
               <a:rPr lang="fr-FR" smtClean="0"/>
-              <a:t>‹N°›</a:t>
+              <a:t>‹#›</a:t>
             </a:fld>
             <a:endParaRPr lang="fr-FR"/>
           </a:p>
@@ -6012,6 +6012,19 @@
               <a:t>And how can we replace them?</a:t>
             </a:r>
           </a:p>
+          <a:p>
+            <a:endParaRPr lang="en-US" sz="2800" b="1" dirty="0">
+              <a:latin typeface="Baskerville Old Face" panose="02020602080505020303" pitchFamily="18" charset="0"/>
+            </a:endParaRPr>
+          </a:p>
+          <a:p>
+            <a:r>
+              <a:rPr lang="en-US" sz="1600" b="1" dirty="0">
+                <a:latin typeface="Baskerville Old Face" panose="02020602080505020303" pitchFamily="18" charset="0"/>
+              </a:rPr>
+              <a:t>Assis Hugo</a:t>
+            </a:r>
+          </a:p>
         </p:txBody>
       </p:sp>
     </p:spTree>
@@ -6138,6 +6151,67 @@
                                           <p:spTgt spid="3">
                                             <p:txEl>
                                               <p:pRg st="0" end="0"/>
+                                            </p:txEl>
+                                          </p:spTgt>
+                                        </p:tgtEl>
+                                      </p:cBhvr>
+                                    </p:animEffect>
+                                  </p:childTnLst>
+                                </p:cTn>
+                              </p:par>
+                            </p:childTnLst>
+                          </p:cTn>
+                        </p:par>
+                      </p:childTnLst>
+                    </p:cTn>
+                  </p:par>
+                  <p:par>
+                    <p:cTn id="12" fill="hold">
+                      <p:stCondLst>
+                        <p:cond delay="indefinite"/>
+                      </p:stCondLst>
+                      <p:childTnLst>
+                        <p:par>
+                          <p:cTn id="13" fill="hold">
+                            <p:stCondLst>
+                              <p:cond delay="0"/>
+                            </p:stCondLst>
+                            <p:childTnLst>
+                              <p:par>
+                                <p:cTn id="14" presetID="14" presetClass="entr" presetSubtype="5" fill="hold" grpId="0" nodeType="clickEffect">
+                                  <p:stCondLst>
+                                    <p:cond delay="0"/>
+                                  </p:stCondLst>
+                                  <p:childTnLst>
+                                    <p:set>
+                                      <p:cBhvr>
+                                        <p:cTn id="15" dur="1" fill="hold">
+                                          <p:stCondLst>
+                                            <p:cond delay="0"/>
+                                          </p:stCondLst>
+                                        </p:cTn>
+                                        <p:tgtEl>
+                                          <p:spTgt spid="3">
+                                            <p:txEl>
+                                              <p:pRg st="2" end="2"/>
+                                            </p:txEl>
+                                          </p:spTgt>
+                                        </p:tgtEl>
+                                        <p:attrNameLst>
+                                          <p:attrName>style.visibility</p:attrName>
+                                        </p:attrNameLst>
+                                      </p:cBhvr>
+                                      <p:to>
+                                        <p:strVal val="visible"/>
+                                      </p:to>
+                                    </p:set>
+                                    <p:animEffect transition="in" filter="randombar(vertical)">
+                                      <p:cBhvr>
+                                        <p:cTn id="16" dur="500"/>
+                                        <p:tgtEl>
+                                          <p:spTgt spid="3">
+                                            <p:txEl>
+                                              <p:pRg st="2" end="2"/>
                                             </p:txEl>
                                           </p:spTgt>
                                         </p:tgtEl>
